--- a/05-testing_while_refactoring_to_attributes.pptx
+++ b/05-testing_while_refactoring_to_attributes.pptx
@@ -6,10 +6,10 @@
     <p:sldMasterId id="2147483847" r:id="rId6"/>
   </p:sldMasterIdLst>
   <p:notesMasterIdLst>
-    <p:notesMasterId r:id="rId35"/>
+    <p:notesMasterId r:id="rId41"/>
   </p:notesMasterIdLst>
   <p:handoutMasterIdLst>
-    <p:handoutMasterId r:id="rId36"/>
+    <p:handoutMasterId r:id="rId42"/>
   </p:handoutMasterIdLst>
   <p:sldIdLst>
     <p:sldId id="256" r:id="rId7"/>
@@ -23,23 +23,29 @@
     <p:sldId id="283" r:id="rId15"/>
     <p:sldId id="284" r:id="rId16"/>
     <p:sldId id="285" r:id="rId17"/>
-    <p:sldId id="286" r:id="rId18"/>
-    <p:sldId id="287" r:id="rId19"/>
-    <p:sldId id="288" r:id="rId20"/>
-    <p:sldId id="289" r:id="rId21"/>
-    <p:sldId id="290" r:id="rId22"/>
-    <p:sldId id="292" r:id="rId23"/>
-    <p:sldId id="293" r:id="rId24"/>
-    <p:sldId id="294" r:id="rId25"/>
-    <p:sldId id="295" r:id="rId26"/>
-    <p:sldId id="296" r:id="rId27"/>
-    <p:sldId id="297" r:id="rId28"/>
-    <p:sldId id="298" r:id="rId29"/>
-    <p:sldId id="299" r:id="rId30"/>
-    <p:sldId id="300" r:id="rId31"/>
-    <p:sldId id="275" r:id="rId32"/>
-    <p:sldId id="276" r:id="rId33"/>
-    <p:sldId id="267" r:id="rId34"/>
+    <p:sldId id="288" r:id="rId18"/>
+    <p:sldId id="286" r:id="rId19"/>
+    <p:sldId id="287" r:id="rId20"/>
+    <p:sldId id="306" r:id="rId21"/>
+    <p:sldId id="289" r:id="rId22"/>
+    <p:sldId id="290" r:id="rId23"/>
+    <p:sldId id="292" r:id="rId24"/>
+    <p:sldId id="293" r:id="rId25"/>
+    <p:sldId id="294" r:id="rId26"/>
+    <p:sldId id="295" r:id="rId27"/>
+    <p:sldId id="296" r:id="rId28"/>
+    <p:sldId id="297" r:id="rId29"/>
+    <p:sldId id="298" r:id="rId30"/>
+    <p:sldId id="299" r:id="rId31"/>
+    <p:sldId id="301" r:id="rId32"/>
+    <p:sldId id="300" r:id="rId33"/>
+    <p:sldId id="302" r:id="rId34"/>
+    <p:sldId id="303" r:id="rId35"/>
+    <p:sldId id="304" r:id="rId36"/>
+    <p:sldId id="305" r:id="rId37"/>
+    <p:sldId id="275" r:id="rId38"/>
+    <p:sldId id="276" r:id="rId39"/>
+    <p:sldId id="267" r:id="rId40"/>
   </p:sldIdLst>
   <p:sldSz cx="16256000" cy="9144000"/>
   <p:notesSz cx="6858000" cy="9144000"/>
@@ -2120,6 +2126,427 @@
 </file>
 
 <file path=ppt/slideLayouts/slideLayout13.xml><?xml version="1.0" encoding="utf-8"?>
+<p:sldLayout xmlns:a="http://schemas.openxmlformats.org/drawingml/2006/main" xmlns:r="http://schemas.openxmlformats.org/officeDocument/2006/relationships" xmlns:p="http://schemas.openxmlformats.org/presentationml/2006/main" userDrawn="1">
+  <p:cSld name="Group Exercise">
+    <p:spTree>
+      <p:nvGrpSpPr>
+        <p:cNvPr id="1" name=""/>
+        <p:cNvGrpSpPr/>
+        <p:nvPr/>
+      </p:nvGrpSpPr>
+      <p:grpSpPr>
+        <a:xfrm>
+          <a:off x="0" y="0"/>
+          <a:ext cx="0" cy="0"/>
+          <a:chOff x="0" y="0"/>
+          <a:chExt cx="0" cy="0"/>
+        </a:xfrm>
+      </p:grpSpPr>
+      <p:sp>
+        <p:nvSpPr>
+          <p:cNvPr id="7" name="TextBox 6"/>
+          <p:cNvSpPr txBox="1"/>
+          <p:nvPr userDrawn="1"/>
+        </p:nvSpPr>
+        <p:spPr bwMode="white">
+          <a:xfrm>
+            <a:off x="136960" y="144390"/>
+            <a:ext cx="12628487" cy="2378219"/>
+          </a:xfrm>
+          <a:prstGeom prst="rect">
+            <a:avLst/>
+          </a:prstGeom>
+          <a:noFill/>
+          <a:ln>
+            <a:noFill/>
+          </a:ln>
+          <a:effectLst/>
+        </p:spPr>
+        <p:txBody>
+          <a:bodyPr lIns="121920" tIns="121920" rIns="121920" bIns="121920" anchor="ctr"/>
+          <a:lstStyle/>
+          <a:p>
+            <a:pPr defTabSz="1219120" fontAlgn="auto">
+              <a:spcBef>
+                <a:spcPts val="0"/>
+              </a:spcBef>
+              <a:spcAft>
+                <a:spcPts val="0"/>
+              </a:spcAft>
+              <a:defRPr/>
+            </a:pPr>
+            <a:r>
+              <a:rPr lang="en-US" sz="16933" dirty="0">
+                <a:ln w="18415" cmpd="sng">
+                  <a:solidFill>
+                    <a:srgbClr val="FFFFFF"/>
+                  </a:solidFill>
+                  <a:prstDash val="solid"/>
+                </a:ln>
+                <a:solidFill>
+                  <a:schemeClr val="bg2">
+                    <a:lumMod val="95000"/>
+                    <a:alpha val="50000"/>
+                  </a:schemeClr>
+                </a:solidFill>
+                <a:latin typeface="+mn-lt"/>
+                <a:ea typeface="+mn-ea"/>
+                <a:cs typeface="+mn-cs"/>
+              </a:rPr>
+              <a:t>EXERCISE</a:t>
+            </a:r>
+          </a:p>
+        </p:txBody>
+      </p:sp>
+      <p:pic>
+        <p:nvPicPr>
+          <p:cNvPr id="3" name="Picture 2" descr="chef.gif"/>
+          <p:cNvPicPr>
+            <a:picLocks noChangeAspect="1"/>
+          </p:cNvPicPr>
+          <p:nvPr userDrawn="1"/>
+        </p:nvPicPr>
+        <p:blipFill>
+          <a:blip r:embed="rId2">
+            <a:extLst>
+              <a:ext uri="{28A0092B-C50C-407E-A947-70E740481C1C}">
+                <a14:useLocalDpi xmlns:a14="http://schemas.microsoft.com/office/drawing/2010/main" val="0"/>
+              </a:ext>
+            </a:extLst>
+          </a:blip>
+          <a:stretch>
+            <a:fillRect/>
+          </a:stretch>
+        </p:blipFill>
+        <p:spPr>
+          <a:xfrm>
+            <a:off x="13399010" y="324724"/>
+            <a:ext cx="2157980" cy="2189001"/>
+          </a:xfrm>
+          <a:prstGeom prst="rect">
+            <a:avLst/>
+          </a:prstGeom>
+        </p:spPr>
+      </p:pic>
+      <p:sp>
+        <p:nvSpPr>
+          <p:cNvPr id="6" name="Title 1"/>
+          <p:cNvSpPr>
+            <a:spLocks noGrp="1"/>
+          </p:cNvSpPr>
+          <p:nvPr>
+            <p:ph type="ctrTitle" hasCustomPrompt="1"/>
+          </p:nvPr>
+        </p:nvSpPr>
+        <p:spPr bwMode="white">
+          <a:xfrm>
+            <a:off x="1671637" y="2292126"/>
+            <a:ext cx="12319001" cy="852712"/>
+          </a:xfrm>
+        </p:spPr>
+        <p:txBody>
+          <a:bodyPr lIns="91440" tIns="91440" rIns="91440" bIns="91440" anchor="ctr"/>
+          <a:lstStyle>
+            <a:lvl1pPr>
+              <a:lnSpc>
+                <a:spcPct val="90000"/>
+              </a:lnSpc>
+              <a:defRPr sz="6400" b="1" spc="0" baseline="0">
+                <a:solidFill>
+                  <a:schemeClr val="accent1"/>
+                </a:solidFill>
+              </a:defRPr>
+            </a:lvl1pPr>
+          </a:lstStyle>
+          <a:p>
+            <a:r>
+              <a:rPr lang="en-US" dirty="0" smtClean="0"/>
+              <a:t>Group Exercise</a:t>
+            </a:r>
+            <a:endParaRPr lang="en-US" dirty="0"/>
+          </a:p>
+        </p:txBody>
+      </p:sp>
+      <p:sp>
+        <p:nvSpPr>
+          <p:cNvPr id="13" name="Content Placeholder 12"/>
+          <p:cNvSpPr>
+            <a:spLocks noGrp="1"/>
+          </p:cNvSpPr>
+          <p:nvPr>
+            <p:ph sz="quarter" idx="11"/>
+          </p:nvPr>
+        </p:nvSpPr>
+        <p:spPr>
+          <a:xfrm>
+            <a:off x="1671638" y="3260725"/>
+            <a:ext cx="12319000" cy="1528233"/>
+          </a:xfrm>
+          <a:prstGeom prst="rect">
+            <a:avLst/>
+          </a:prstGeom>
+        </p:spPr>
+        <p:txBody>
+          <a:bodyPr anchor="ctr">
+            <a:normAutofit/>
+          </a:bodyPr>
+          <a:lstStyle>
+            <a:lvl1pPr marL="121917" indent="0">
+              <a:spcBef>
+                <a:spcPts val="800"/>
+              </a:spcBef>
+              <a:buNone/>
+              <a:defRPr sz="2800" i="1" baseline="0">
+                <a:solidFill>
+                  <a:schemeClr val="bg1">
+                    <a:lumMod val="50000"/>
+                  </a:schemeClr>
+                </a:solidFill>
+              </a:defRPr>
+            </a:lvl1pPr>
+          </a:lstStyle>
+          <a:p>
+            <a:pPr lvl="0"/>
+            <a:r>
+              <a:rPr lang="en-US" dirty="0" smtClean="0"/>
+              <a:t>Click to edit Master text styles</a:t>
+            </a:r>
+          </a:p>
+        </p:txBody>
+      </p:sp>
+      <p:sp>
+        <p:nvSpPr>
+          <p:cNvPr id="10" name="TextBox 11"/>
+          <p:cNvSpPr txBox="1">
+            <a:spLocks noChangeArrowheads="1"/>
+          </p:cNvSpPr>
+          <p:nvPr/>
+        </p:nvSpPr>
+        <p:spPr bwMode="white">
+          <a:xfrm>
+            <a:off x="1671638" y="4917547"/>
+            <a:ext cx="11777663" cy="785812"/>
+          </a:xfrm>
+          <a:prstGeom prst="rect">
+            <a:avLst/>
+          </a:prstGeom>
+          <a:noFill/>
+          <a:ln>
+            <a:noFill/>
+          </a:ln>
+          <a:extLst>
+            <a:ext uri="{909E8E84-426E-40dd-AFC4-6F175D3DCCD1}">
+              <a14:hiddenFill xmlns:a14="http://schemas.microsoft.com/office/drawing/2010/main">
+                <a:solidFill>
+                  <a:srgbClr val="FFFFFF"/>
+                </a:solidFill>
+              </a14:hiddenFill>
+            </a:ext>
+            <a:ext uri="{91240B29-F687-4f45-9708-019B960494DF}">
+              <a14:hiddenLine xmlns:a14="http://schemas.microsoft.com/office/drawing/2010/main" w="9525">
+                <a:solidFill>
+                  <a:srgbClr val="000000"/>
+                </a:solidFill>
+                <a:miter lim="800000"/>
+                <a:headEnd/>
+                <a:tailEnd/>
+              </a14:hiddenLine>
+            </a:ext>
+          </a:extLst>
+        </p:spPr>
+        <p:txBody>
+          <a:bodyPr lIns="121920" tIns="121920" rIns="121920" bIns="121920"/>
+          <a:lstStyle>
+            <a:lvl1pPr>
+              <a:defRPr sz="2400">
+                <a:solidFill>
+                  <a:schemeClr val="tx1"/>
+                </a:solidFill>
+                <a:latin typeface="Arial" charset="0"/>
+                <a:ea typeface="ＭＳ Ｐゴシック" charset="0"/>
+                <a:cs typeface="ＭＳ Ｐゴシック" charset="0"/>
+              </a:defRPr>
+            </a:lvl1pPr>
+            <a:lvl2pPr marL="742950" indent="-285750">
+              <a:defRPr sz="2400">
+                <a:solidFill>
+                  <a:schemeClr val="tx1"/>
+                </a:solidFill>
+                <a:latin typeface="Arial" charset="0"/>
+                <a:ea typeface="ＭＳ Ｐゴシック" charset="0"/>
+              </a:defRPr>
+            </a:lvl2pPr>
+            <a:lvl3pPr marL="1143000" indent="-228600">
+              <a:defRPr sz="2400">
+                <a:solidFill>
+                  <a:schemeClr val="tx1"/>
+                </a:solidFill>
+                <a:latin typeface="Arial" charset="0"/>
+                <a:ea typeface="ＭＳ Ｐゴシック" charset="0"/>
+              </a:defRPr>
+            </a:lvl3pPr>
+            <a:lvl4pPr marL="1600200" indent="-228600">
+              <a:defRPr sz="2400">
+                <a:solidFill>
+                  <a:schemeClr val="tx1"/>
+                </a:solidFill>
+                <a:latin typeface="Arial" charset="0"/>
+                <a:ea typeface="ＭＳ Ｐゴシック" charset="0"/>
+              </a:defRPr>
+            </a:lvl4pPr>
+            <a:lvl5pPr marL="2057400" indent="-228600">
+              <a:defRPr sz="2400">
+                <a:solidFill>
+                  <a:schemeClr val="tx1"/>
+                </a:solidFill>
+                <a:latin typeface="Arial" charset="0"/>
+                <a:ea typeface="ＭＳ Ｐゴシック" charset="0"/>
+              </a:defRPr>
+            </a:lvl5pPr>
+            <a:lvl6pPr marL="2514600" indent="-228600" defTabSz="1217613" fontAlgn="base">
+              <a:spcBef>
+                <a:spcPct val="0"/>
+              </a:spcBef>
+              <a:spcAft>
+                <a:spcPct val="0"/>
+              </a:spcAft>
+              <a:defRPr sz="2400">
+                <a:solidFill>
+                  <a:schemeClr val="tx1"/>
+                </a:solidFill>
+                <a:latin typeface="Arial" charset="0"/>
+                <a:ea typeface="ＭＳ Ｐゴシック" charset="0"/>
+              </a:defRPr>
+            </a:lvl6pPr>
+            <a:lvl7pPr marL="2971800" indent="-228600" defTabSz="1217613" fontAlgn="base">
+              <a:spcBef>
+                <a:spcPct val="0"/>
+              </a:spcBef>
+              <a:spcAft>
+                <a:spcPct val="0"/>
+              </a:spcAft>
+              <a:defRPr sz="2400">
+                <a:solidFill>
+                  <a:schemeClr val="tx1"/>
+                </a:solidFill>
+                <a:latin typeface="Arial" charset="0"/>
+                <a:ea typeface="ＭＳ Ｐゴシック" charset="0"/>
+              </a:defRPr>
+            </a:lvl7pPr>
+            <a:lvl8pPr marL="3429000" indent="-228600" defTabSz="1217613" fontAlgn="base">
+              <a:spcBef>
+                <a:spcPct val="0"/>
+              </a:spcBef>
+              <a:spcAft>
+                <a:spcPct val="0"/>
+              </a:spcAft>
+              <a:defRPr sz="2400">
+                <a:solidFill>
+                  <a:schemeClr val="tx1"/>
+                </a:solidFill>
+                <a:latin typeface="Arial" charset="0"/>
+                <a:ea typeface="ＭＳ Ｐゴシック" charset="0"/>
+              </a:defRPr>
+            </a:lvl8pPr>
+            <a:lvl9pPr marL="3886200" indent="-228600" defTabSz="1217613" fontAlgn="base">
+              <a:spcBef>
+                <a:spcPct val="0"/>
+              </a:spcBef>
+              <a:spcAft>
+                <a:spcPct val="0"/>
+              </a:spcAft>
+              <a:defRPr sz="2400">
+                <a:solidFill>
+                  <a:schemeClr val="tx1"/>
+                </a:solidFill>
+                <a:latin typeface="Arial" charset="0"/>
+                <a:ea typeface="ＭＳ Ｐゴシック" charset="0"/>
+              </a:defRPr>
+            </a:lvl9pPr>
+          </a:lstStyle>
+          <a:p>
+            <a:r>
+              <a:rPr lang="en-US" sz="3200" b="1" dirty="0"/>
+              <a:t>Objective:</a:t>
+            </a:r>
+          </a:p>
+        </p:txBody>
+      </p:sp>
+      <p:sp>
+        <p:nvSpPr>
+          <p:cNvPr id="9" name="Text Placeholder 8"/>
+          <p:cNvSpPr>
+            <a:spLocks noGrp="1"/>
+          </p:cNvSpPr>
+          <p:nvPr>
+            <p:ph type="body" sz="quarter" idx="10"/>
+          </p:nvPr>
+        </p:nvSpPr>
+        <p:spPr>
+          <a:xfrm>
+            <a:off x="1671638" y="5650764"/>
+            <a:ext cx="12319000" cy="2445486"/>
+          </a:xfrm>
+          <a:prstGeom prst="rect">
+            <a:avLst/>
+          </a:prstGeom>
+        </p:spPr>
+        <p:txBody>
+          <a:bodyPr/>
+          <a:lstStyle>
+            <a:lvl1pPr marL="0" indent="0">
+              <a:buFont typeface="Wingdings" charset="2"/>
+              <a:buNone/>
+              <a:defRPr sz="2400" baseline="0"/>
+            </a:lvl1pPr>
+          </a:lstStyle>
+          <a:p>
+            <a:pPr lvl="0"/>
+            <a:r>
+              <a:rPr lang="en-US" dirty="0" smtClean="0"/>
+              <a:t>Click to edit Master text styles</a:t>
+            </a:r>
+          </a:p>
+          <a:p>
+            <a:pPr lvl="1"/>
+            <a:r>
+              <a:rPr lang="en-US" dirty="0" smtClean="0"/>
+              <a:t>Second level</a:t>
+            </a:r>
+          </a:p>
+          <a:p>
+            <a:pPr lvl="2"/>
+            <a:r>
+              <a:rPr lang="en-US" dirty="0" smtClean="0"/>
+              <a:t>Third level</a:t>
+            </a:r>
+          </a:p>
+          <a:p>
+            <a:pPr lvl="3"/>
+            <a:r>
+              <a:rPr lang="en-US" dirty="0" smtClean="0"/>
+              <a:t>Fourth level</a:t>
+            </a:r>
+          </a:p>
+        </p:txBody>
+      </p:sp>
+    </p:spTree>
+    <p:extLst>
+      <p:ext uri="{BB962C8B-B14F-4D97-AF65-F5344CB8AC3E}">
+        <p14:creationId xmlns:p14="http://schemas.microsoft.com/office/powerpoint/2010/main" val="1935267719"/>
+      </p:ext>
+    </p:extLst>
+  </p:cSld>
+  <p:clrMapOvr>
+    <a:masterClrMapping/>
+  </p:clrMapOvr>
+  <p:transition xmlns:p14="http://schemas.microsoft.com/office/powerpoint/2010/main" spd="med">
+    <p:fade/>
+  </p:transition>
+</p:sldLayout>
+</file>
+
+<file path=ppt/slideLayouts/slideLayout14.xml><?xml version="1.0" encoding="utf-8"?>
 <p:sldLayout xmlns:a="http://schemas.openxmlformats.org/drawingml/2006/main" xmlns:r="http://schemas.openxmlformats.org/officeDocument/2006/relationships" xmlns:p="http://schemas.openxmlformats.org/presentationml/2006/main" preserve="1" userDrawn="1">
   <p:cSld name="Motivation">
     <p:spTree>
@@ -2406,7 +2833,7 @@
 </p:sldLayout>
 </file>
 
-<file path=ppt/slideLayouts/slideLayout14.xml><?xml version="1.0" encoding="utf-8"?>
+<file path=ppt/slideLayouts/slideLayout15.xml><?xml version="1.0" encoding="utf-8"?>
 <p:sldLayout xmlns:a="http://schemas.openxmlformats.org/drawingml/2006/main" xmlns:r="http://schemas.openxmlformats.org/officeDocument/2006/relationships" xmlns:p="http://schemas.openxmlformats.org/presentationml/2006/main" preserve="1" userDrawn="1">
   <p:cSld name="Problem">
     <p:spTree>
@@ -2693,7 +3120,7 @@
 </p:sldLayout>
 </file>
 
-<file path=ppt/slideLayouts/slideLayout15.xml><?xml version="1.0" encoding="utf-8"?>
+<file path=ppt/slideLayouts/slideLayout16.xml><?xml version="1.0" encoding="utf-8"?>
 <p:sldLayout xmlns:a="http://schemas.openxmlformats.org/drawingml/2006/main" xmlns:r="http://schemas.openxmlformats.org/officeDocument/2006/relationships" xmlns:p="http://schemas.openxmlformats.org/presentationml/2006/main" preserve="1" userDrawn="1">
   <p:cSld name="Docs">
     <p:spTree>
@@ -3042,7 +3469,7 @@
 </p:sldLayout>
 </file>
 
-<file path=ppt/slideLayouts/slideLayout16.xml><?xml version="1.0" encoding="utf-8"?>
+<file path=ppt/slideLayouts/slideLayout17.xml><?xml version="1.0" encoding="utf-8"?>
 <p:sldLayout xmlns:a="http://schemas.openxmlformats.org/drawingml/2006/main" xmlns:r="http://schemas.openxmlformats.org/officeDocument/2006/relationships" xmlns:p="http://schemas.openxmlformats.org/presentationml/2006/main" preserve="1" userDrawn="1">
   <p:cSld name="Concept">
     <p:spTree>
@@ -3329,7 +3756,7 @@
 </p:sldLayout>
 </file>
 
-<file path=ppt/slideLayouts/slideLayout17.xml><?xml version="1.0" encoding="utf-8"?>
+<file path=ppt/slideLayouts/slideLayout18.xml><?xml version="1.0" encoding="utf-8"?>
 <p:sldLayout xmlns:a="http://schemas.openxmlformats.org/drawingml/2006/main" xmlns:r="http://schemas.openxmlformats.org/officeDocument/2006/relationships" xmlns:p="http://schemas.openxmlformats.org/presentationml/2006/main" preserve="1" userDrawn="1">
   <p:cSld name="Group Exercise">
     <p:spTree>
@@ -3750,7 +4177,7 @@
 </p:sldLayout>
 </file>
 
-<file path=ppt/slideLayouts/slideLayout18.xml><?xml version="1.0" encoding="utf-8"?>
+<file path=ppt/slideLayouts/slideLayout19.xml><?xml version="1.0" encoding="utf-8"?>
 <p:sldLayout xmlns:a="http://schemas.openxmlformats.org/drawingml/2006/main" xmlns:r="http://schemas.openxmlformats.org/officeDocument/2006/relationships" xmlns:p="http://schemas.openxmlformats.org/presentationml/2006/main" preserve="1" userDrawn="1">
   <p:cSld name="Lab">
     <p:spTree>
@@ -4026,318 +4453,6 @@
     <p:extLst>
       <p:ext uri="{BB962C8B-B14F-4D97-AF65-F5344CB8AC3E}">
         <p14:creationId xmlns:p14="http://schemas.microsoft.com/office/powerpoint/2010/main" val="952892369"/>
-      </p:ext>
-    </p:extLst>
-  </p:cSld>
-  <p:clrMapOvr>
-    <a:masterClrMapping/>
-  </p:clrMapOvr>
-  <p:transition xmlns:p14="http://schemas.microsoft.com/office/powerpoint/2010/main" spd="med">
-    <p:fade/>
-  </p:transition>
-</p:sldLayout>
-</file>
-
-<file path=ppt/slideLayouts/slideLayout19.xml><?xml version="1.0" encoding="utf-8"?>
-<p:sldLayout xmlns:a="http://schemas.openxmlformats.org/drawingml/2006/main" xmlns:r="http://schemas.openxmlformats.org/officeDocument/2006/relationships" xmlns:p="http://schemas.openxmlformats.org/presentationml/2006/main" preserve="1" userDrawn="1">
-  <p:cSld name="Version Control">
-    <p:spTree>
-      <p:nvGrpSpPr>
-        <p:cNvPr id="1" name=""/>
-        <p:cNvGrpSpPr/>
-        <p:nvPr/>
-      </p:nvGrpSpPr>
-      <p:grpSpPr>
-        <a:xfrm>
-          <a:off x="0" y="0"/>
-          <a:ext cx="0" cy="0"/>
-          <a:chOff x="0" y="0"/>
-          <a:chExt cx="0" cy="0"/>
-        </a:xfrm>
-      </p:grpSpPr>
-      <p:sp>
-        <p:nvSpPr>
-          <p:cNvPr id="5" name="TextBox 4"/>
-          <p:cNvSpPr txBox="1"/>
-          <p:nvPr/>
-        </p:nvSpPr>
-        <p:spPr bwMode="white">
-          <a:xfrm>
-            <a:off x="136961" y="144390"/>
-            <a:ext cx="12824551" cy="2378219"/>
-          </a:xfrm>
-          <a:prstGeom prst="rect">
-            <a:avLst/>
-          </a:prstGeom>
-          <a:noFill/>
-          <a:ln>
-            <a:noFill/>
-          </a:ln>
-          <a:effectLst/>
-        </p:spPr>
-        <p:txBody>
-          <a:bodyPr lIns="121920" tIns="121920" rIns="121920" bIns="121920" anchor="ctr"/>
-          <a:lstStyle/>
-          <a:p>
-            <a:pPr defTabSz="1219120" fontAlgn="auto">
-              <a:spcBef>
-                <a:spcPts val="0"/>
-              </a:spcBef>
-              <a:spcAft>
-                <a:spcPts val="0"/>
-              </a:spcAft>
-              <a:defRPr/>
-            </a:pPr>
-            <a:r>
-              <a:rPr lang="en-US" sz="16933" dirty="0">
-                <a:ln w="18415" cmpd="sng">
-                  <a:solidFill>
-                    <a:srgbClr val="FFFFFF"/>
-                  </a:solidFill>
-                  <a:prstDash val="solid"/>
-                </a:ln>
-                <a:solidFill>
-                  <a:schemeClr val="bg2">
-                    <a:lumMod val="95000"/>
-                    <a:alpha val="50000"/>
-                  </a:schemeClr>
-                </a:solidFill>
-                <a:latin typeface="+mn-lt"/>
-                <a:ea typeface="+mn-ea"/>
-                <a:cs typeface="+mn-cs"/>
-              </a:rPr>
-              <a:t>COMMIT</a:t>
-            </a:r>
-          </a:p>
-        </p:txBody>
-      </p:sp>
-      <p:pic>
-        <p:nvPicPr>
-          <p:cNvPr id="2" name="Picture 1" descr="commit.gif"/>
-          <p:cNvPicPr>
-            <a:picLocks noChangeAspect="1"/>
-          </p:cNvPicPr>
-          <p:nvPr userDrawn="1"/>
-        </p:nvPicPr>
-        <p:blipFill>
-          <a:blip r:embed="rId2">
-            <a:extLst>
-              <a:ext uri="{28A0092B-C50C-407E-A947-70E740481C1C}">
-                <a14:useLocalDpi xmlns:a14="http://schemas.microsoft.com/office/drawing/2010/main" val="0"/>
-              </a:ext>
-            </a:extLst>
-          </a:blip>
-          <a:stretch>
-            <a:fillRect/>
-          </a:stretch>
-        </p:blipFill>
-        <p:spPr>
-          <a:xfrm>
-            <a:off x="13275968" y="-183233"/>
-            <a:ext cx="2404063" cy="3204916"/>
-          </a:xfrm>
-          <a:prstGeom prst="rect">
-            <a:avLst/>
-          </a:prstGeom>
-        </p:spPr>
-      </p:pic>
-      <p:sp>
-        <p:nvSpPr>
-          <p:cNvPr id="6" name="Title 1"/>
-          <p:cNvSpPr>
-            <a:spLocks noGrp="1"/>
-          </p:cNvSpPr>
-          <p:nvPr>
-            <p:ph type="ctrTitle" hasCustomPrompt="1"/>
-          </p:nvPr>
-        </p:nvSpPr>
-        <p:spPr bwMode="white">
-          <a:xfrm>
-            <a:off x="1660524" y="2294619"/>
-            <a:ext cx="12330113" cy="852712"/>
-          </a:xfrm>
-        </p:spPr>
-        <p:txBody>
-          <a:bodyPr lIns="91440" tIns="91440" rIns="91440" bIns="91440" anchor="ctr"/>
-          <a:lstStyle>
-            <a:lvl1pPr>
-              <a:lnSpc>
-                <a:spcPct val="90000"/>
-              </a:lnSpc>
-              <a:defRPr sz="6400" b="1" spc="0" baseline="0">
-                <a:solidFill>
-                  <a:schemeClr val="accent1"/>
-                </a:solidFill>
-              </a:defRPr>
-            </a:lvl1pPr>
-          </a:lstStyle>
-          <a:p>
-            <a:r>
-              <a:rPr lang="en-US" dirty="0" smtClean="0"/>
-              <a:t>Commit</a:t>
-            </a:r>
-            <a:endParaRPr lang="en-US" dirty="0"/>
-          </a:p>
-        </p:txBody>
-      </p:sp>
-      <p:sp>
-        <p:nvSpPr>
-          <p:cNvPr id="10" name="Subtitle 2"/>
-          <p:cNvSpPr>
-            <a:spLocks noGrp="1"/>
-          </p:cNvSpPr>
-          <p:nvPr>
-            <p:ph type="subTitle" idx="1" hasCustomPrompt="1"/>
-          </p:nvPr>
-        </p:nvSpPr>
-        <p:spPr bwMode="white">
-          <a:xfrm>
-            <a:off x="1660524" y="3273285"/>
-            <a:ext cx="12330113" cy="3346421"/>
-          </a:xfrm>
-          <a:prstGeom prst="rect">
-            <a:avLst/>
-          </a:prstGeom>
-        </p:spPr>
-        <p:txBody>
-          <a:bodyPr lIns="91440" tIns="91440" rIns="91440" bIns="91440">
-            <a:noAutofit/>
-          </a:bodyPr>
-          <a:lstStyle>
-            <a:lvl1pPr marL="0" indent="0" algn="l">
-              <a:lnSpc>
-                <a:spcPct val="100000"/>
-              </a:lnSpc>
-              <a:spcBef>
-                <a:spcPts val="0"/>
-              </a:spcBef>
-              <a:buNone/>
-              <a:defRPr sz="2800" baseline="0">
-                <a:solidFill>
-                  <a:schemeClr val="accent3">
-                    <a:lumMod val="50000"/>
-                  </a:schemeClr>
-                </a:solidFill>
-                <a:latin typeface="Courier New" panose="02070309020205020404" pitchFamily="49" charset="0"/>
-                <a:cs typeface="Courier New" panose="02070309020205020404" pitchFamily="49" charset="0"/>
-              </a:defRPr>
-            </a:lvl1pPr>
-            <a:lvl2pPr marL="609561" indent="0" algn="ctr">
-              <a:buNone/>
-              <a:defRPr>
-                <a:solidFill>
-                  <a:schemeClr val="tx1">
-                    <a:tint val="75000"/>
-                  </a:schemeClr>
-                </a:solidFill>
-              </a:defRPr>
-            </a:lvl2pPr>
-            <a:lvl3pPr marL="1219120" indent="0" algn="ctr">
-              <a:buNone/>
-              <a:defRPr>
-                <a:solidFill>
-                  <a:schemeClr val="tx1">
-                    <a:tint val="75000"/>
-                  </a:schemeClr>
-                </a:solidFill>
-              </a:defRPr>
-            </a:lvl3pPr>
-            <a:lvl4pPr marL="1828681" indent="0" algn="ctr">
-              <a:buNone/>
-              <a:defRPr>
-                <a:solidFill>
-                  <a:schemeClr val="tx1">
-                    <a:tint val="75000"/>
-                  </a:schemeClr>
-                </a:solidFill>
-              </a:defRPr>
-            </a:lvl4pPr>
-            <a:lvl5pPr marL="2438242" indent="0" algn="ctr">
-              <a:buNone/>
-              <a:defRPr>
-                <a:solidFill>
-                  <a:schemeClr val="tx1">
-                    <a:tint val="75000"/>
-                  </a:schemeClr>
-                </a:solidFill>
-              </a:defRPr>
-            </a:lvl5pPr>
-            <a:lvl6pPr marL="3047802" indent="0" algn="ctr">
-              <a:buNone/>
-              <a:defRPr>
-                <a:solidFill>
-                  <a:schemeClr val="tx1">
-                    <a:tint val="75000"/>
-                  </a:schemeClr>
-                </a:solidFill>
-              </a:defRPr>
-            </a:lvl6pPr>
-            <a:lvl7pPr marL="3657362" indent="0" algn="ctr">
-              <a:buNone/>
-              <a:defRPr>
-                <a:solidFill>
-                  <a:schemeClr val="tx1">
-                    <a:tint val="75000"/>
-                  </a:schemeClr>
-                </a:solidFill>
-              </a:defRPr>
-            </a:lvl7pPr>
-            <a:lvl8pPr marL="4266923" indent="0" algn="ctr">
-              <a:buNone/>
-              <a:defRPr>
-                <a:solidFill>
-                  <a:schemeClr val="tx1">
-                    <a:tint val="75000"/>
-                  </a:schemeClr>
-                </a:solidFill>
-              </a:defRPr>
-            </a:lvl8pPr>
-            <a:lvl9pPr marL="4876483" indent="0" algn="ctr">
-              <a:buNone/>
-              <a:defRPr>
-                <a:solidFill>
-                  <a:schemeClr val="tx1">
-                    <a:tint val="75000"/>
-                  </a:schemeClr>
-                </a:solidFill>
-              </a:defRPr>
-            </a:lvl9pPr>
-          </a:lstStyle>
-          <a:p>
-            <a:r>
-              <a:rPr lang="en-US" dirty="0" smtClean="0"/>
-              <a:t>$ cd repo</a:t>
-            </a:r>
-          </a:p>
-          <a:p>
-            <a:r>
-              <a:rPr lang="en-US" dirty="0" smtClean="0"/>
-              <a:t>$ git </a:t>
-            </a:r>
-            <a:r>
-              <a:rPr lang="en-US" dirty="0" err="1" smtClean="0"/>
-              <a:t>init</a:t>
-            </a:r>
-            <a:endParaRPr lang="en-US" dirty="0" smtClean="0"/>
-          </a:p>
-          <a:p>
-            <a:r>
-              <a:rPr lang="en-US" dirty="0" smtClean="0"/>
-              <a:t>$ git add .</a:t>
-            </a:r>
-          </a:p>
-          <a:p>
-            <a:r>
-              <a:rPr lang="en-US" dirty="0" smtClean="0"/>
-              <a:t>$ git commit -m "Work Complete"</a:t>
-            </a:r>
-          </a:p>
-        </p:txBody>
-      </p:sp>
-    </p:spTree>
-    <p:extLst>
-      <p:ext uri="{BB962C8B-B14F-4D97-AF65-F5344CB8AC3E}">
-        <p14:creationId xmlns:p14="http://schemas.microsoft.com/office/powerpoint/2010/main" val="1105998384"/>
       </p:ext>
     </p:extLst>
   </p:cSld>
@@ -4528,6 +4643,318 @@
 </file>
 
 <file path=ppt/slideLayouts/slideLayout20.xml><?xml version="1.0" encoding="utf-8"?>
+<p:sldLayout xmlns:a="http://schemas.openxmlformats.org/drawingml/2006/main" xmlns:r="http://schemas.openxmlformats.org/officeDocument/2006/relationships" xmlns:p="http://schemas.openxmlformats.org/presentationml/2006/main" preserve="1" userDrawn="1">
+  <p:cSld name="Version Control">
+    <p:spTree>
+      <p:nvGrpSpPr>
+        <p:cNvPr id="1" name=""/>
+        <p:cNvGrpSpPr/>
+        <p:nvPr/>
+      </p:nvGrpSpPr>
+      <p:grpSpPr>
+        <a:xfrm>
+          <a:off x="0" y="0"/>
+          <a:ext cx="0" cy="0"/>
+          <a:chOff x="0" y="0"/>
+          <a:chExt cx="0" cy="0"/>
+        </a:xfrm>
+      </p:grpSpPr>
+      <p:sp>
+        <p:nvSpPr>
+          <p:cNvPr id="5" name="TextBox 4"/>
+          <p:cNvSpPr txBox="1"/>
+          <p:nvPr/>
+        </p:nvSpPr>
+        <p:spPr bwMode="white">
+          <a:xfrm>
+            <a:off x="136961" y="144390"/>
+            <a:ext cx="12824551" cy="2378219"/>
+          </a:xfrm>
+          <a:prstGeom prst="rect">
+            <a:avLst/>
+          </a:prstGeom>
+          <a:noFill/>
+          <a:ln>
+            <a:noFill/>
+          </a:ln>
+          <a:effectLst/>
+        </p:spPr>
+        <p:txBody>
+          <a:bodyPr lIns="121920" tIns="121920" rIns="121920" bIns="121920" anchor="ctr"/>
+          <a:lstStyle/>
+          <a:p>
+            <a:pPr defTabSz="1219120" fontAlgn="auto">
+              <a:spcBef>
+                <a:spcPts val="0"/>
+              </a:spcBef>
+              <a:spcAft>
+                <a:spcPts val="0"/>
+              </a:spcAft>
+              <a:defRPr/>
+            </a:pPr>
+            <a:r>
+              <a:rPr lang="en-US" sz="16933" dirty="0">
+                <a:ln w="18415" cmpd="sng">
+                  <a:solidFill>
+                    <a:srgbClr val="FFFFFF"/>
+                  </a:solidFill>
+                  <a:prstDash val="solid"/>
+                </a:ln>
+                <a:solidFill>
+                  <a:schemeClr val="bg2">
+                    <a:lumMod val="95000"/>
+                    <a:alpha val="50000"/>
+                  </a:schemeClr>
+                </a:solidFill>
+                <a:latin typeface="+mn-lt"/>
+                <a:ea typeface="+mn-ea"/>
+                <a:cs typeface="+mn-cs"/>
+              </a:rPr>
+              <a:t>COMMIT</a:t>
+            </a:r>
+          </a:p>
+        </p:txBody>
+      </p:sp>
+      <p:pic>
+        <p:nvPicPr>
+          <p:cNvPr id="2" name="Picture 1" descr="commit.gif"/>
+          <p:cNvPicPr>
+            <a:picLocks noChangeAspect="1"/>
+          </p:cNvPicPr>
+          <p:nvPr userDrawn="1"/>
+        </p:nvPicPr>
+        <p:blipFill>
+          <a:blip r:embed="rId2">
+            <a:extLst>
+              <a:ext uri="{28A0092B-C50C-407E-A947-70E740481C1C}">
+                <a14:useLocalDpi xmlns:a14="http://schemas.microsoft.com/office/drawing/2010/main" val="0"/>
+              </a:ext>
+            </a:extLst>
+          </a:blip>
+          <a:stretch>
+            <a:fillRect/>
+          </a:stretch>
+        </p:blipFill>
+        <p:spPr>
+          <a:xfrm>
+            <a:off x="13275968" y="-183233"/>
+            <a:ext cx="2404063" cy="3204916"/>
+          </a:xfrm>
+          <a:prstGeom prst="rect">
+            <a:avLst/>
+          </a:prstGeom>
+        </p:spPr>
+      </p:pic>
+      <p:sp>
+        <p:nvSpPr>
+          <p:cNvPr id="6" name="Title 1"/>
+          <p:cNvSpPr>
+            <a:spLocks noGrp="1"/>
+          </p:cNvSpPr>
+          <p:nvPr>
+            <p:ph type="ctrTitle" hasCustomPrompt="1"/>
+          </p:nvPr>
+        </p:nvSpPr>
+        <p:spPr bwMode="white">
+          <a:xfrm>
+            <a:off x="1660524" y="2294619"/>
+            <a:ext cx="12330113" cy="852712"/>
+          </a:xfrm>
+        </p:spPr>
+        <p:txBody>
+          <a:bodyPr lIns="91440" tIns="91440" rIns="91440" bIns="91440" anchor="ctr"/>
+          <a:lstStyle>
+            <a:lvl1pPr>
+              <a:lnSpc>
+                <a:spcPct val="90000"/>
+              </a:lnSpc>
+              <a:defRPr sz="6400" b="1" spc="0" baseline="0">
+                <a:solidFill>
+                  <a:schemeClr val="accent1"/>
+                </a:solidFill>
+              </a:defRPr>
+            </a:lvl1pPr>
+          </a:lstStyle>
+          <a:p>
+            <a:r>
+              <a:rPr lang="en-US" dirty="0" smtClean="0"/>
+              <a:t>Commit</a:t>
+            </a:r>
+            <a:endParaRPr lang="en-US" dirty="0"/>
+          </a:p>
+        </p:txBody>
+      </p:sp>
+      <p:sp>
+        <p:nvSpPr>
+          <p:cNvPr id="10" name="Subtitle 2"/>
+          <p:cNvSpPr>
+            <a:spLocks noGrp="1"/>
+          </p:cNvSpPr>
+          <p:nvPr>
+            <p:ph type="subTitle" idx="1" hasCustomPrompt="1"/>
+          </p:nvPr>
+        </p:nvSpPr>
+        <p:spPr bwMode="white">
+          <a:xfrm>
+            <a:off x="1660524" y="3273285"/>
+            <a:ext cx="12330113" cy="3346421"/>
+          </a:xfrm>
+          <a:prstGeom prst="rect">
+            <a:avLst/>
+          </a:prstGeom>
+        </p:spPr>
+        <p:txBody>
+          <a:bodyPr lIns="91440" tIns="91440" rIns="91440" bIns="91440">
+            <a:noAutofit/>
+          </a:bodyPr>
+          <a:lstStyle>
+            <a:lvl1pPr marL="0" indent="0" algn="l">
+              <a:lnSpc>
+                <a:spcPct val="100000"/>
+              </a:lnSpc>
+              <a:spcBef>
+                <a:spcPts val="0"/>
+              </a:spcBef>
+              <a:buNone/>
+              <a:defRPr sz="2800" baseline="0">
+                <a:solidFill>
+                  <a:schemeClr val="accent3">
+                    <a:lumMod val="50000"/>
+                  </a:schemeClr>
+                </a:solidFill>
+                <a:latin typeface="Courier New" panose="02070309020205020404" pitchFamily="49" charset="0"/>
+                <a:cs typeface="Courier New" panose="02070309020205020404" pitchFamily="49" charset="0"/>
+              </a:defRPr>
+            </a:lvl1pPr>
+            <a:lvl2pPr marL="609561" indent="0" algn="ctr">
+              <a:buNone/>
+              <a:defRPr>
+                <a:solidFill>
+                  <a:schemeClr val="tx1">
+                    <a:tint val="75000"/>
+                  </a:schemeClr>
+                </a:solidFill>
+              </a:defRPr>
+            </a:lvl2pPr>
+            <a:lvl3pPr marL="1219120" indent="0" algn="ctr">
+              <a:buNone/>
+              <a:defRPr>
+                <a:solidFill>
+                  <a:schemeClr val="tx1">
+                    <a:tint val="75000"/>
+                  </a:schemeClr>
+                </a:solidFill>
+              </a:defRPr>
+            </a:lvl3pPr>
+            <a:lvl4pPr marL="1828681" indent="0" algn="ctr">
+              <a:buNone/>
+              <a:defRPr>
+                <a:solidFill>
+                  <a:schemeClr val="tx1">
+                    <a:tint val="75000"/>
+                  </a:schemeClr>
+                </a:solidFill>
+              </a:defRPr>
+            </a:lvl4pPr>
+            <a:lvl5pPr marL="2438242" indent="0" algn="ctr">
+              <a:buNone/>
+              <a:defRPr>
+                <a:solidFill>
+                  <a:schemeClr val="tx1">
+                    <a:tint val="75000"/>
+                  </a:schemeClr>
+                </a:solidFill>
+              </a:defRPr>
+            </a:lvl5pPr>
+            <a:lvl6pPr marL="3047802" indent="0" algn="ctr">
+              <a:buNone/>
+              <a:defRPr>
+                <a:solidFill>
+                  <a:schemeClr val="tx1">
+                    <a:tint val="75000"/>
+                  </a:schemeClr>
+                </a:solidFill>
+              </a:defRPr>
+            </a:lvl6pPr>
+            <a:lvl7pPr marL="3657362" indent="0" algn="ctr">
+              <a:buNone/>
+              <a:defRPr>
+                <a:solidFill>
+                  <a:schemeClr val="tx1">
+                    <a:tint val="75000"/>
+                  </a:schemeClr>
+                </a:solidFill>
+              </a:defRPr>
+            </a:lvl7pPr>
+            <a:lvl8pPr marL="4266923" indent="0" algn="ctr">
+              <a:buNone/>
+              <a:defRPr>
+                <a:solidFill>
+                  <a:schemeClr val="tx1">
+                    <a:tint val="75000"/>
+                  </a:schemeClr>
+                </a:solidFill>
+              </a:defRPr>
+            </a:lvl8pPr>
+            <a:lvl9pPr marL="4876483" indent="0" algn="ctr">
+              <a:buNone/>
+              <a:defRPr>
+                <a:solidFill>
+                  <a:schemeClr val="tx1">
+                    <a:tint val="75000"/>
+                  </a:schemeClr>
+                </a:solidFill>
+              </a:defRPr>
+            </a:lvl9pPr>
+          </a:lstStyle>
+          <a:p>
+            <a:r>
+              <a:rPr lang="en-US" dirty="0" smtClean="0"/>
+              <a:t>$ cd repo</a:t>
+            </a:r>
+          </a:p>
+          <a:p>
+            <a:r>
+              <a:rPr lang="en-US" dirty="0" smtClean="0"/>
+              <a:t>$ git </a:t>
+            </a:r>
+            <a:r>
+              <a:rPr lang="en-US" dirty="0" err="1" smtClean="0"/>
+              <a:t>init</a:t>
+            </a:r>
+            <a:endParaRPr lang="en-US" dirty="0" smtClean="0"/>
+          </a:p>
+          <a:p>
+            <a:r>
+              <a:rPr lang="en-US" dirty="0" smtClean="0"/>
+              <a:t>$ git add .</a:t>
+            </a:r>
+          </a:p>
+          <a:p>
+            <a:r>
+              <a:rPr lang="en-US" dirty="0" smtClean="0"/>
+              <a:t>$ git commit -m "Work Complete"</a:t>
+            </a:r>
+          </a:p>
+        </p:txBody>
+      </p:sp>
+    </p:spTree>
+    <p:extLst>
+      <p:ext uri="{BB962C8B-B14F-4D97-AF65-F5344CB8AC3E}">
+        <p14:creationId xmlns:p14="http://schemas.microsoft.com/office/powerpoint/2010/main" val="1105998384"/>
+      </p:ext>
+    </p:extLst>
+  </p:cSld>
+  <p:clrMapOvr>
+    <a:masterClrMapping/>
+  </p:clrMapOvr>
+  <p:transition xmlns:p14="http://schemas.microsoft.com/office/powerpoint/2010/main" spd="med">
+    <p:fade/>
+  </p:transition>
+</p:sldLayout>
+</file>
+
+<file path=ppt/slideLayouts/slideLayout21.xml><?xml version="1.0" encoding="utf-8"?>
 <p:sldLayout xmlns:a="http://schemas.openxmlformats.org/drawingml/2006/main" xmlns:r="http://schemas.openxmlformats.org/officeDocument/2006/relationships" xmlns:p="http://schemas.openxmlformats.org/presentationml/2006/main" preserve="1" userDrawn="1">
   <p:cSld name="Discussion">
     <p:spTree>
@@ -6961,7 +7388,7 @@
           <p:nvPr/>
         </p:nvPicPr>
         <p:blipFill>
-          <a:blip r:embed="rId14">
+          <a:blip r:embed="rId15">
             <a:extLst>
               <a:ext uri="{28A0092B-C50C-407E-A947-70E740481C1C}">
                 <a14:useLocalDpi xmlns:a14="http://schemas.microsoft.com/office/drawing/2010/main" val="0"/>
@@ -7199,6 +7626,7 @@
     <p:sldLayoutId id="2147483840" r:id="rId10"/>
     <p:sldLayoutId id="2147483841" r:id="rId11"/>
     <p:sldLayoutId id="2147483843" r:id="rId12"/>
+    <p:sldLayoutId id="2147483867" r:id="rId13"/>
   </p:sldLayoutIdLst>
   <p:transition xmlns:p14="http://schemas.microsoft.com/office/powerpoint/2010/main" spd="med">
     <p:fade/>
@@ -8929,7 +9357,32 @@
             <a:spLocks noGrp="1"/>
           </p:cNvSpPr>
           <p:nvPr>
-            <p:ph type="title"/>
+            <p:ph type="ctrTitle"/>
+          </p:nvPr>
+        </p:nvSpPr>
+        <p:spPr/>
+        <p:txBody>
+          <a:bodyPr>
+            <a:normAutofit fontScale="90000"/>
+          </a:bodyPr>
+          <a:lstStyle/>
+          <a:p>
+            <a:r>
+              <a:rPr lang="en-US" dirty="0" smtClean="0"/>
+              <a:t>Refactor to Use Attributes</a:t>
+            </a:r>
+            <a:endParaRPr lang="en-US" dirty="0"/>
+          </a:p>
+        </p:txBody>
+      </p:sp>
+      <p:sp>
+        <p:nvSpPr>
+          <p:cNvPr id="3" name="Content Placeholder 2"/>
+          <p:cNvSpPr>
+            <a:spLocks noGrp="1"/>
+          </p:cNvSpPr>
+          <p:nvPr>
+            <p:ph sz="quarter" idx="11"/>
           </p:nvPr>
         </p:nvSpPr>
         <p:spPr/>
@@ -8943,12 +9396,12 @@
       </p:sp>
       <p:sp>
         <p:nvSpPr>
-          <p:cNvPr id="3" name="Content Placeholder 2"/>
-          <p:cNvSpPr>
-            <a:spLocks noGrp="1"/>
-          </p:cNvSpPr>
-          <p:nvPr>
-            <p:ph sz="quarter" idx="10"/>
+          <p:cNvPr id="4" name="Text Placeholder 3"/>
+          <p:cNvSpPr>
+            <a:spLocks noGrp="1"/>
+          </p:cNvSpPr>
+          <p:nvPr>
+            <p:ph type="body" sz="quarter" idx="10"/>
           </p:nvPr>
         </p:nvSpPr>
         <p:spPr/>
@@ -8956,93 +9409,44 @@
           <a:bodyPr/>
           <a:lstStyle/>
           <a:p>
-            <a:r>
-              <a:rPr lang="en-US" dirty="0" smtClean="0"/>
-              <a:t>default['</a:t>
-            </a:r>
-            <a:r>
-              <a:rPr lang="en-US" dirty="0" err="1" smtClean="0"/>
-              <a:t>httpd</a:t>
-            </a:r>
-            <a:r>
-              <a:rPr lang="en-US" dirty="0" smtClean="0"/>
-              <a:t>']['</a:t>
-            </a:r>
-            <a:r>
-              <a:rPr lang="en-US" dirty="0" err="1" smtClean="0"/>
-              <a:t>package_name</a:t>
-            </a:r>
-            <a:r>
-              <a:rPr lang="en-US" dirty="0" smtClean="0"/>
-              <a:t>'] = '</a:t>
-            </a:r>
-            <a:r>
-              <a:rPr lang="en-US" dirty="0" err="1" smtClean="0"/>
-              <a:t>httpd</a:t>
-            </a:r>
-            <a:r>
-              <a:rPr lang="en-US" dirty="0" smtClean="0"/>
-              <a:t>'</a:t>
-            </a:r>
-            <a:endParaRPr lang="en-US" dirty="0"/>
-          </a:p>
-        </p:txBody>
-      </p:sp>
-      <p:sp>
-        <p:nvSpPr>
-          <p:cNvPr id="4" name="Text Placeholder 3"/>
-          <p:cNvSpPr>
-            <a:spLocks noGrp="1"/>
-          </p:cNvSpPr>
-          <p:nvPr>
-            <p:ph type="body" sz="quarter" idx="11"/>
-          </p:nvPr>
-        </p:nvSpPr>
-        <p:spPr/>
-        <p:txBody>
-          <a:bodyPr/>
-          <a:lstStyle/>
-          <a:p>
-            <a:r>
-              <a:rPr lang="en-US" dirty="0" smtClean="0"/>
-              <a:t>~/</a:t>
-            </a:r>
-            <a:r>
-              <a:rPr lang="en-US" dirty="0" err="1" smtClean="0"/>
-              <a:t>httpd</a:t>
-            </a:r>
-            <a:r>
-              <a:rPr lang="en-US" dirty="0" smtClean="0"/>
-              <a:t>/attributes/</a:t>
-            </a:r>
-            <a:r>
-              <a:rPr lang="en-US" dirty="0" err="1" smtClean="0"/>
-              <a:t>default.rb</a:t>
-            </a:r>
-            <a:endParaRPr lang="en-US" dirty="0"/>
-          </a:p>
-        </p:txBody>
-      </p:sp>
-      <p:sp>
-        <p:nvSpPr>
-          <p:cNvPr id="6" name="Text Placeholder 5"/>
-          <p:cNvSpPr>
-            <a:spLocks noGrp="1"/>
-          </p:cNvSpPr>
-          <p:nvPr>
-            <p:ph type="body" sz="quarter" idx="13"/>
-          </p:nvPr>
-        </p:nvSpPr>
-        <p:spPr>
-          <a:xfrm>
-            <a:off x="1135042" y="2122065"/>
-            <a:ext cx="14404273" cy="626533"/>
-          </a:xfrm>
-        </p:spPr>
-        <p:txBody>
-          <a:bodyPr/>
-          <a:lstStyle/>
-          <a:p>
+            <a:pPr marL="342900" indent="-342900">
+              <a:buFont typeface="Wingdings" charset="2"/>
+              <a:buChar char="ü"/>
+            </a:pPr>
+            <a:r>
+              <a:rPr lang="en-US" dirty="0"/>
+              <a:t>Refactor the Install recipe to use a Node attribute</a:t>
+            </a:r>
+          </a:p>
+          <a:p>
+            <a:pPr marL="342900" indent="-342900">
+              <a:buFont typeface="Wingdings" charset="2"/>
+              <a:buChar char="ü"/>
+            </a:pPr>
+            <a:r>
+              <a:rPr lang="en-US" dirty="0"/>
+              <a:t>Execute the tests and verify the tests fail</a:t>
+            </a:r>
+          </a:p>
+          <a:p>
+            <a:pPr marL="342900" indent="-342900">
+              <a:buFont typeface="Wingdings" charset="2"/>
+              <a:buChar char="ü"/>
+            </a:pPr>
+            <a:r>
+              <a:rPr lang="en-US" dirty="0"/>
+              <a:t>Create the attributes file and add the Node attribute</a:t>
+            </a:r>
+          </a:p>
+          <a:p>
+            <a:pPr marL="342900" indent="-342900">
+              <a:buFont typeface="Wingdings" charset="2"/>
+              <a:buChar char="q"/>
+            </a:pPr>
+            <a:r>
+              <a:rPr lang="en-US" dirty="0"/>
+              <a:t>Execute the tests and verify the tests pass</a:t>
+            </a:r>
             <a:endParaRPr lang="en-US" dirty="0"/>
           </a:p>
         </p:txBody>
@@ -9050,7 +9454,7 @@
     </p:spTree>
     <p:extLst>
       <p:ext uri="{BB962C8B-B14F-4D97-AF65-F5344CB8AC3E}">
-        <p14:creationId xmlns:p14="http://schemas.microsoft.com/office/powerpoint/2010/main" val="3806422675"/>
+        <p14:creationId xmlns:p14="http://schemas.microsoft.com/office/powerpoint/2010/main" val="2494958673"/>
       </p:ext>
     </p:extLst>
   </p:cSld>
@@ -9082,12 +9486,12 @@
       </p:grpSpPr>
       <p:sp>
         <p:nvSpPr>
-          <p:cNvPr id="2" name="Content Placeholder 1"/>
-          <p:cNvSpPr>
-            <a:spLocks noGrp="1"/>
-          </p:cNvSpPr>
-          <p:nvPr>
-            <p:ph sz="quarter" idx="10"/>
+          <p:cNvPr id="2" name="Title 1"/>
+          <p:cNvSpPr>
+            <a:spLocks noGrp="1"/>
+          </p:cNvSpPr>
+          <p:nvPr>
+            <p:ph type="title"/>
           </p:nvPr>
         </p:nvSpPr>
         <p:spPr/>
@@ -9095,36 +9499,18 @@
           <a:bodyPr/>
           <a:lstStyle/>
           <a:p>
-            <a:r>
-              <a:rPr lang="en-US" dirty="0"/>
-              <a:t>........</a:t>
-            </a:r>
-          </a:p>
-          <a:p>
-            <a:endParaRPr lang="en-US" dirty="0"/>
-          </a:p>
-          <a:p>
-            <a:r>
-              <a:rPr lang="en-US" dirty="0"/>
-              <a:t>Finished in 2.28 seconds (files took 4.28 seconds to load)</a:t>
-            </a:r>
-          </a:p>
-          <a:p>
-            <a:r>
-              <a:rPr lang="en-US" dirty="0"/>
-              <a:t>8 examples, 0 failures</a:t>
-            </a:r>
-          </a:p>
-        </p:txBody>
-      </p:sp>
-      <p:sp>
-        <p:nvSpPr>
-          <p:cNvPr id="3" name="Text Placeholder 2"/>
-          <p:cNvSpPr>
-            <a:spLocks noGrp="1"/>
-          </p:cNvSpPr>
-          <p:nvPr>
-            <p:ph type="body" sz="quarter" idx="11"/>
+            <a:endParaRPr lang="en-US"/>
+          </a:p>
+        </p:txBody>
+      </p:sp>
+      <p:sp>
+        <p:nvSpPr>
+          <p:cNvPr id="3" name="Content Placeholder 2"/>
+          <p:cNvSpPr>
+            <a:spLocks noGrp="1"/>
+          </p:cNvSpPr>
+          <p:nvPr>
+            <p:ph sz="quarter" idx="10"/>
           </p:nvPr>
         </p:nvSpPr>
         <p:spPr/>
@@ -9134,11 +9520,31 @@
           <a:p>
             <a:r>
               <a:rPr lang="en-US" dirty="0" smtClean="0"/>
-              <a:t>&gt; chef exec </a:t>
+              <a:t>default['</a:t>
             </a:r>
             <a:r>
               <a:rPr lang="en-US" dirty="0" err="1" smtClean="0"/>
-              <a:t>rspec</a:t>
+              <a:t>httpd</a:t>
+            </a:r>
+            <a:r>
+              <a:rPr lang="en-US" dirty="0" smtClean="0"/>
+              <a:t>']['</a:t>
+            </a:r>
+            <a:r>
+              <a:rPr lang="en-US" dirty="0" err="1" smtClean="0"/>
+              <a:t>package_name</a:t>
+            </a:r>
+            <a:r>
+              <a:rPr lang="en-US" dirty="0" smtClean="0"/>
+              <a:t>'] = '</a:t>
+            </a:r>
+            <a:r>
+              <a:rPr lang="en-US" dirty="0" err="1" smtClean="0"/>
+              <a:t>httpd</a:t>
+            </a:r>
+            <a:r>
+              <a:rPr lang="en-US" dirty="0" smtClean="0"/>
+              <a:t>'</a:t>
             </a:r>
             <a:endParaRPr lang="en-US" dirty="0"/>
           </a:p>
@@ -9146,18 +9552,53 @@
       </p:sp>
       <p:sp>
         <p:nvSpPr>
-          <p:cNvPr id="4" name="Content Placeholder 3"/>
-          <p:cNvSpPr>
-            <a:spLocks noGrp="1"/>
-          </p:cNvSpPr>
-          <p:nvPr>
-            <p:ph sz="quarter" idx="12"/>
+          <p:cNvPr id="4" name="Text Placeholder 3"/>
+          <p:cNvSpPr>
+            <a:spLocks noGrp="1"/>
+          </p:cNvSpPr>
+          <p:nvPr>
+            <p:ph type="body" sz="quarter" idx="11"/>
+          </p:nvPr>
+        </p:nvSpPr>
+        <p:spPr/>
+        <p:txBody>
+          <a:bodyPr/>
+          <a:lstStyle/>
+          <a:p>
+            <a:r>
+              <a:rPr lang="en-US" dirty="0" smtClean="0"/>
+              <a:t>~/</a:t>
+            </a:r>
+            <a:r>
+              <a:rPr lang="en-US" dirty="0" err="1" smtClean="0"/>
+              <a:t>httpd</a:t>
+            </a:r>
+            <a:r>
+              <a:rPr lang="en-US" dirty="0" smtClean="0"/>
+              <a:t>/attributes/</a:t>
+            </a:r>
+            <a:r>
+              <a:rPr lang="en-US" dirty="0" err="1" smtClean="0"/>
+              <a:t>default.rb</a:t>
+            </a:r>
+            <a:endParaRPr lang="en-US" dirty="0"/>
+          </a:p>
+        </p:txBody>
+      </p:sp>
+      <p:sp>
+        <p:nvSpPr>
+          <p:cNvPr id="6" name="Text Placeholder 5"/>
+          <p:cNvSpPr>
+            <a:spLocks noGrp="1"/>
+          </p:cNvSpPr>
+          <p:nvPr>
+            <p:ph type="body" sz="quarter" idx="13"/>
           </p:nvPr>
         </p:nvSpPr>
         <p:spPr>
           <a:xfrm>
-            <a:off x="1127883" y="3884083"/>
-            <a:ext cx="14420850" cy="539750"/>
+            <a:off x="1135042" y="2122065"/>
+            <a:ext cx="14404273" cy="626533"/>
           </a:xfrm>
         </p:spPr>
         <p:txBody>
@@ -9165,32 +9606,13 @@
           <a:lstStyle/>
           <a:p>
             <a:endParaRPr lang="en-US" dirty="0"/>
-          </a:p>
-        </p:txBody>
-      </p:sp>
-      <p:sp>
-        <p:nvSpPr>
-          <p:cNvPr id="5" name="Title 4"/>
-          <p:cNvSpPr>
-            <a:spLocks noGrp="1"/>
-          </p:cNvSpPr>
-          <p:nvPr>
-            <p:ph type="title"/>
-          </p:nvPr>
-        </p:nvSpPr>
-        <p:spPr/>
-        <p:txBody>
-          <a:bodyPr/>
-          <a:lstStyle/>
-          <a:p>
-            <a:endParaRPr lang="en-US"/>
           </a:p>
         </p:txBody>
       </p:sp>
     </p:spTree>
     <p:extLst>
       <p:ext uri="{BB962C8B-B14F-4D97-AF65-F5344CB8AC3E}">
-        <p14:creationId xmlns:p14="http://schemas.microsoft.com/office/powerpoint/2010/main" val="4186313307"/>
+        <p14:creationId xmlns:p14="http://schemas.microsoft.com/office/powerpoint/2010/main" val="3806422675"/>
       </p:ext>
     </p:extLst>
   </p:cSld>
@@ -9222,37 +9644,12 @@
       </p:grpSpPr>
       <p:sp>
         <p:nvSpPr>
-          <p:cNvPr id="2" name="Title 1"/>
-          <p:cNvSpPr>
-            <a:spLocks noGrp="1"/>
-          </p:cNvSpPr>
-          <p:nvPr>
-            <p:ph type="ctrTitle"/>
-          </p:nvPr>
-        </p:nvSpPr>
-        <p:spPr/>
-        <p:txBody>
-          <a:bodyPr>
-            <a:normAutofit fontScale="90000"/>
-          </a:bodyPr>
-          <a:lstStyle/>
-          <a:p>
-            <a:r>
-              <a:rPr lang="en-US" dirty="0" smtClean="0"/>
-              <a:t>Refactor to Use Attributes</a:t>
-            </a:r>
-            <a:endParaRPr lang="en-US" dirty="0"/>
-          </a:p>
-        </p:txBody>
-      </p:sp>
-      <p:sp>
-        <p:nvSpPr>
-          <p:cNvPr id="3" name="Content Placeholder 2"/>
-          <p:cNvSpPr>
-            <a:spLocks noGrp="1"/>
-          </p:cNvSpPr>
-          <p:nvPr>
-            <p:ph sz="quarter" idx="11"/>
+          <p:cNvPr id="2" name="Content Placeholder 1"/>
+          <p:cNvSpPr>
+            <a:spLocks noGrp="1"/>
+          </p:cNvSpPr>
+          <p:nvPr>
+            <p:ph sz="quarter" idx="10"/>
           </p:nvPr>
         </p:nvSpPr>
         <p:spPr/>
@@ -9260,18 +9657,36 @@
           <a:bodyPr/>
           <a:lstStyle/>
           <a:p>
-            <a:endParaRPr lang="en-US"/>
-          </a:p>
-        </p:txBody>
-      </p:sp>
-      <p:sp>
-        <p:nvSpPr>
-          <p:cNvPr id="4" name="Text Placeholder 3"/>
-          <p:cNvSpPr>
-            <a:spLocks noGrp="1"/>
-          </p:cNvSpPr>
-          <p:nvPr>
-            <p:ph type="body" sz="quarter" idx="10"/>
+            <a:r>
+              <a:rPr lang="en-US" dirty="0"/>
+              <a:t>........</a:t>
+            </a:r>
+          </a:p>
+          <a:p>
+            <a:endParaRPr lang="en-US" dirty="0"/>
+          </a:p>
+          <a:p>
+            <a:r>
+              <a:rPr lang="en-US" dirty="0"/>
+              <a:t>Finished in 2.28 seconds (files took 4.28 seconds to load)</a:t>
+            </a:r>
+          </a:p>
+          <a:p>
+            <a:r>
+              <a:rPr lang="en-US" dirty="0"/>
+              <a:t>8 examples, 0 failures</a:t>
+            </a:r>
+          </a:p>
+        </p:txBody>
+      </p:sp>
+      <p:sp>
+        <p:nvSpPr>
+          <p:cNvPr id="3" name="Text Placeholder 2"/>
+          <p:cNvSpPr>
+            <a:spLocks noGrp="1"/>
+          </p:cNvSpPr>
+          <p:nvPr>
+            <p:ph type="body" sz="quarter" idx="11"/>
           </p:nvPr>
         </p:nvSpPr>
         <p:spPr/>
@@ -9279,42 +9694,65 @@
           <a:bodyPr/>
           <a:lstStyle/>
           <a:p>
-            <a:pPr marL="342900" indent="-342900">
-              <a:buFont typeface="Wingdings" charset="2"/>
-              <a:buChar char="ü"/>
-            </a:pPr>
-            <a:r>
-              <a:rPr lang="en-US" dirty="0"/>
-              <a:t>Refactor the Install recipe to use a Node attribute</a:t>
-            </a:r>
-          </a:p>
-          <a:p>
-            <a:pPr marL="342900" indent="-342900">
-              <a:buFont typeface="Wingdings" charset="2"/>
-              <a:buChar char="ü"/>
-            </a:pPr>
-            <a:r>
-              <a:rPr lang="en-US" dirty="0"/>
-              <a:t>Execute the tests and verify the tests fail</a:t>
-            </a:r>
-          </a:p>
-          <a:p>
-            <a:pPr marL="342900" indent="-342900">
-              <a:buFont typeface="Wingdings" charset="2"/>
-              <a:buChar char="ü"/>
-            </a:pPr>
-            <a:r>
-              <a:rPr lang="en-US" dirty="0"/>
-              <a:t>Create the attributes file and execute the tests to verify the tests pass</a:t>
+            <a:r>
+              <a:rPr lang="en-US" dirty="0" smtClean="0"/>
+              <a:t>&gt; chef exec </a:t>
+            </a:r>
+            <a:r>
+              <a:rPr lang="en-US" dirty="0" err="1" smtClean="0"/>
+              <a:t>rspec</a:t>
             </a:r>
             <a:endParaRPr lang="en-US" dirty="0"/>
+          </a:p>
+        </p:txBody>
+      </p:sp>
+      <p:sp>
+        <p:nvSpPr>
+          <p:cNvPr id="4" name="Content Placeholder 3"/>
+          <p:cNvSpPr>
+            <a:spLocks noGrp="1"/>
+          </p:cNvSpPr>
+          <p:nvPr>
+            <p:ph sz="quarter" idx="12"/>
+          </p:nvPr>
+        </p:nvSpPr>
+        <p:spPr>
+          <a:xfrm>
+            <a:off x="1127883" y="3884083"/>
+            <a:ext cx="14420850" cy="539750"/>
+          </a:xfrm>
+        </p:spPr>
+        <p:txBody>
+          <a:bodyPr/>
+          <a:lstStyle/>
+          <a:p>
+            <a:endParaRPr lang="en-US" dirty="0"/>
+          </a:p>
+        </p:txBody>
+      </p:sp>
+      <p:sp>
+        <p:nvSpPr>
+          <p:cNvPr id="5" name="Title 4"/>
+          <p:cNvSpPr>
+            <a:spLocks noGrp="1"/>
+          </p:cNvSpPr>
+          <p:nvPr>
+            <p:ph type="title"/>
+          </p:nvPr>
+        </p:nvSpPr>
+        <p:spPr/>
+        <p:txBody>
+          <a:bodyPr/>
+          <a:lstStyle/>
+          <a:p>
+            <a:endParaRPr lang="en-US"/>
           </a:p>
         </p:txBody>
       </p:sp>
     </p:spTree>
     <p:extLst>
       <p:ext uri="{BB962C8B-B14F-4D97-AF65-F5344CB8AC3E}">
-        <p14:creationId xmlns:p14="http://schemas.microsoft.com/office/powerpoint/2010/main" val="2494958673"/>
+        <p14:creationId xmlns:p14="http://schemas.microsoft.com/office/powerpoint/2010/main" val="4186313307"/>
       </p:ext>
     </p:extLst>
   </p:cSld>
@@ -9363,7 +9801,7 @@
           <a:p>
             <a:r>
               <a:rPr lang="en-US" dirty="0" smtClean="0"/>
-              <a:t>What if We Made a Typo?</a:t>
+              <a:t>Refactor to Use Attributes</a:t>
             </a:r>
             <a:endParaRPr lang="en-US" dirty="0"/>
           </a:p>
@@ -9371,12 +9809,12 @@
       </p:sp>
       <p:sp>
         <p:nvSpPr>
-          <p:cNvPr id="3" name="Subtitle 2"/>
-          <p:cNvSpPr>
-            <a:spLocks noGrp="1"/>
-          </p:cNvSpPr>
-          <p:nvPr>
-            <p:ph type="subTitle" idx="1"/>
+          <p:cNvPr id="3" name="Content Placeholder 2"/>
+          <p:cNvSpPr>
+            <a:spLocks noGrp="1"/>
+          </p:cNvSpPr>
+          <p:nvPr>
+            <p:ph sz="quarter" idx="11"/>
           </p:nvPr>
         </p:nvSpPr>
         <p:spPr/>
@@ -9384,9 +9822,62 @@
           <a:bodyPr/>
           <a:lstStyle/>
           <a:p>
-            <a:r>
-              <a:rPr lang="en-US" dirty="0" smtClean="0"/>
-              <a:t>While implementing the attribute file we could have made a mistake.</a:t>
+            <a:endParaRPr lang="en-US"/>
+          </a:p>
+        </p:txBody>
+      </p:sp>
+      <p:sp>
+        <p:nvSpPr>
+          <p:cNvPr id="4" name="Text Placeholder 3"/>
+          <p:cNvSpPr>
+            <a:spLocks noGrp="1"/>
+          </p:cNvSpPr>
+          <p:nvPr>
+            <p:ph type="body" sz="quarter" idx="10"/>
+          </p:nvPr>
+        </p:nvSpPr>
+        <p:spPr/>
+        <p:txBody>
+          <a:bodyPr/>
+          <a:lstStyle/>
+          <a:p>
+            <a:pPr marL="342900" indent="-342900">
+              <a:buFont typeface="Wingdings" charset="2"/>
+              <a:buChar char="ü"/>
+            </a:pPr>
+            <a:r>
+              <a:rPr lang="en-US" dirty="0"/>
+              <a:t>Refactor the Install recipe to use a Node attribute</a:t>
+            </a:r>
+          </a:p>
+          <a:p>
+            <a:pPr marL="342900" indent="-342900">
+              <a:buFont typeface="Wingdings" charset="2"/>
+              <a:buChar char="ü"/>
+            </a:pPr>
+            <a:r>
+              <a:rPr lang="en-US" dirty="0"/>
+              <a:t>Execute the tests and verify the tests fail</a:t>
+            </a:r>
+          </a:p>
+          <a:p>
+            <a:pPr marL="342900" indent="-342900">
+              <a:buFont typeface="Wingdings" charset="2"/>
+              <a:buChar char="ü"/>
+            </a:pPr>
+            <a:r>
+              <a:rPr lang="en-US" dirty="0"/>
+              <a:t>Create the attributes file and add the Node attribute</a:t>
+            </a:r>
+          </a:p>
+          <a:p>
+            <a:pPr marL="342900" indent="-342900">
+              <a:buFont typeface="Wingdings" charset="2"/>
+              <a:buChar char="ü"/>
+            </a:pPr>
+            <a:r>
+              <a:rPr lang="en-US" dirty="0"/>
+              <a:t>Execute the tests and verify the tests pass</a:t>
             </a:r>
             <a:endParaRPr lang="en-US" dirty="0"/>
           </a:p>
@@ -9395,7 +9886,7 @@
     </p:spTree>
     <p:extLst>
       <p:ext uri="{BB962C8B-B14F-4D97-AF65-F5344CB8AC3E}">
-        <p14:creationId xmlns:p14="http://schemas.microsoft.com/office/powerpoint/2010/main" val="2188955293"/>
+        <p14:creationId xmlns:p14="http://schemas.microsoft.com/office/powerpoint/2010/main" val="3922597039"/>
       </p:ext>
     </p:extLst>
   </p:cSld>
@@ -9432,7 +9923,32 @@
             <a:spLocks noGrp="1"/>
           </p:cNvSpPr>
           <p:nvPr>
-            <p:ph type="title"/>
+            <p:ph type="ctrTitle"/>
+          </p:nvPr>
+        </p:nvSpPr>
+        <p:spPr/>
+        <p:txBody>
+          <a:bodyPr>
+            <a:normAutofit fontScale="90000"/>
+          </a:bodyPr>
+          <a:lstStyle/>
+          <a:p>
+            <a:r>
+              <a:rPr lang="en-US" dirty="0" smtClean="0"/>
+              <a:t>What if We Made a Typo?</a:t>
+            </a:r>
+            <a:endParaRPr lang="en-US" dirty="0"/>
+          </a:p>
+        </p:txBody>
+      </p:sp>
+      <p:sp>
+        <p:nvSpPr>
+          <p:cNvPr id="3" name="Subtitle 2"/>
+          <p:cNvSpPr>
+            <a:spLocks noGrp="1"/>
+          </p:cNvSpPr>
+          <p:nvPr>
+            <p:ph type="subTitle" idx="1"/>
           </p:nvPr>
         </p:nvSpPr>
         <p:spPr/>
@@ -9440,119 +9956,18 @@
           <a:bodyPr/>
           <a:lstStyle/>
           <a:p>
-            <a:endParaRPr lang="en-US"/>
-          </a:p>
-        </p:txBody>
-      </p:sp>
-      <p:sp>
-        <p:nvSpPr>
-          <p:cNvPr id="3" name="Content Placeholder 2"/>
-          <p:cNvSpPr>
-            <a:spLocks noGrp="1"/>
-          </p:cNvSpPr>
-          <p:nvPr>
-            <p:ph sz="quarter" idx="10"/>
-          </p:nvPr>
-        </p:nvSpPr>
-        <p:spPr/>
-        <p:txBody>
-          <a:bodyPr/>
-          <a:lstStyle/>
-          <a:p>
-            <a:r>
-              <a:rPr lang="en-US" dirty="0"/>
-              <a:t>default[</a:t>
-            </a:r>
             <a:r>
               <a:rPr lang="en-US" dirty="0" smtClean="0"/>
-              <a:t>'</a:t>
-            </a:r>
-            <a:r>
-              <a:rPr lang="en-US" dirty="0" err="1" smtClean="0"/>
-              <a:t>htpd</a:t>
+              <a:t>While implementing the </a:t>
             </a:r>
             <a:r>
               <a:rPr lang="en-US" dirty="0" smtClean="0"/>
-              <a:t>'</a:t>
-            </a:r>
-            <a:r>
-              <a:rPr lang="en-US" dirty="0"/>
-              <a:t>]['</a:t>
-            </a:r>
-            <a:r>
-              <a:rPr lang="en-US" dirty="0" err="1"/>
-              <a:t>package_name</a:t>
-            </a:r>
-            <a:r>
-              <a:rPr lang="en-US" dirty="0"/>
-              <a:t>'] = '</a:t>
-            </a:r>
-            <a:r>
-              <a:rPr lang="en-US" dirty="0" err="1"/>
-              <a:t>httpd</a:t>
-            </a:r>
-            <a:r>
-              <a:rPr lang="en-US" dirty="0"/>
-              <a:t>'</a:t>
-            </a:r>
-          </a:p>
-        </p:txBody>
-      </p:sp>
-      <p:sp>
-        <p:nvSpPr>
-          <p:cNvPr id="4" name="Text Placeholder 3"/>
-          <p:cNvSpPr>
-            <a:spLocks noGrp="1"/>
-          </p:cNvSpPr>
-          <p:nvPr>
-            <p:ph type="body" sz="quarter" idx="11"/>
-          </p:nvPr>
-        </p:nvSpPr>
-        <p:spPr/>
-        <p:txBody>
-          <a:bodyPr/>
-          <a:lstStyle/>
-          <a:p>
-            <a:r>
-              <a:rPr lang="en-US" dirty="0" smtClean="0"/>
-              <a:t>~/</a:t>
-            </a:r>
-            <a:r>
-              <a:rPr lang="en-US" dirty="0" err="1" smtClean="0"/>
-              <a:t>httpd</a:t>
-            </a:r>
-            <a:r>
-              <a:rPr lang="en-US" dirty="0" smtClean="0"/>
-              <a:t>/attributes/</a:t>
-            </a:r>
-            <a:r>
-              <a:rPr lang="en-US" dirty="0" err="1" smtClean="0"/>
-              <a:t>default.rb</a:t>
-            </a:r>
-            <a:endParaRPr lang="en-US" dirty="0"/>
-          </a:p>
-        </p:txBody>
-      </p:sp>
-      <p:sp>
-        <p:nvSpPr>
-          <p:cNvPr id="6" name="Text Placeholder 5"/>
-          <p:cNvSpPr>
-            <a:spLocks noGrp="1"/>
-          </p:cNvSpPr>
-          <p:nvPr>
-            <p:ph type="body" sz="quarter" idx="13"/>
-          </p:nvPr>
-        </p:nvSpPr>
-        <p:spPr>
-          <a:xfrm>
-            <a:off x="1135042" y="2122065"/>
-            <a:ext cx="14404273" cy="626533"/>
-          </a:xfrm>
-        </p:spPr>
-        <p:txBody>
-          <a:bodyPr/>
-          <a:lstStyle/>
-          <a:p>
+              <a:t>node attribute what if made </a:t>
+            </a:r>
+            <a:r>
+              <a:rPr lang="en-US" smtClean="0"/>
+              <a:t>a mistake?</a:t>
+            </a:r>
             <a:endParaRPr lang="en-US" dirty="0"/>
           </a:p>
         </p:txBody>
@@ -9560,7 +9975,7 @@
     </p:spTree>
     <p:extLst>
       <p:ext uri="{BB962C8B-B14F-4D97-AF65-F5344CB8AC3E}">
-        <p14:creationId xmlns:p14="http://schemas.microsoft.com/office/powerpoint/2010/main" val="2518761825"/>
+        <p14:creationId xmlns:p14="http://schemas.microsoft.com/office/powerpoint/2010/main" val="2188955293"/>
       </p:ext>
     </p:extLst>
   </p:cSld>
@@ -9597,32 +10012,7 @@
             <a:spLocks noGrp="1"/>
           </p:cNvSpPr>
           <p:nvPr>
-            <p:ph type="ctrTitle"/>
-          </p:nvPr>
-        </p:nvSpPr>
-        <p:spPr/>
-        <p:txBody>
-          <a:bodyPr>
-            <a:normAutofit fontScale="90000"/>
-          </a:bodyPr>
-          <a:lstStyle/>
-          <a:p>
-            <a:r>
-              <a:rPr lang="en-US" dirty="0" smtClean="0"/>
-              <a:t>Pry a Debugger</a:t>
-            </a:r>
-            <a:endParaRPr lang="en-US" dirty="0"/>
-          </a:p>
-        </p:txBody>
-      </p:sp>
-      <p:sp>
-        <p:nvSpPr>
-          <p:cNvPr id="3" name="Subtitle 2"/>
-          <p:cNvSpPr>
-            <a:spLocks noGrp="1"/>
-          </p:cNvSpPr>
-          <p:nvPr>
-            <p:ph type="subTitle" idx="1"/>
+            <p:ph type="title"/>
           </p:nvPr>
         </p:nvSpPr>
         <p:spPr/>
@@ -9630,17 +10020,127 @@
           <a:bodyPr/>
           <a:lstStyle/>
           <a:p>
+            <a:endParaRPr lang="en-US"/>
+          </a:p>
+        </p:txBody>
+      </p:sp>
+      <p:sp>
+        <p:nvSpPr>
+          <p:cNvPr id="3" name="Content Placeholder 2"/>
+          <p:cNvSpPr>
+            <a:spLocks noGrp="1"/>
+          </p:cNvSpPr>
+          <p:nvPr>
+            <p:ph sz="quarter" idx="10"/>
+          </p:nvPr>
+        </p:nvSpPr>
+        <p:spPr/>
+        <p:txBody>
+          <a:bodyPr/>
+          <a:lstStyle/>
+          <a:p>
+            <a:r>
+              <a:rPr lang="en-US" dirty="0"/>
+              <a:t>default[</a:t>
+            </a:r>
             <a:r>
               <a:rPr lang="en-US" dirty="0" smtClean="0"/>
-              <a:t>Pry is a Ruby debugger that allows you to define break points. These breakpoints allow you to pause operation and interact with the current process being able to interrogate the current state of the system.</a:t>
-            </a:r>
+              <a:t>'</a:t>
+            </a:r>
+            <a:r>
+              <a:rPr lang="en-US" dirty="0" err="1" smtClean="0"/>
+              <a:t>htpd</a:t>
+            </a:r>
+            <a:r>
+              <a:rPr lang="en-US" dirty="0" smtClean="0"/>
+              <a:t>'</a:t>
+            </a:r>
+            <a:r>
+              <a:rPr lang="en-US" dirty="0"/>
+              <a:t>]['</a:t>
+            </a:r>
+            <a:r>
+              <a:rPr lang="en-US" dirty="0" err="1"/>
+              <a:t>package_name</a:t>
+            </a:r>
+            <a:r>
+              <a:rPr lang="en-US" dirty="0"/>
+              <a:t>'] = '</a:t>
+            </a:r>
+            <a:r>
+              <a:rPr lang="en-US" dirty="0" err="1"/>
+              <a:t>httpd</a:t>
+            </a:r>
+            <a:r>
+              <a:rPr lang="en-US" dirty="0"/>
+              <a:t>'</a:t>
+            </a:r>
+          </a:p>
+        </p:txBody>
+      </p:sp>
+      <p:sp>
+        <p:nvSpPr>
+          <p:cNvPr id="4" name="Text Placeholder 3"/>
+          <p:cNvSpPr>
+            <a:spLocks noGrp="1"/>
+          </p:cNvSpPr>
+          <p:nvPr>
+            <p:ph type="body" sz="quarter" idx="11"/>
+          </p:nvPr>
+        </p:nvSpPr>
+        <p:spPr/>
+        <p:txBody>
+          <a:bodyPr/>
+          <a:lstStyle/>
+          <a:p>
+            <a:r>
+              <a:rPr lang="en-US" dirty="0" smtClean="0"/>
+              <a:t>~/</a:t>
+            </a:r>
+            <a:r>
+              <a:rPr lang="en-US" dirty="0" err="1" smtClean="0"/>
+              <a:t>httpd</a:t>
+            </a:r>
+            <a:r>
+              <a:rPr lang="en-US" dirty="0" smtClean="0"/>
+              <a:t>/attributes/</a:t>
+            </a:r>
+            <a:r>
+              <a:rPr lang="en-US" dirty="0" err="1" smtClean="0"/>
+              <a:t>default.rb</a:t>
+            </a:r>
+            <a:endParaRPr lang="en-US" dirty="0"/>
+          </a:p>
+        </p:txBody>
+      </p:sp>
+      <p:sp>
+        <p:nvSpPr>
+          <p:cNvPr id="6" name="Text Placeholder 5"/>
+          <p:cNvSpPr>
+            <a:spLocks noGrp="1"/>
+          </p:cNvSpPr>
+          <p:nvPr>
+            <p:ph type="body" sz="quarter" idx="13"/>
+          </p:nvPr>
+        </p:nvSpPr>
+        <p:spPr>
+          <a:xfrm>
+            <a:off x="1135042" y="2122065"/>
+            <a:ext cx="14404273" cy="626533"/>
+          </a:xfrm>
+        </p:spPr>
+        <p:txBody>
+          <a:bodyPr/>
+          <a:lstStyle/>
+          <a:p>
+            <a:endParaRPr lang="en-US" dirty="0"/>
           </a:p>
         </p:txBody>
       </p:sp>
     </p:spTree>
     <p:extLst>
       <p:ext uri="{BB962C8B-B14F-4D97-AF65-F5344CB8AC3E}">
-        <p14:creationId xmlns:p14="http://schemas.microsoft.com/office/powerpoint/2010/main" val="1977674906"/>
+        <p14:creationId xmlns:p14="http://schemas.microsoft.com/office/powerpoint/2010/main" val="2518761825"/>
       </p:ext>
     </p:extLst>
   </p:cSld>
@@ -9677,7 +10177,32 @@
             <a:spLocks noGrp="1"/>
           </p:cNvSpPr>
           <p:nvPr>
-            <p:ph type="title"/>
+            <p:ph type="ctrTitle"/>
+          </p:nvPr>
+        </p:nvSpPr>
+        <p:spPr/>
+        <p:txBody>
+          <a:bodyPr>
+            <a:normAutofit fontScale="90000"/>
+          </a:bodyPr>
+          <a:lstStyle/>
+          <a:p>
+            <a:r>
+              <a:rPr lang="en-US" dirty="0" smtClean="0"/>
+              <a:t>Pry a Debugger</a:t>
+            </a:r>
+            <a:endParaRPr lang="en-US" dirty="0"/>
+          </a:p>
+        </p:txBody>
+      </p:sp>
+      <p:sp>
+        <p:nvSpPr>
+          <p:cNvPr id="3" name="Subtitle 2"/>
+          <p:cNvSpPr>
+            <a:spLocks noGrp="1"/>
+          </p:cNvSpPr>
+          <p:nvPr>
+            <p:ph type="subTitle" idx="1"/>
           </p:nvPr>
         </p:nvSpPr>
         <p:spPr/>
@@ -9685,166 +10210,17 @@
           <a:bodyPr/>
           <a:lstStyle/>
           <a:p>
-            <a:endParaRPr lang="en-US"/>
-          </a:p>
-        </p:txBody>
-      </p:sp>
-      <p:sp>
-        <p:nvSpPr>
-          <p:cNvPr id="3" name="Content Placeholder 2"/>
-          <p:cNvSpPr>
-            <a:spLocks noGrp="1"/>
-          </p:cNvSpPr>
-          <p:nvPr>
-            <p:ph sz="quarter" idx="10"/>
-          </p:nvPr>
-        </p:nvSpPr>
-        <p:spPr/>
-        <p:txBody>
-          <a:bodyPr/>
-          <a:lstStyle/>
-          <a:p>
-            <a:r>
-              <a:rPr lang="en-US" dirty="0"/>
-              <a:t>#</a:t>
-            </a:r>
-          </a:p>
-          <a:p>
-            <a:r>
-              <a:rPr lang="en-US" dirty="0"/>
-              <a:t># Cookbook Name:: </a:t>
-            </a:r>
-            <a:r>
-              <a:rPr lang="en-US" dirty="0" err="1"/>
-              <a:t>httpd</a:t>
-            </a:r>
-            <a:endParaRPr lang="en-US" dirty="0"/>
-          </a:p>
-          <a:p>
-            <a:r>
-              <a:rPr lang="en-US" dirty="0"/>
-              <a:t># Recipe:: install</a:t>
-            </a:r>
-          </a:p>
-          <a:p>
-            <a:r>
-              <a:rPr lang="en-US" dirty="0"/>
-              <a:t>#</a:t>
-            </a:r>
-          </a:p>
-          <a:p>
-            <a:r>
-              <a:rPr lang="en-US" dirty="0"/>
-              <a:t># Copyright (c) 2015 The Authors, All Rights Reserved.</a:t>
-            </a:r>
-          </a:p>
-          <a:p>
             <a:r>
               <a:rPr lang="en-US" dirty="0" smtClean="0"/>
-              <a:t>require 'pry'</a:t>
-            </a:r>
-          </a:p>
-          <a:p>
-            <a:r>
-              <a:rPr lang="en-US" dirty="0" err="1" smtClean="0"/>
-              <a:t>binding.pry</a:t>
-            </a:r>
-            <a:endParaRPr lang="en-US" dirty="0" smtClean="0"/>
-          </a:p>
-          <a:p>
-            <a:endParaRPr lang="en-US" dirty="0" smtClean="0"/>
-          </a:p>
-          <a:p>
-            <a:r>
-              <a:rPr lang="en-US" dirty="0" smtClean="0"/>
-              <a:t>package </a:t>
-            </a:r>
-            <a:r>
-              <a:rPr lang="en-US" dirty="0"/>
-              <a:t>node['</a:t>
-            </a:r>
-            <a:r>
-              <a:rPr lang="en-US" dirty="0" err="1"/>
-              <a:t>httpd</a:t>
-            </a:r>
-            <a:r>
-              <a:rPr lang="en-US" dirty="0"/>
-              <a:t>']['</a:t>
-            </a:r>
-            <a:r>
-              <a:rPr lang="en-US" dirty="0" err="1"/>
-              <a:t>package_name</a:t>
-            </a:r>
-            <a:r>
-              <a:rPr lang="en-US" dirty="0"/>
-              <a:t>']</a:t>
-            </a:r>
-          </a:p>
-        </p:txBody>
-      </p:sp>
-      <p:sp>
-        <p:nvSpPr>
-          <p:cNvPr id="4" name="Text Placeholder 3"/>
-          <p:cNvSpPr>
-            <a:spLocks noGrp="1"/>
-          </p:cNvSpPr>
-          <p:nvPr>
-            <p:ph type="body" sz="quarter" idx="11"/>
-          </p:nvPr>
-        </p:nvSpPr>
-        <p:spPr/>
-        <p:txBody>
-          <a:bodyPr/>
-          <a:lstStyle/>
-          <a:p>
-            <a:r>
-              <a:rPr lang="en-US" dirty="0" smtClean="0"/>
-              <a:t>~/</a:t>
-            </a:r>
-            <a:r>
-              <a:rPr lang="en-US" dirty="0" err="1" smtClean="0"/>
-              <a:t>httpd</a:t>
-            </a:r>
-            <a:r>
-              <a:rPr lang="en-US" dirty="0" smtClean="0"/>
-              <a:t>/recipes/</a:t>
-            </a:r>
-            <a:r>
-              <a:rPr lang="en-US" dirty="0" err="1" smtClean="0"/>
-              <a:t>install.rb</a:t>
-            </a:r>
-            <a:endParaRPr lang="en-US" dirty="0"/>
-          </a:p>
-        </p:txBody>
-      </p:sp>
-      <p:sp>
-        <p:nvSpPr>
-          <p:cNvPr id="6" name="Text Placeholder 5"/>
-          <p:cNvSpPr>
-            <a:spLocks noGrp="1"/>
-          </p:cNvSpPr>
-          <p:nvPr>
-            <p:ph type="body" sz="quarter" idx="13"/>
-          </p:nvPr>
-        </p:nvSpPr>
-        <p:spPr>
-          <a:xfrm>
-            <a:off x="1135042" y="4757315"/>
-            <a:ext cx="14404273" cy="1677352"/>
-          </a:xfrm>
-        </p:spPr>
-        <p:txBody>
-          <a:bodyPr/>
-          <a:lstStyle/>
-          <a:p>
-            <a:endParaRPr lang="en-US" dirty="0"/>
+              <a:t>Pry is a Ruby debugger that allows you to define break points. These breakpoints allow you to pause operation and interact with the current process being able to interrogate the current state of the system.</a:t>
+            </a:r>
           </a:p>
         </p:txBody>
       </p:sp>
     </p:spTree>
     <p:extLst>
       <p:ext uri="{BB962C8B-B14F-4D97-AF65-F5344CB8AC3E}">
-        <p14:creationId xmlns:p14="http://schemas.microsoft.com/office/powerpoint/2010/main" val="77402897"/>
+        <p14:creationId xmlns:p14="http://schemas.microsoft.com/office/powerpoint/2010/main" val="1977674906"/>
       </p:ext>
     </p:extLst>
   </p:cSld>
@@ -9854,6 +10230,13 @@
   <p:transition xmlns:p14="http://schemas.microsoft.com/office/powerpoint/2010/main" spd="med">
     <p:fade/>
   </p:transition>
+  <p:timing>
+    <p:tnLst>
+      <p:par>
+        <p:cTn xmlns:p14="http://schemas.microsoft.com/office/powerpoint/2010/main" id="1" dur="indefinite" restart="never" nodeType="tmRoot"/>
+      </p:par>
+    </p:tnLst>
+  </p:timing>
 </p:sld>
 </file>
 
@@ -9876,12 +10259,12 @@
       </p:grpSpPr>
       <p:sp>
         <p:nvSpPr>
-          <p:cNvPr id="2" name="Content Placeholder 1"/>
-          <p:cNvSpPr>
-            <a:spLocks noGrp="1"/>
-          </p:cNvSpPr>
-          <p:nvPr>
-            <p:ph sz="quarter" idx="10"/>
+          <p:cNvPr id="2" name="Title 1"/>
+          <p:cNvSpPr>
+            <a:spLocks noGrp="1"/>
+          </p:cNvSpPr>
+          <p:nvPr>
+            <p:ph type="title"/>
           </p:nvPr>
         </p:nvSpPr>
         <p:spPr/>
@@ -9889,157 +10272,18 @@
           <a:bodyPr/>
           <a:lstStyle/>
           <a:p>
-            <a:r>
-              <a:rPr lang="en-US" sz="2400" dirty="0" smtClean="0"/>
-              <a:t>From</a:t>
-            </a:r>
-            <a:r>
-              <a:rPr lang="en-US" sz="2400" dirty="0"/>
-              <a:t>: /</a:t>
-            </a:r>
-            <a:r>
-              <a:rPr lang="en-US" sz="2400" dirty="0" err="1"/>
-              <a:t>tmp</a:t>
-            </a:r>
-            <a:r>
-              <a:rPr lang="en-US" sz="2400" dirty="0"/>
-              <a:t>/d20151026-17430-19i8bee/cookbooks/</a:t>
-            </a:r>
-            <a:r>
-              <a:rPr lang="en-US" sz="2400" dirty="0" err="1"/>
-              <a:t>httpd</a:t>
-            </a:r>
-            <a:r>
-              <a:rPr lang="en-US" sz="2400" dirty="0"/>
-              <a:t>/recipes/</a:t>
-            </a:r>
-            <a:r>
-              <a:rPr lang="en-US" sz="2400" dirty="0" err="1"/>
-              <a:t>install.rb</a:t>
-            </a:r>
-            <a:r>
-              <a:rPr lang="en-US" sz="2400" dirty="0"/>
-              <a:t> @ line 7 Chef::</a:t>
-            </a:r>
-            <a:r>
-              <a:rPr lang="en-US" sz="2400" dirty="0" err="1"/>
-              <a:t>Mixin</a:t>
-            </a:r>
-            <a:r>
-              <a:rPr lang="en-US" sz="2400" dirty="0"/>
-              <a:t>::</a:t>
-            </a:r>
-            <a:r>
-              <a:rPr lang="en-US" sz="2400" dirty="0" err="1"/>
-              <a:t>FromFile#from_file</a:t>
-            </a:r>
-            <a:r>
-              <a:rPr lang="en-US" sz="2400" dirty="0"/>
-              <a:t>:</a:t>
-            </a:r>
-          </a:p>
-          <a:p>
-            <a:endParaRPr lang="en-US" sz="2400" dirty="0"/>
-          </a:p>
-          <a:p>
-            <a:r>
-              <a:rPr lang="en-US" sz="2400" dirty="0"/>
-              <a:t>    2: # Cookbook Name:: </a:t>
-            </a:r>
-            <a:r>
-              <a:rPr lang="en-US" sz="2400" dirty="0" err="1"/>
-              <a:t>httpd</a:t>
-            </a:r>
-            <a:endParaRPr lang="en-US" sz="2400" dirty="0"/>
-          </a:p>
-          <a:p>
-            <a:r>
-              <a:rPr lang="en-US" sz="2400" dirty="0"/>
-              <a:t>    3: # Recipe:: install</a:t>
-            </a:r>
-          </a:p>
-          <a:p>
-            <a:r>
-              <a:rPr lang="en-US" sz="2400" dirty="0"/>
-              <a:t>    4: #</a:t>
-            </a:r>
-          </a:p>
-          <a:p>
-            <a:r>
-              <a:rPr lang="en-US" sz="2400" dirty="0"/>
-              <a:t>    5: # Copyright (c) 2015 The Authors, All Rights Reserved.</a:t>
-            </a:r>
-          </a:p>
-          <a:p>
-            <a:r>
-              <a:rPr lang="en-US" sz="2400" dirty="0"/>
-              <a:t>    6: require 'pry'</a:t>
-            </a:r>
-          </a:p>
-          <a:p>
-            <a:r>
-              <a:rPr lang="en-US" sz="2400" dirty="0"/>
-              <a:t> =&gt; 7: </a:t>
-            </a:r>
-            <a:r>
-              <a:rPr lang="en-US" sz="2400" dirty="0" err="1"/>
-              <a:t>binding.pry</a:t>
-            </a:r>
-            <a:endParaRPr lang="en-US" sz="2400" dirty="0"/>
-          </a:p>
-          <a:p>
-            <a:r>
-              <a:rPr lang="en-US" sz="2400" dirty="0"/>
-              <a:t>    8:</a:t>
-            </a:r>
-          </a:p>
-          <a:p>
-            <a:r>
-              <a:rPr lang="en-US" sz="2400" dirty="0"/>
-              <a:t>    9: package node['</a:t>
-            </a:r>
-            <a:r>
-              <a:rPr lang="en-US" sz="2400" dirty="0" err="1"/>
-              <a:t>httpd</a:t>
-            </a:r>
-            <a:r>
-              <a:rPr lang="en-US" sz="2400" dirty="0"/>
-              <a:t>']['</a:t>
-            </a:r>
-            <a:r>
-              <a:rPr lang="en-US" sz="2400" dirty="0" err="1"/>
-              <a:t>package_name</a:t>
-            </a:r>
-            <a:r>
-              <a:rPr lang="en-US" sz="2400" dirty="0"/>
-              <a:t>'</a:t>
-            </a:r>
-            <a:r>
-              <a:rPr lang="en-US" sz="2400" dirty="0" smtClean="0"/>
-              <a:t>]</a:t>
-            </a:r>
-          </a:p>
-          <a:p>
-            <a:r>
-              <a:rPr lang="en-US" sz="2400" dirty="0"/>
-              <a:t> </a:t>
-            </a:r>
-            <a:r>
-              <a:rPr lang="en-US" sz="2400" dirty="0" smtClean="0"/>
-              <a:t>   # ... CONTINUES ON THE NEXT SLIDE ...</a:t>
-            </a:r>
-            <a:endParaRPr lang="en-US" sz="2400" dirty="0"/>
-          </a:p>
-        </p:txBody>
-      </p:sp>
-      <p:sp>
-        <p:nvSpPr>
-          <p:cNvPr id="3" name="Text Placeholder 2"/>
-          <p:cNvSpPr>
-            <a:spLocks noGrp="1"/>
-          </p:cNvSpPr>
-          <p:nvPr>
-            <p:ph type="body" sz="quarter" idx="11"/>
+            <a:endParaRPr lang="en-US"/>
+          </a:p>
+        </p:txBody>
+      </p:sp>
+      <p:sp>
+        <p:nvSpPr>
+          <p:cNvPr id="3" name="Content Placeholder 2"/>
+          <p:cNvSpPr>
+            <a:spLocks noGrp="1"/>
+          </p:cNvSpPr>
+          <p:nvPr>
+            <p:ph sz="quarter" idx="10"/>
           </p:nvPr>
         </p:nvSpPr>
         <p:spPr/>
@@ -10048,20 +10292,113 @@
           <a:lstStyle/>
           <a:p>
             <a:r>
+              <a:rPr lang="en-US" dirty="0"/>
+              <a:t>#</a:t>
+            </a:r>
+          </a:p>
+          <a:p>
+            <a:r>
+              <a:rPr lang="en-US" dirty="0"/>
+              <a:t># Cookbook Name:: </a:t>
+            </a:r>
+            <a:r>
+              <a:rPr lang="en-US" dirty="0" err="1"/>
+              <a:t>httpd</a:t>
+            </a:r>
+            <a:endParaRPr lang="en-US" dirty="0"/>
+          </a:p>
+          <a:p>
+            <a:r>
+              <a:rPr lang="en-US" dirty="0"/>
+              <a:t># Recipe:: install</a:t>
+            </a:r>
+          </a:p>
+          <a:p>
+            <a:r>
+              <a:rPr lang="en-US" dirty="0"/>
+              <a:t>#</a:t>
+            </a:r>
+          </a:p>
+          <a:p>
+            <a:r>
+              <a:rPr lang="en-US" dirty="0"/>
+              <a:t># Copyright (c) 2015 The Authors, All Rights Reserved.</a:t>
+            </a:r>
+          </a:p>
+          <a:p>
+            <a:r>
               <a:rPr lang="en-US" dirty="0" smtClean="0"/>
-              <a:t>&gt; chef exec </a:t>
-            </a:r>
+              <a:t>require 'pry'</a:t>
+            </a:r>
+          </a:p>
+          <a:p>
             <a:r>
               <a:rPr lang="en-US" dirty="0" err="1" smtClean="0"/>
-              <a:t>rspec</a:t>
-            </a:r>
+              <a:t>binding.pry</a:t>
+            </a:r>
+            <a:endParaRPr lang="en-US" dirty="0" smtClean="0"/>
+          </a:p>
+          <a:p>
+            <a:endParaRPr lang="en-US" dirty="0" smtClean="0"/>
+          </a:p>
+          <a:p>
             <a:r>
               <a:rPr lang="en-US" dirty="0" smtClean="0"/>
-              <a:t> spec/unit/recipes/</a:t>
+              <a:t>package </a:t>
+            </a:r>
+            <a:r>
+              <a:rPr lang="en-US" dirty="0"/>
+              <a:t>node['</a:t>
+            </a:r>
+            <a:r>
+              <a:rPr lang="en-US" dirty="0" err="1"/>
+              <a:t>httpd</a:t>
+            </a:r>
+            <a:r>
+              <a:rPr lang="en-US" dirty="0"/>
+              <a:t>']['</a:t>
+            </a:r>
+            <a:r>
+              <a:rPr lang="en-US" dirty="0" err="1"/>
+              <a:t>package_name</a:t>
+            </a:r>
+            <a:r>
+              <a:rPr lang="en-US" dirty="0"/>
+              <a:t>']</a:t>
+            </a:r>
+          </a:p>
+        </p:txBody>
+      </p:sp>
+      <p:sp>
+        <p:nvSpPr>
+          <p:cNvPr id="4" name="Text Placeholder 3"/>
+          <p:cNvSpPr>
+            <a:spLocks noGrp="1"/>
+          </p:cNvSpPr>
+          <p:nvPr>
+            <p:ph type="body" sz="quarter" idx="11"/>
+          </p:nvPr>
+        </p:nvSpPr>
+        <p:spPr/>
+        <p:txBody>
+          <a:bodyPr/>
+          <a:lstStyle/>
+          <a:p>
+            <a:r>
+              <a:rPr lang="en-US" dirty="0" smtClean="0"/>
+              <a:t>~/</a:t>
             </a:r>
             <a:r>
               <a:rPr lang="en-US" dirty="0" err="1" smtClean="0"/>
-              <a:t>install_spec.rb</a:t>
+              <a:t>httpd</a:t>
+            </a:r>
+            <a:r>
+              <a:rPr lang="en-US" dirty="0" smtClean="0"/>
+              <a:t>/recipes/</a:t>
+            </a:r>
+            <a:r>
+              <a:rPr lang="en-US" dirty="0" err="1" smtClean="0"/>
+              <a:t>install.rb</a:t>
             </a:r>
             <a:endParaRPr lang="en-US" dirty="0"/>
           </a:p>
@@ -10069,51 +10406,36 @@
       </p:sp>
       <p:sp>
         <p:nvSpPr>
-          <p:cNvPr id="4" name="Content Placeholder 3"/>
-          <p:cNvSpPr>
-            <a:spLocks noGrp="1"/>
-          </p:cNvSpPr>
-          <p:nvPr>
-            <p:ph sz="quarter" idx="12"/>
+          <p:cNvPr id="6" name="Text Placeholder 5"/>
+          <p:cNvSpPr>
+            <a:spLocks noGrp="1"/>
+          </p:cNvSpPr>
+          <p:nvPr>
+            <p:ph type="body" sz="quarter" idx="13"/>
           </p:nvPr>
         </p:nvSpPr>
         <p:spPr>
           <a:xfrm>
-            <a:off x="1127883" y="5959015"/>
-            <a:ext cx="14420850" cy="557213"/>
+            <a:off x="1135042" y="4757315"/>
+            <a:ext cx="14404273" cy="1677352"/>
           </a:xfrm>
         </p:spPr>
         <p:txBody>
           <a:bodyPr/>
           <a:lstStyle/>
           <a:p>
+            <a:r>
+              <a:rPr lang="en-US" dirty="0" smtClean="0"/>
+              <a:t>+</a:t>
+            </a:r>
             <a:endParaRPr lang="en-US" dirty="0"/>
-          </a:p>
-        </p:txBody>
-      </p:sp>
-      <p:sp>
-        <p:nvSpPr>
-          <p:cNvPr id="5" name="Title 4"/>
-          <p:cNvSpPr>
-            <a:spLocks noGrp="1"/>
-          </p:cNvSpPr>
-          <p:nvPr>
-            <p:ph type="title"/>
-          </p:nvPr>
-        </p:nvSpPr>
-        <p:spPr/>
-        <p:txBody>
-          <a:bodyPr/>
-          <a:lstStyle/>
-          <a:p>
-            <a:endParaRPr lang="en-US"/>
           </a:p>
         </p:txBody>
       </p:sp>
     </p:spTree>
     <p:extLst>
       <p:ext uri="{BB962C8B-B14F-4D97-AF65-F5344CB8AC3E}">
-        <p14:creationId xmlns:p14="http://schemas.microsoft.com/office/powerpoint/2010/main" val="3444648114"/>
+        <p14:creationId xmlns:p14="http://schemas.microsoft.com/office/powerpoint/2010/main" val="77402897"/>
       </p:ext>
     </p:extLst>
   </p:cSld>
@@ -10123,6 +10445,13 @@
   <p:transition xmlns:p14="http://schemas.microsoft.com/office/powerpoint/2010/main" spd="med">
     <p:fade/>
   </p:transition>
+  <p:timing>
+    <p:tnLst>
+      <p:par>
+        <p:cTn xmlns:p14="http://schemas.microsoft.com/office/powerpoint/2010/main" id="1" dur="indefinite" restart="never" nodeType="tmRoot"/>
+      </p:par>
+    </p:tnLst>
+  </p:timing>
 </p:sld>
 </file>
 
@@ -10198,7 +10527,6 @@
               <a:rPr lang="en-US" dirty="0" smtClean="0"/>
               <a:t>Refactor resources to use attributes</a:t>
             </a:r>
-            <a:endParaRPr lang="en-US" dirty="0" smtClean="0"/>
           </a:p>
           <a:p>
             <a:pPr marL="457200" indent="-457200">
@@ -10209,7 +10537,6 @@
               <a:rPr lang="en-US" dirty="0" smtClean="0"/>
               <a:t>Use Pry within a Ruby file to explore the current state of execution</a:t>
             </a:r>
-            <a:endParaRPr lang="en-US" dirty="0" smtClean="0"/>
           </a:p>
           <a:p>
             <a:pPr marL="457200" indent="-457200">
@@ -10273,89 +10600,145 @@
           <a:lstStyle/>
           <a:p>
             <a:r>
+              <a:rPr lang="en-US" sz="2400" dirty="0" smtClean="0"/>
+              <a:t>From</a:t>
+            </a:r>
+            <a:r>
+              <a:rPr lang="en-US" sz="2400" dirty="0"/>
+              <a:t>: /</a:t>
+            </a:r>
+            <a:r>
+              <a:rPr lang="en-US" sz="2400" dirty="0" err="1"/>
+              <a:t>tmp</a:t>
+            </a:r>
+            <a:r>
+              <a:rPr lang="en-US" sz="2400" dirty="0"/>
+              <a:t>/d20151026-17430-19i8bee/cookbooks/</a:t>
+            </a:r>
+            <a:r>
+              <a:rPr lang="en-US" sz="2400" dirty="0" err="1"/>
+              <a:t>httpd</a:t>
+            </a:r>
+            <a:r>
+              <a:rPr lang="en-US" sz="2400" dirty="0"/>
+              <a:t>/recipes/</a:t>
+            </a:r>
+            <a:r>
+              <a:rPr lang="en-US" sz="2400" dirty="0" err="1"/>
+              <a:t>install.rb</a:t>
+            </a:r>
+            <a:r>
+              <a:rPr lang="en-US" sz="2400" dirty="0"/>
+              <a:t> @ line 7 Chef::</a:t>
+            </a:r>
+            <a:r>
+              <a:rPr lang="en-US" sz="2400" dirty="0" err="1"/>
+              <a:t>Mixin</a:t>
+            </a:r>
+            <a:r>
+              <a:rPr lang="en-US" sz="2400" dirty="0"/>
+              <a:t>::</a:t>
+            </a:r>
+            <a:r>
+              <a:rPr lang="en-US" sz="2400" dirty="0" err="1"/>
+              <a:t>FromFile#from_file</a:t>
+            </a:r>
+            <a:r>
+              <a:rPr lang="en-US" sz="2400" dirty="0"/>
+              <a:t>:</a:t>
+            </a:r>
+          </a:p>
+          <a:p>
+            <a:endParaRPr lang="en-US" sz="2400" dirty="0"/>
+          </a:p>
+          <a:p>
+            <a:r>
+              <a:rPr lang="en-US" sz="2400" dirty="0"/>
+              <a:t>    2: # Cookbook Name:: </a:t>
+            </a:r>
+            <a:r>
+              <a:rPr lang="en-US" sz="2400" dirty="0" err="1"/>
+              <a:t>httpd</a:t>
+            </a:r>
+            <a:endParaRPr lang="en-US" sz="2400" dirty="0"/>
+          </a:p>
+          <a:p>
+            <a:r>
+              <a:rPr lang="en-US" sz="2400" dirty="0"/>
+              <a:t>    3: # Recipe:: install</a:t>
+            </a:r>
+          </a:p>
+          <a:p>
+            <a:r>
+              <a:rPr lang="en-US" sz="2400" dirty="0"/>
+              <a:t>    4: #</a:t>
+            </a:r>
+          </a:p>
+          <a:p>
+            <a:r>
+              <a:rPr lang="en-US" sz="2400" dirty="0"/>
+              <a:t>    5: # Copyright (c) 2015 The Authors, All Rights Reserved.</a:t>
+            </a:r>
+          </a:p>
+          <a:p>
+            <a:r>
+              <a:rPr lang="en-US" sz="2400" dirty="0"/>
+              <a:t>    6: require 'pry'</a:t>
+            </a:r>
+          </a:p>
+          <a:p>
+            <a:r>
+              <a:rPr lang="en-US" sz="2400" dirty="0"/>
+              <a:t> =&gt; 7: </a:t>
+            </a:r>
+            <a:r>
+              <a:rPr lang="en-US" sz="2400" dirty="0" err="1"/>
+              <a:t>binding.pry</a:t>
+            </a:r>
+            <a:endParaRPr lang="en-US" sz="2400" dirty="0"/>
+          </a:p>
+          <a:p>
+            <a:r>
+              <a:rPr lang="en-US" sz="2400" dirty="0"/>
+              <a:t>    8:</a:t>
+            </a:r>
+          </a:p>
+          <a:p>
+            <a:r>
+              <a:rPr lang="en-US" sz="2400" dirty="0"/>
+              <a:t>    9: package node['</a:t>
+            </a:r>
+            <a:r>
+              <a:rPr lang="en-US" sz="2400" dirty="0" err="1"/>
+              <a:t>httpd</a:t>
+            </a:r>
+            <a:r>
+              <a:rPr lang="en-US" sz="2400" dirty="0"/>
+              <a:t>']['</a:t>
+            </a:r>
+            <a:r>
+              <a:rPr lang="en-US" sz="2400" dirty="0" err="1"/>
+              <a:t>package_name</a:t>
+            </a:r>
+            <a:r>
+              <a:rPr lang="en-US" sz="2400" dirty="0"/>
+              <a:t>'</a:t>
+            </a:r>
+            <a:r>
+              <a:rPr lang="en-US" sz="2400" dirty="0" smtClean="0"/>
+              <a:t>]</a:t>
+            </a:r>
+          </a:p>
+          <a:p>
+            <a:r>
               <a:rPr lang="en-US" sz="2400" dirty="0"/>
               <a:t> </a:t>
             </a:r>
             <a:r>
               <a:rPr lang="en-US" sz="2400" dirty="0" smtClean="0"/>
-              <a:t>   # </a:t>
-            </a:r>
-            <a:r>
-              <a:rPr lang="en-US" sz="2400" dirty="0"/>
-              <a:t>... </a:t>
-            </a:r>
-            <a:r>
-              <a:rPr lang="en-US" sz="2400" dirty="0" smtClean="0"/>
-              <a:t>CONTINUED FROM THE PREVIOUS SLIDE ...</a:t>
-            </a:r>
-          </a:p>
-          <a:p>
-            <a:r>
-              <a:rPr lang="en-US" sz="2400" dirty="0" smtClean="0"/>
-              <a:t>    5</a:t>
-            </a:r>
-            <a:r>
-              <a:rPr lang="en-US" sz="2400" dirty="0"/>
-              <a:t>: # Copyright (c) 2015 The Authors, All Rights Reserved.</a:t>
-            </a:r>
-          </a:p>
-          <a:p>
-            <a:r>
-              <a:rPr lang="en-US" sz="2400" dirty="0"/>
-              <a:t>    6: require 'pry'</a:t>
-            </a:r>
-          </a:p>
-          <a:p>
-            <a:r>
-              <a:rPr lang="en-US" sz="2400" dirty="0"/>
-              <a:t> =&gt; 7: </a:t>
-            </a:r>
-            <a:r>
-              <a:rPr lang="en-US" sz="2400" dirty="0" err="1"/>
-              <a:t>binding.pry</a:t>
+              <a:t>   # ... CONTINUES ON THE NEXT SLIDE ...</a:t>
             </a:r>
             <a:endParaRPr lang="en-US" sz="2400" dirty="0"/>
-          </a:p>
-          <a:p>
-            <a:r>
-              <a:rPr lang="en-US" sz="2400" dirty="0"/>
-              <a:t>    8:</a:t>
-            </a:r>
-          </a:p>
-          <a:p>
-            <a:r>
-              <a:rPr lang="en-US" sz="2400" dirty="0"/>
-              <a:t>    9: package node['</a:t>
-            </a:r>
-            <a:r>
-              <a:rPr lang="en-US" sz="2400" dirty="0" err="1"/>
-              <a:t>httpd</a:t>
-            </a:r>
-            <a:r>
-              <a:rPr lang="en-US" sz="2400" dirty="0"/>
-              <a:t>']['</a:t>
-            </a:r>
-            <a:r>
-              <a:rPr lang="en-US" sz="2400" dirty="0" err="1"/>
-              <a:t>package_name</a:t>
-            </a:r>
-            <a:r>
-              <a:rPr lang="en-US" sz="2400" dirty="0"/>
-              <a:t>'</a:t>
-            </a:r>
-            <a:r>
-              <a:rPr lang="en-US" sz="2400" dirty="0" smtClean="0"/>
-              <a:t>]</a:t>
-            </a:r>
-          </a:p>
-          <a:p>
-            <a:endParaRPr lang="en-US" sz="2400" dirty="0"/>
-          </a:p>
-          <a:p>
-            <a:r>
-              <a:rPr lang="en-US" sz="2400" dirty="0"/>
-              <a:t>[1] pry(#&lt;Chef::Recipe&gt;)&gt;</a:t>
-            </a:r>
           </a:p>
         </p:txBody>
       </p:sp>
@@ -10406,7 +10789,7 @@
         </p:nvSpPr>
         <p:spPr>
           <a:xfrm>
-            <a:off x="1127883" y="5588599"/>
+            <a:off x="1127883" y="5959015"/>
             <a:ext cx="14420850" cy="557213"/>
           </a:xfrm>
         </p:spPr>
@@ -10440,7 +10823,7 @@
     </p:spTree>
     <p:extLst>
       <p:ext uri="{BB962C8B-B14F-4D97-AF65-F5344CB8AC3E}">
-        <p14:creationId xmlns:p14="http://schemas.microsoft.com/office/powerpoint/2010/main" val="2003605252"/>
+        <p14:creationId xmlns:p14="http://schemas.microsoft.com/office/powerpoint/2010/main" val="3444648114"/>
       </p:ext>
     </p:extLst>
   </p:cSld>
@@ -10450,6 +10833,13 @@
   <p:transition xmlns:p14="http://schemas.microsoft.com/office/powerpoint/2010/main" spd="med">
     <p:fade/>
   </p:transition>
+  <p:timing>
+    <p:tnLst>
+      <p:par>
+        <p:cTn xmlns:p14="http://schemas.microsoft.com/office/powerpoint/2010/main" id="1" dur="indefinite" restart="never" nodeType="tmRoot"/>
+      </p:par>
+    </p:tnLst>
+  </p:timing>
 </p:sld>
 </file>
 
@@ -10486,111 +10876,88 @@
           <a:lstStyle/>
           <a:p>
             <a:r>
-              <a:rPr lang="en-US" sz="2000" dirty="0"/>
-              <a:t>Help</a:t>
-            </a:r>
-          </a:p>
-          <a:p>
-            <a:r>
-              <a:rPr lang="en-US" sz="2000" dirty="0"/>
-              <a:t>  help               Show a list of commands or information about a specific command.</a:t>
-            </a:r>
-          </a:p>
-          <a:p>
-            <a:endParaRPr lang="en-US" sz="2000" dirty="0"/>
-          </a:p>
-          <a:p>
-            <a:r>
-              <a:rPr lang="en-US" sz="2000" dirty="0"/>
-              <a:t>Context</a:t>
-            </a:r>
-          </a:p>
-          <a:p>
-            <a:r>
-              <a:rPr lang="en-US" sz="2000" dirty="0"/>
-              <a:t>  cd                 Move into a new context (object or scope).</a:t>
-            </a:r>
-          </a:p>
-          <a:p>
-            <a:r>
-              <a:rPr lang="en-US" sz="2000" dirty="0"/>
-              <a:t>  find-method        Recursively search for a method within a class/module or the </a:t>
-            </a:r>
-            <a:r>
-              <a:rPr lang="en-US" sz="2000" dirty="0" err="1" smtClean="0"/>
-              <a:t>curr</a:t>
-            </a:r>
-            <a:r>
-              <a:rPr lang="en-US" sz="2000" dirty="0" smtClean="0"/>
-              <a:t>...</a:t>
-            </a:r>
-          </a:p>
-          <a:p>
-            <a:r>
-              <a:rPr lang="en-US" sz="2000" dirty="0"/>
+              <a:rPr lang="en-US" sz="2400" dirty="0"/>
               <a:t> </a:t>
             </a:r>
             <a:r>
-              <a:rPr lang="en-US" sz="2000" dirty="0" smtClean="0"/>
-              <a:t> </a:t>
-            </a:r>
-            <a:r>
-              <a:rPr lang="en-US" sz="2000" dirty="0" err="1"/>
-              <a:t>ls</a:t>
-            </a:r>
-            <a:r>
-              <a:rPr lang="en-US" sz="2000" dirty="0"/>
-              <a:t>                 Show the list of </a:t>
-            </a:r>
-            <a:r>
-              <a:rPr lang="en-US" sz="2000" dirty="0" err="1"/>
-              <a:t>vars</a:t>
-            </a:r>
-            <a:r>
-              <a:rPr lang="en-US" sz="2000" dirty="0"/>
-              <a:t> and methods in the current scope.</a:t>
-            </a:r>
-          </a:p>
-          <a:p>
-            <a:r>
-              <a:rPr lang="en-US" sz="2000" dirty="0"/>
-              <a:t>  pry-</a:t>
-            </a:r>
-            <a:r>
-              <a:rPr lang="en-US" sz="2000" dirty="0" err="1"/>
-              <a:t>backtrace</a:t>
-            </a:r>
-            <a:r>
-              <a:rPr lang="en-US" sz="2000" dirty="0"/>
-              <a:t>      Show the </a:t>
-            </a:r>
-            <a:r>
-              <a:rPr lang="en-US" sz="2000" dirty="0" err="1"/>
-              <a:t>backtrace</a:t>
-            </a:r>
-            <a:r>
-              <a:rPr lang="en-US" sz="2000" dirty="0"/>
-              <a:t> for the pry session.</a:t>
-            </a:r>
-          </a:p>
-          <a:p>
-            <a:r>
-              <a:rPr lang="en-US" sz="2000" dirty="0"/>
-              <a:t>  raise-up           Raise an exception out of the current pry instance.</a:t>
-            </a:r>
-          </a:p>
-          <a:p>
-            <a:r>
-              <a:rPr lang="en-US" sz="2000" dirty="0"/>
-              <a:t>  reset              Reset the </a:t>
-            </a:r>
-            <a:r>
-              <a:rPr lang="en-US" sz="2000" dirty="0" err="1"/>
-              <a:t>repl</a:t>
-            </a:r>
-            <a:r>
-              <a:rPr lang="en-US" sz="2000" dirty="0"/>
-              <a:t> to a clean state.</a:t>
+              <a:rPr lang="en-US" sz="2400" dirty="0" smtClean="0"/>
+              <a:t>   # </a:t>
+            </a:r>
+            <a:r>
+              <a:rPr lang="en-US" sz="2400" dirty="0"/>
+              <a:t>... </a:t>
+            </a:r>
+            <a:r>
+              <a:rPr lang="en-US" sz="2400" dirty="0" smtClean="0"/>
+              <a:t>CONTINUED FROM THE PREVIOUS SLIDE ...</a:t>
+            </a:r>
+          </a:p>
+          <a:p>
+            <a:r>
+              <a:rPr lang="en-US" sz="2400" dirty="0" smtClean="0"/>
+              <a:t>    5</a:t>
+            </a:r>
+            <a:r>
+              <a:rPr lang="en-US" sz="2400" dirty="0"/>
+              <a:t>: # Copyright (c) 2015 The Authors, All Rights Reserved.</a:t>
+            </a:r>
+          </a:p>
+          <a:p>
+            <a:r>
+              <a:rPr lang="en-US" sz="2400" dirty="0"/>
+              <a:t>    6: require 'pry'</a:t>
+            </a:r>
+          </a:p>
+          <a:p>
+            <a:r>
+              <a:rPr lang="en-US" sz="2400" dirty="0"/>
+              <a:t> =&gt; 7: </a:t>
+            </a:r>
+            <a:r>
+              <a:rPr lang="en-US" sz="2400" dirty="0" err="1"/>
+              <a:t>binding.pry</a:t>
+            </a:r>
+            <a:endParaRPr lang="en-US" sz="2400" dirty="0"/>
+          </a:p>
+          <a:p>
+            <a:r>
+              <a:rPr lang="en-US" sz="2400" dirty="0"/>
+              <a:t>    8:</a:t>
+            </a:r>
+          </a:p>
+          <a:p>
+            <a:r>
+              <a:rPr lang="en-US" sz="2400" dirty="0"/>
+              <a:t>    9: package node['</a:t>
+            </a:r>
+            <a:r>
+              <a:rPr lang="en-US" sz="2400" dirty="0" err="1"/>
+              <a:t>httpd</a:t>
+            </a:r>
+            <a:r>
+              <a:rPr lang="en-US" sz="2400" dirty="0"/>
+              <a:t>']['</a:t>
+            </a:r>
+            <a:r>
+              <a:rPr lang="en-US" sz="2400" dirty="0" err="1"/>
+              <a:t>package_name</a:t>
+            </a:r>
+            <a:r>
+              <a:rPr lang="en-US" sz="2400" dirty="0"/>
+              <a:t>'</a:t>
+            </a:r>
+            <a:r>
+              <a:rPr lang="en-US" sz="2400" dirty="0" smtClean="0"/>
+              <a:t>]</a:t>
+            </a:r>
+          </a:p>
+          <a:p>
+            <a:endParaRPr lang="en-US" sz="2400" dirty="0"/>
+          </a:p>
+          <a:p>
+            <a:r>
+              <a:rPr lang="en-US" sz="2400" dirty="0"/>
+              <a:t>[1] pry(#&lt;Chef::Recipe&gt;)&gt;</a:t>
             </a:r>
           </a:p>
         </p:txBody>
@@ -10611,13 +10978,45 @@
           <a:lstStyle/>
           <a:p>
             <a:r>
-              <a:rPr lang="en-US" dirty="0"/>
-              <a:t>[1] pry(#&lt;Chef::Recipe&gt;)</a:t>
-            </a:r>
-            <a:r>
               <a:rPr lang="en-US" dirty="0" smtClean="0"/>
-              <a:t>&gt; help</a:t>
-            </a:r>
+              <a:t>&gt; chef exec </a:t>
+            </a:r>
+            <a:r>
+              <a:rPr lang="en-US" dirty="0" err="1" smtClean="0"/>
+              <a:t>rspec</a:t>
+            </a:r>
+            <a:r>
+              <a:rPr lang="en-US" dirty="0" smtClean="0"/>
+              <a:t> spec/unit/recipes/</a:t>
+            </a:r>
+            <a:r>
+              <a:rPr lang="en-US" dirty="0" err="1" smtClean="0"/>
+              <a:t>install_spec.rb</a:t>
+            </a:r>
+            <a:endParaRPr lang="en-US" dirty="0"/>
+          </a:p>
+        </p:txBody>
+      </p:sp>
+      <p:sp>
+        <p:nvSpPr>
+          <p:cNvPr id="4" name="Content Placeholder 3"/>
+          <p:cNvSpPr>
+            <a:spLocks noGrp="1"/>
+          </p:cNvSpPr>
+          <p:nvPr>
+            <p:ph sz="quarter" idx="12"/>
+          </p:nvPr>
+        </p:nvSpPr>
+        <p:spPr>
+          <a:xfrm>
+            <a:off x="1127883" y="5588599"/>
+            <a:ext cx="14420850" cy="557213"/>
+          </a:xfrm>
+        </p:spPr>
+        <p:txBody>
+          <a:bodyPr/>
+          <a:lstStyle/>
+          <a:p>
             <a:endParaRPr lang="en-US" dirty="0"/>
           </a:p>
         </p:txBody>
@@ -10644,7 +11043,7 @@
     </p:spTree>
     <p:extLst>
       <p:ext uri="{BB962C8B-B14F-4D97-AF65-F5344CB8AC3E}">
-        <p14:creationId xmlns:p14="http://schemas.microsoft.com/office/powerpoint/2010/main" val="3565472676"/>
+        <p14:creationId xmlns:p14="http://schemas.microsoft.com/office/powerpoint/2010/main" val="2003605252"/>
       </p:ext>
     </p:extLst>
   </p:cSld>
@@ -10654,6 +11053,13 @@
   <p:transition xmlns:p14="http://schemas.microsoft.com/office/powerpoint/2010/main" spd="med">
     <p:fade/>
   </p:transition>
+  <p:timing>
+    <p:tnLst>
+      <p:par>
+        <p:cTn xmlns:p14="http://schemas.microsoft.com/office/powerpoint/2010/main" id="1" dur="indefinite" restart="never" nodeType="tmRoot"/>
+      </p:par>
+    </p:tnLst>
+  </p:timing>
 </p:sld>
 </file>
 
@@ -10690,10 +11096,112 @@
           <a:lstStyle/>
           <a:p>
             <a:r>
+              <a:rPr lang="en-US" sz="2000" dirty="0"/>
+              <a:t>Help</a:t>
+            </a:r>
+          </a:p>
+          <a:p>
+            <a:r>
+              <a:rPr lang="en-US" sz="2000" dirty="0"/>
+              <a:t>  help               Show a list of commands or information about a specific command.</a:t>
+            </a:r>
+          </a:p>
+          <a:p>
+            <a:endParaRPr lang="en-US" sz="2000" dirty="0"/>
+          </a:p>
+          <a:p>
+            <a:r>
+              <a:rPr lang="en-US" sz="2000" dirty="0"/>
+              <a:t>Context</a:t>
+            </a:r>
+          </a:p>
+          <a:p>
+            <a:r>
+              <a:rPr lang="en-US" sz="2000" dirty="0"/>
+              <a:t>  cd                 Move into a new context (object or scope).</a:t>
+            </a:r>
+          </a:p>
+          <a:p>
+            <a:r>
+              <a:rPr lang="en-US" sz="2000" dirty="0"/>
+              <a:t>  find-method        Recursively search for a method within a class/module or the </a:t>
+            </a:r>
+            <a:r>
+              <a:rPr lang="en-US" sz="2000" dirty="0" err="1" smtClean="0"/>
+              <a:t>curr</a:t>
+            </a:r>
+            <a:r>
               <a:rPr lang="en-US" sz="2000" dirty="0" smtClean="0"/>
-              <a:t>=&gt; nil</a:t>
-            </a:r>
-            <a:endParaRPr lang="en-US" sz="2000" dirty="0"/>
+              <a:t>...</a:t>
+            </a:r>
+          </a:p>
+          <a:p>
+            <a:r>
+              <a:rPr lang="en-US" sz="2000" dirty="0"/>
+              <a:t> </a:t>
+            </a:r>
+            <a:r>
+              <a:rPr lang="en-US" sz="2000" dirty="0" smtClean="0"/>
+              <a:t> </a:t>
+            </a:r>
+            <a:r>
+              <a:rPr lang="en-US" sz="2000" dirty="0" err="1"/>
+              <a:t>ls</a:t>
+            </a:r>
+            <a:r>
+              <a:rPr lang="en-US" sz="2000" dirty="0"/>
+              <a:t>                 Show the list of </a:t>
+            </a:r>
+            <a:r>
+              <a:rPr lang="en-US" sz="2000" dirty="0" err="1"/>
+              <a:t>vars</a:t>
+            </a:r>
+            <a:r>
+              <a:rPr lang="en-US" sz="2000" dirty="0"/>
+              <a:t> and methods in the current scope.</a:t>
+            </a:r>
+          </a:p>
+          <a:p>
+            <a:r>
+              <a:rPr lang="en-US" sz="2000" dirty="0"/>
+              <a:t>  pry-</a:t>
+            </a:r>
+            <a:r>
+              <a:rPr lang="en-US" sz="2000" dirty="0" err="1"/>
+              <a:t>backtrace</a:t>
+            </a:r>
+            <a:r>
+              <a:rPr lang="en-US" sz="2000" dirty="0"/>
+              <a:t>      Show the </a:t>
+            </a:r>
+            <a:r>
+              <a:rPr lang="en-US" sz="2000" dirty="0" err="1"/>
+              <a:t>backtrace</a:t>
+            </a:r>
+            <a:r>
+              <a:rPr lang="en-US" sz="2000" dirty="0"/>
+              <a:t> for the pry session.</a:t>
+            </a:r>
+          </a:p>
+          <a:p>
+            <a:r>
+              <a:rPr lang="en-US" sz="2000" dirty="0"/>
+              <a:t>  raise-up           Raise an exception out of the current pry instance.</a:t>
+            </a:r>
+          </a:p>
+          <a:p>
+            <a:r>
+              <a:rPr lang="en-US" sz="2000" dirty="0"/>
+              <a:t>  reset              Reset the </a:t>
+            </a:r>
+            <a:r>
+              <a:rPr lang="en-US" sz="2000" dirty="0" err="1"/>
+              <a:t>repl</a:t>
+            </a:r>
+            <a:r>
+              <a:rPr lang="en-US" sz="2000" dirty="0"/>
+              <a:t> to a clean state.</a:t>
+            </a:r>
           </a:p>
         </p:txBody>
       </p:sp>
@@ -10713,24 +11221,12 @@
           <a:lstStyle/>
           <a:p>
             <a:r>
+              <a:rPr lang="en-US" dirty="0"/>
+              <a:t>[1] pry(#&lt;Chef::Recipe&gt;)</a:t>
+            </a:r>
+            <a:r>
               <a:rPr lang="en-US" dirty="0" smtClean="0"/>
-              <a:t>[2] </a:t>
-            </a:r>
-            <a:r>
-              <a:rPr lang="en-US" dirty="0"/>
-              <a:t>pry(#&lt;Chef::Recipe&gt;)</a:t>
-            </a:r>
-            <a:r>
-              <a:rPr lang="en-US" dirty="0" smtClean="0"/>
-              <a:t>&gt; node['</a:t>
-            </a:r>
-            <a:r>
-              <a:rPr lang="en-US" dirty="0" err="1" smtClean="0"/>
-              <a:t>httpd</a:t>
-            </a:r>
-            <a:r>
-              <a:rPr lang="en-US" dirty="0" smtClean="0"/>
-              <a:t>']</a:t>
+              <a:t>&gt; help</a:t>
             </a:r>
             <a:endParaRPr lang="en-US" dirty="0"/>
           </a:p>
@@ -10758,7 +11254,7 @@
     </p:spTree>
     <p:extLst>
       <p:ext uri="{BB962C8B-B14F-4D97-AF65-F5344CB8AC3E}">
-        <p14:creationId xmlns:p14="http://schemas.microsoft.com/office/powerpoint/2010/main" val="2729287937"/>
+        <p14:creationId xmlns:p14="http://schemas.microsoft.com/office/powerpoint/2010/main" val="3565472676"/>
       </p:ext>
     </p:extLst>
   </p:cSld>
@@ -10768,6 +11264,13 @@
   <p:transition xmlns:p14="http://schemas.microsoft.com/office/powerpoint/2010/main" spd="med">
     <p:fade/>
   </p:transition>
+  <p:timing>
+    <p:tnLst>
+      <p:par>
+        <p:cTn xmlns:p14="http://schemas.microsoft.com/office/powerpoint/2010/main" id="1" dur="indefinite" restart="never" nodeType="tmRoot"/>
+      </p:par>
+    </p:tnLst>
+  </p:timing>
 </p:sld>
 </file>
 
@@ -10804,25 +11307,10 @@
           <a:lstStyle/>
           <a:p>
             <a:r>
-              <a:rPr lang="en-US" sz="2000" dirty="0"/>
-              <a:t>=&gt; {"</a:t>
-            </a:r>
-            <a:r>
-              <a:rPr lang="en-US" sz="2000" dirty="0" err="1"/>
-              <a:t>package_name</a:t>
-            </a:r>
-            <a:r>
-              <a:rPr lang="en-US" sz="2000" dirty="0"/>
-              <a:t>"=&gt;"</a:t>
-            </a:r>
-            <a:r>
-              <a:rPr lang="en-US" sz="2000" dirty="0" err="1"/>
-              <a:t>httpd</a:t>
-            </a:r>
-            <a:r>
-              <a:rPr lang="en-US" sz="2000" dirty="0"/>
-              <a:t>"}</a:t>
-            </a:r>
+              <a:rPr lang="en-US" sz="2000" dirty="0" smtClean="0"/>
+              <a:t>=&gt; nil</a:t>
+            </a:r>
+            <a:endParaRPr lang="en-US" sz="2000" dirty="0"/>
           </a:p>
         </p:txBody>
       </p:sp>
@@ -10843,7 +11331,7 @@
           <a:p>
             <a:r>
               <a:rPr lang="en-US" dirty="0" smtClean="0"/>
-              <a:t>[3] </a:t>
+              <a:t>[2] </a:t>
             </a:r>
             <a:r>
               <a:rPr lang="en-US" dirty="0"/>
@@ -10855,7 +11343,7 @@
             </a:r>
             <a:r>
               <a:rPr lang="en-US" dirty="0" err="1" smtClean="0"/>
-              <a:t>htpd</a:t>
+              <a:t>httpd</a:t>
             </a:r>
             <a:r>
               <a:rPr lang="en-US" dirty="0" smtClean="0"/>
@@ -10887,7 +11375,7 @@
     </p:spTree>
     <p:extLst>
       <p:ext uri="{BB962C8B-B14F-4D97-AF65-F5344CB8AC3E}">
-        <p14:creationId xmlns:p14="http://schemas.microsoft.com/office/powerpoint/2010/main" val="2241301256"/>
+        <p14:creationId xmlns:p14="http://schemas.microsoft.com/office/powerpoint/2010/main" val="2729287937"/>
       </p:ext>
     </p:extLst>
   </p:cSld>
@@ -10897,6 +11385,13 @@
   <p:transition xmlns:p14="http://schemas.microsoft.com/office/powerpoint/2010/main" spd="med">
     <p:fade/>
   </p:transition>
+  <p:timing>
+    <p:tnLst>
+      <p:par>
+        <p:cTn xmlns:p14="http://schemas.microsoft.com/office/powerpoint/2010/main" id="1" dur="indefinite" restart="never" nodeType="tmRoot"/>
+      </p:par>
+    </p:tnLst>
+  </p:timing>
 </p:sld>
 </file>
 
@@ -10932,7 +11427,26 @@
           <a:bodyPr/>
           <a:lstStyle/>
           <a:p>
-            <a:endParaRPr lang="en-US" sz="2000" dirty="0"/>
+            <a:r>
+              <a:rPr lang="en-US" sz="2000" dirty="0"/>
+              <a:t>=&gt; {"</a:t>
+            </a:r>
+            <a:r>
+              <a:rPr lang="en-US" sz="2000" dirty="0" err="1"/>
+              <a:t>package_name</a:t>
+            </a:r>
+            <a:r>
+              <a:rPr lang="en-US" sz="2000" dirty="0"/>
+              <a:t>"=&gt;"</a:t>
+            </a:r>
+            <a:r>
+              <a:rPr lang="en-US" sz="2000" dirty="0" err="1"/>
+              <a:t>httpd</a:t>
+            </a:r>
+            <a:r>
+              <a:rPr lang="en-US" sz="2000" dirty="0"/>
+              <a:t>"}</a:t>
+            </a:r>
           </a:p>
         </p:txBody>
       </p:sp>
@@ -10953,7 +11467,7 @@
           <a:p>
             <a:r>
               <a:rPr lang="en-US" dirty="0" smtClean="0"/>
-              <a:t>[4] </a:t>
+              <a:t>[3] </a:t>
             </a:r>
             <a:r>
               <a:rPr lang="en-US" dirty="0"/>
@@ -10961,7 +11475,15 @@
             </a:r>
             <a:r>
               <a:rPr lang="en-US" dirty="0" smtClean="0"/>
-              <a:t>&gt; exit!</a:t>
+              <a:t>&gt; node['</a:t>
+            </a:r>
+            <a:r>
+              <a:rPr lang="en-US" dirty="0" err="1" smtClean="0"/>
+              <a:t>htpd</a:t>
+            </a:r>
+            <a:r>
+              <a:rPr lang="en-US" dirty="0" smtClean="0"/>
+              <a:t>']</a:t>
             </a:r>
             <a:endParaRPr lang="en-US" dirty="0"/>
           </a:p>
@@ -10989,7 +11511,7 @@
     </p:spTree>
     <p:extLst>
       <p:ext uri="{BB962C8B-B14F-4D97-AF65-F5344CB8AC3E}">
-        <p14:creationId xmlns:p14="http://schemas.microsoft.com/office/powerpoint/2010/main" val="3182136081"/>
+        <p14:creationId xmlns:p14="http://schemas.microsoft.com/office/powerpoint/2010/main" val="2241301256"/>
       </p:ext>
     </p:extLst>
   </p:cSld>
@@ -10999,6 +11521,13 @@
   <p:transition xmlns:p14="http://schemas.microsoft.com/office/powerpoint/2010/main" spd="med">
     <p:fade/>
   </p:transition>
+  <p:timing>
+    <p:tnLst>
+      <p:par>
+        <p:cTn xmlns:p14="http://schemas.microsoft.com/office/powerpoint/2010/main" id="1" dur="indefinite" restart="never" nodeType="tmRoot"/>
+      </p:par>
+    </p:tnLst>
+  </p:timing>
 </p:sld>
 </file>
 
@@ -11021,37 +11550,12 @@
       </p:grpSpPr>
       <p:sp>
         <p:nvSpPr>
-          <p:cNvPr id="2" name="Title 1"/>
-          <p:cNvSpPr>
-            <a:spLocks noGrp="1"/>
-          </p:cNvSpPr>
-          <p:nvPr>
-            <p:ph type="ctrTitle"/>
-          </p:nvPr>
-        </p:nvSpPr>
-        <p:spPr/>
-        <p:txBody>
-          <a:bodyPr>
-            <a:normAutofit fontScale="90000"/>
-          </a:bodyPr>
-          <a:lstStyle/>
-          <a:p>
-            <a:r>
-              <a:rPr lang="en-US" dirty="0" smtClean="0"/>
-              <a:t>Refactor Service Recipe</a:t>
-            </a:r>
-            <a:endParaRPr lang="en-US" dirty="0"/>
-          </a:p>
-        </p:txBody>
-      </p:sp>
-      <p:sp>
-        <p:nvSpPr>
-          <p:cNvPr id="3" name="Subtitle 2"/>
-          <p:cNvSpPr>
-            <a:spLocks noGrp="1"/>
-          </p:cNvSpPr>
-          <p:nvPr>
-            <p:ph type="subTitle" idx="1"/>
+          <p:cNvPr id="2" name="Content Placeholder 1"/>
+          <p:cNvSpPr>
+            <a:spLocks noGrp="1"/>
+          </p:cNvSpPr>
+          <p:nvPr>
+            <p:ph sz="quarter" idx="10"/>
           </p:nvPr>
         </p:nvSpPr>
         <p:spPr/>
@@ -11059,63 +11563,64 @@
           <a:bodyPr/>
           <a:lstStyle/>
           <a:p>
+            <a:endParaRPr lang="en-US" sz="2000" dirty="0"/>
+          </a:p>
+        </p:txBody>
+      </p:sp>
+      <p:sp>
+        <p:nvSpPr>
+          <p:cNvPr id="3" name="Text Placeholder 2"/>
+          <p:cNvSpPr>
+            <a:spLocks noGrp="1"/>
+          </p:cNvSpPr>
+          <p:nvPr>
+            <p:ph type="body" sz="quarter" idx="11"/>
+          </p:nvPr>
+        </p:nvSpPr>
+        <p:spPr/>
+        <p:txBody>
+          <a:bodyPr/>
+          <a:lstStyle/>
+          <a:p>
+            <a:r>
+              <a:rPr lang="en-US" dirty="0" smtClean="0"/>
+              <a:t>[4] </a:t>
+            </a:r>
             <a:r>
               <a:rPr lang="en-US" dirty="0"/>
-              <a:t>Refactor the </a:t>
+              <a:t>pry(#&lt;Chef::Recipe&gt;)</a:t>
             </a:r>
             <a:r>
               <a:rPr lang="en-US" dirty="0" smtClean="0"/>
-              <a:t>Service recipe </a:t>
-            </a:r>
-            <a:r>
-              <a:rPr lang="en-US" dirty="0"/>
-              <a:t>to use a Node attribute</a:t>
-            </a:r>
-          </a:p>
-          <a:p>
-            <a:r>
-              <a:rPr lang="en-US" dirty="0"/>
-              <a:t>Execute the tests and verify the tests fail</a:t>
-            </a:r>
-          </a:p>
-          <a:p>
-            <a:r>
-              <a:rPr lang="en-US" dirty="0"/>
-              <a:t>Create the attributes file and execute the tests to verify the tests </a:t>
-            </a:r>
-            <a:r>
-              <a:rPr lang="en-US" dirty="0" smtClean="0"/>
-              <a:t>pass</a:t>
-            </a:r>
-          </a:p>
-          <a:p>
-            <a:pPr marL="0" indent="0">
-              <a:buNone/>
-            </a:pPr>
-            <a:endParaRPr lang="en-US" dirty="0" smtClean="0"/>
-          </a:p>
-          <a:p>
-            <a:pPr marL="0" indent="0">
-              <a:buNone/>
-            </a:pPr>
-            <a:endParaRPr lang="en-US" dirty="0" smtClean="0"/>
-          </a:p>
-          <a:p>
-            <a:pPr marL="0" indent="0">
-              <a:buNone/>
-            </a:pPr>
-            <a:r>
-              <a:rPr lang="en-US" i="1" dirty="0" smtClean="0"/>
-              <a:t>BONUS: Use pry to verify that the attribute has been set.</a:t>
-            </a:r>
-            <a:endParaRPr lang="en-US" i="1" dirty="0"/>
+              <a:t>&gt; exit!</a:t>
+            </a:r>
+            <a:endParaRPr lang="en-US" dirty="0"/>
+          </a:p>
+        </p:txBody>
+      </p:sp>
+      <p:sp>
+        <p:nvSpPr>
+          <p:cNvPr id="5" name="Title 4"/>
+          <p:cNvSpPr>
+            <a:spLocks noGrp="1"/>
+          </p:cNvSpPr>
+          <p:nvPr>
+            <p:ph type="title"/>
+          </p:nvPr>
+        </p:nvSpPr>
+        <p:spPr/>
+        <p:txBody>
+          <a:bodyPr/>
+          <a:lstStyle/>
+          <a:p>
+            <a:endParaRPr lang="en-US"/>
           </a:p>
         </p:txBody>
       </p:sp>
     </p:spTree>
     <p:extLst>
       <p:ext uri="{BB962C8B-B14F-4D97-AF65-F5344CB8AC3E}">
-        <p14:creationId xmlns:p14="http://schemas.microsoft.com/office/powerpoint/2010/main" val="2244086988"/>
+        <p14:creationId xmlns:p14="http://schemas.microsoft.com/office/powerpoint/2010/main" val="3182136081"/>
       </p:ext>
     </p:extLst>
   </p:cSld>
@@ -11125,6 +11630,13 @@
   <p:transition xmlns:p14="http://schemas.microsoft.com/office/powerpoint/2010/main" spd="med">
     <p:fade/>
   </p:transition>
+  <p:timing>
+    <p:tnLst>
+      <p:par>
+        <p:cTn xmlns:p14="http://schemas.microsoft.com/office/powerpoint/2010/main" id="1" dur="indefinite" restart="never" nodeType="tmRoot"/>
+      </p:par>
+    </p:tnLst>
+  </p:timing>
 </p:sld>
 </file>
 
@@ -11152,32 +11664,7 @@
             <a:spLocks noGrp="1"/>
           </p:cNvSpPr>
           <p:nvPr>
-            <p:ph type="ctrTitle"/>
-          </p:nvPr>
-        </p:nvSpPr>
-        <p:spPr/>
-        <p:txBody>
-          <a:bodyPr>
-            <a:normAutofit fontScale="90000"/>
-          </a:bodyPr>
-          <a:lstStyle/>
-          <a:p>
-            <a:r>
-              <a:rPr lang="en-US" dirty="0" smtClean="0"/>
-              <a:t>Discussion</a:t>
-            </a:r>
-            <a:endParaRPr lang="en-US" dirty="0"/>
-          </a:p>
-        </p:txBody>
-      </p:sp>
-      <p:sp>
-        <p:nvSpPr>
-          <p:cNvPr id="3" name="Subtitle 2"/>
-          <p:cNvSpPr>
-            <a:spLocks noGrp="1"/>
-          </p:cNvSpPr>
-          <p:nvPr>
-            <p:ph type="subTitle" idx="1"/>
+            <p:ph type="title"/>
           </p:nvPr>
         </p:nvSpPr>
         <p:spPr/>
@@ -11185,9 +11672,160 @@
           <a:bodyPr/>
           <a:lstStyle/>
           <a:p>
+            <a:endParaRPr lang="en-US"/>
+          </a:p>
+        </p:txBody>
+      </p:sp>
+      <p:sp>
+        <p:nvSpPr>
+          <p:cNvPr id="3" name="Content Placeholder 2"/>
+          <p:cNvSpPr>
+            <a:spLocks noGrp="1"/>
+          </p:cNvSpPr>
+          <p:nvPr>
+            <p:ph sz="quarter" idx="10"/>
+          </p:nvPr>
+        </p:nvSpPr>
+        <p:spPr/>
+        <p:txBody>
+          <a:bodyPr/>
+          <a:lstStyle/>
+          <a:p>
+            <a:r>
+              <a:rPr lang="en-US" dirty="0"/>
+              <a:t>#</a:t>
+            </a:r>
+          </a:p>
+          <a:p>
+            <a:r>
+              <a:rPr lang="en-US" dirty="0"/>
+              <a:t># Cookbook Name:: </a:t>
+            </a:r>
+            <a:r>
+              <a:rPr lang="en-US" dirty="0" err="1"/>
+              <a:t>httpd</a:t>
+            </a:r>
+            <a:endParaRPr lang="en-US" dirty="0"/>
+          </a:p>
+          <a:p>
+            <a:r>
+              <a:rPr lang="en-US" dirty="0"/>
+              <a:t># Recipe:: install</a:t>
+            </a:r>
+          </a:p>
+          <a:p>
+            <a:r>
+              <a:rPr lang="en-US" dirty="0"/>
+              <a:t>#</a:t>
+            </a:r>
+          </a:p>
+          <a:p>
+            <a:r>
+              <a:rPr lang="en-US" dirty="0"/>
+              <a:t># Copyright (c) 2015 The Authors, All Rights Reserved.</a:t>
+            </a:r>
+          </a:p>
+          <a:p>
+            <a:r>
+              <a:rPr lang="en-US" dirty="0"/>
+              <a:t>require 'pry'</a:t>
+            </a:r>
+          </a:p>
+          <a:p>
+            <a:r>
+              <a:rPr lang="en-US" dirty="0" err="1"/>
+              <a:t>binding.pry</a:t>
+            </a:r>
+            <a:endParaRPr lang="en-US" dirty="0"/>
+          </a:p>
+          <a:p>
+            <a:endParaRPr lang="en-US" dirty="0"/>
+          </a:p>
+          <a:p>
+            <a:r>
+              <a:rPr lang="en-US" dirty="0"/>
+              <a:t>package node['</a:t>
+            </a:r>
+            <a:r>
+              <a:rPr lang="en-US" dirty="0" err="1"/>
+              <a:t>httpd</a:t>
+            </a:r>
+            <a:r>
+              <a:rPr lang="en-US" dirty="0"/>
+              <a:t>']['</a:t>
+            </a:r>
+            <a:r>
+              <a:rPr lang="en-US" dirty="0" err="1"/>
+              <a:t>package_name</a:t>
+            </a:r>
+            <a:r>
+              <a:rPr lang="en-US" dirty="0"/>
+              <a:t>']</a:t>
+            </a:r>
+          </a:p>
+          <a:p>
+            <a:endParaRPr lang="en-US" dirty="0"/>
+          </a:p>
+        </p:txBody>
+      </p:sp>
+      <p:sp>
+        <p:nvSpPr>
+          <p:cNvPr id="4" name="Text Placeholder 3"/>
+          <p:cNvSpPr>
+            <a:spLocks noGrp="1"/>
+          </p:cNvSpPr>
+          <p:nvPr>
+            <p:ph type="body" sz="quarter" idx="11"/>
+          </p:nvPr>
+        </p:nvSpPr>
+        <p:spPr/>
+        <p:txBody>
+          <a:bodyPr/>
+          <a:lstStyle/>
+          <a:p>
             <a:r>
               <a:rPr lang="en-US" dirty="0" smtClean="0"/>
-              <a:t>What value does Pry provide to you as a Cookbook Maintainer?</a:t>
+              <a:t>~/</a:t>
+            </a:r>
+            <a:r>
+              <a:rPr lang="en-US" dirty="0" err="1" smtClean="0"/>
+              <a:t>httpd</a:t>
+            </a:r>
+            <a:r>
+              <a:rPr lang="en-US" dirty="0" smtClean="0"/>
+              <a:t>/recipes/</a:t>
+            </a:r>
+            <a:r>
+              <a:rPr lang="en-US" dirty="0" err="1" smtClean="0"/>
+              <a:t>install.rb</a:t>
+            </a:r>
+            <a:endParaRPr lang="en-US" dirty="0"/>
+          </a:p>
+        </p:txBody>
+      </p:sp>
+      <p:sp>
+        <p:nvSpPr>
+          <p:cNvPr id="5" name="Text Placeholder 4"/>
+          <p:cNvSpPr>
+            <a:spLocks noGrp="1"/>
+          </p:cNvSpPr>
+          <p:nvPr>
+            <p:ph type="body" sz="quarter" idx="12"/>
+          </p:nvPr>
+        </p:nvSpPr>
+        <p:spPr>
+          <a:xfrm>
+            <a:off x="1124446" y="4791869"/>
+            <a:ext cx="14404273" cy="1640889"/>
+          </a:xfrm>
+        </p:spPr>
+        <p:txBody>
+          <a:bodyPr/>
+          <a:lstStyle/>
+          <a:p>
+            <a:r>
+              <a:rPr lang="en-US" dirty="0" smtClean="0"/>
+              <a:t>-</a:t>
             </a:r>
           </a:p>
         </p:txBody>
@@ -11195,7 +11833,7 @@
     </p:spTree>
     <p:extLst>
       <p:ext uri="{BB962C8B-B14F-4D97-AF65-F5344CB8AC3E}">
-        <p14:creationId xmlns:p14="http://schemas.microsoft.com/office/powerpoint/2010/main" val="108599519"/>
+        <p14:creationId xmlns:p14="http://schemas.microsoft.com/office/powerpoint/2010/main" val="3746960469"/>
       </p:ext>
     </p:extLst>
   </p:cSld>
@@ -11205,6 +11843,13 @@
   <p:transition xmlns:p14="http://schemas.microsoft.com/office/powerpoint/2010/main" spd="med">
     <p:fade/>
   </p:transition>
+  <p:timing>
+    <p:tnLst>
+      <p:par>
+        <p:cTn xmlns:p14="http://schemas.microsoft.com/office/powerpoint/2010/main" id="1" dur="indefinite" restart="never" nodeType="tmRoot"/>
+      </p:par>
+    </p:tnLst>
+  </p:timing>
 </p:sld>
 </file>
 
@@ -11244,6 +11889,1200 @@
           <a:p>
             <a:r>
               <a:rPr lang="en-US" dirty="0" smtClean="0"/>
+              <a:t>Refactor Service Recipe</a:t>
+            </a:r>
+            <a:endParaRPr lang="en-US" dirty="0"/>
+          </a:p>
+        </p:txBody>
+      </p:sp>
+      <p:sp>
+        <p:nvSpPr>
+          <p:cNvPr id="3" name="Subtitle 2"/>
+          <p:cNvSpPr>
+            <a:spLocks noGrp="1"/>
+          </p:cNvSpPr>
+          <p:nvPr>
+            <p:ph type="subTitle" idx="1"/>
+          </p:nvPr>
+        </p:nvSpPr>
+        <p:spPr/>
+        <p:txBody>
+          <a:bodyPr/>
+          <a:lstStyle/>
+          <a:p>
+            <a:r>
+              <a:rPr lang="en-US" dirty="0"/>
+              <a:t>Refactor the </a:t>
+            </a:r>
+            <a:r>
+              <a:rPr lang="en-US" dirty="0" smtClean="0"/>
+              <a:t>Service recipe </a:t>
+            </a:r>
+            <a:r>
+              <a:rPr lang="en-US" dirty="0"/>
+              <a:t>to use a Node attribute</a:t>
+            </a:r>
+          </a:p>
+          <a:p>
+            <a:r>
+              <a:rPr lang="en-US" dirty="0"/>
+              <a:t>Execute the tests and verify the tests fail</a:t>
+            </a:r>
+          </a:p>
+          <a:p>
+            <a:r>
+              <a:rPr lang="en-US" dirty="0" smtClean="0"/>
+              <a:t>Add a new Node attribute for the service</a:t>
+            </a:r>
+          </a:p>
+          <a:p>
+            <a:r>
+              <a:rPr lang="en-US" dirty="0"/>
+              <a:t>E</a:t>
+            </a:r>
+            <a:r>
+              <a:rPr lang="en-US" dirty="0" smtClean="0"/>
+              <a:t>xecute </a:t>
+            </a:r>
+            <a:r>
+              <a:rPr lang="en-US" dirty="0"/>
+              <a:t>the tests </a:t>
+            </a:r>
+            <a:r>
+              <a:rPr lang="en-US" dirty="0" smtClean="0"/>
+              <a:t>and </a:t>
+            </a:r>
+            <a:r>
+              <a:rPr lang="en-US" dirty="0"/>
+              <a:t>verify the tests </a:t>
+            </a:r>
+            <a:r>
+              <a:rPr lang="en-US" dirty="0" smtClean="0"/>
+              <a:t>pass</a:t>
+            </a:r>
+          </a:p>
+          <a:p>
+            <a:pPr marL="0" indent="0">
+              <a:buNone/>
+            </a:pPr>
+            <a:endParaRPr lang="en-US" dirty="0" smtClean="0"/>
+          </a:p>
+          <a:p>
+            <a:pPr marL="0" indent="0">
+              <a:buNone/>
+            </a:pPr>
+            <a:endParaRPr lang="en-US" dirty="0" smtClean="0"/>
+          </a:p>
+          <a:p>
+            <a:pPr marL="0" indent="0">
+              <a:buNone/>
+            </a:pPr>
+            <a:r>
+              <a:rPr lang="en-US" i="1" dirty="0" smtClean="0"/>
+              <a:t>BONUS: Use pry to verify that the attribute has been set.</a:t>
+            </a:r>
+            <a:endParaRPr lang="en-US" i="1" dirty="0"/>
+          </a:p>
+        </p:txBody>
+      </p:sp>
+    </p:spTree>
+    <p:extLst>
+      <p:ext uri="{BB962C8B-B14F-4D97-AF65-F5344CB8AC3E}">
+        <p14:creationId xmlns:p14="http://schemas.microsoft.com/office/powerpoint/2010/main" val="2244086988"/>
+      </p:ext>
+    </p:extLst>
+  </p:cSld>
+  <p:clrMapOvr>
+    <a:masterClrMapping/>
+  </p:clrMapOvr>
+  <p:transition xmlns:p14="http://schemas.microsoft.com/office/powerpoint/2010/main" spd="med">
+    <p:fade/>
+  </p:transition>
+  <p:timing>
+    <p:tnLst>
+      <p:par>
+        <p:cTn xmlns:p14="http://schemas.microsoft.com/office/powerpoint/2010/main" id="1" dur="indefinite" restart="never" nodeType="tmRoot"/>
+      </p:par>
+    </p:tnLst>
+  </p:timing>
+</p:sld>
+</file>
+
+<file path=ppt/slides/slide28.xml><?xml version="1.0" encoding="utf-8"?>
+<p:sld xmlns:a="http://schemas.openxmlformats.org/drawingml/2006/main" xmlns:r="http://schemas.openxmlformats.org/officeDocument/2006/relationships" xmlns:p="http://schemas.openxmlformats.org/presentationml/2006/main">
+  <p:cSld>
+    <p:spTree>
+      <p:nvGrpSpPr>
+        <p:cNvPr id="1" name=""/>
+        <p:cNvGrpSpPr/>
+        <p:nvPr/>
+      </p:nvGrpSpPr>
+      <p:grpSpPr>
+        <a:xfrm>
+          <a:off x="0" y="0"/>
+          <a:ext cx="0" cy="0"/>
+          <a:chOff x="0" y="0"/>
+          <a:chExt cx="0" cy="0"/>
+        </a:xfrm>
+      </p:grpSpPr>
+      <p:sp>
+        <p:nvSpPr>
+          <p:cNvPr id="2" name="Title 1"/>
+          <p:cNvSpPr>
+            <a:spLocks noGrp="1"/>
+          </p:cNvSpPr>
+          <p:nvPr>
+            <p:ph type="title"/>
+          </p:nvPr>
+        </p:nvSpPr>
+        <p:spPr/>
+        <p:txBody>
+          <a:bodyPr/>
+          <a:lstStyle/>
+          <a:p>
+            <a:endParaRPr lang="en-US"/>
+          </a:p>
+        </p:txBody>
+      </p:sp>
+      <p:sp>
+        <p:nvSpPr>
+          <p:cNvPr id="3" name="Content Placeholder 2"/>
+          <p:cNvSpPr>
+            <a:spLocks noGrp="1"/>
+          </p:cNvSpPr>
+          <p:nvPr>
+            <p:ph sz="quarter" idx="10"/>
+          </p:nvPr>
+        </p:nvSpPr>
+        <p:spPr/>
+        <p:txBody>
+          <a:bodyPr/>
+          <a:lstStyle/>
+          <a:p>
+            <a:r>
+              <a:rPr lang="en-US" dirty="0"/>
+              <a:t>#</a:t>
+            </a:r>
+          </a:p>
+          <a:p>
+            <a:r>
+              <a:rPr lang="en-US" dirty="0"/>
+              <a:t># Cookbook Name:: </a:t>
+            </a:r>
+            <a:r>
+              <a:rPr lang="en-US" dirty="0" err="1"/>
+              <a:t>httpd</a:t>
+            </a:r>
+            <a:endParaRPr lang="en-US" dirty="0"/>
+          </a:p>
+          <a:p>
+            <a:r>
+              <a:rPr lang="en-US" dirty="0"/>
+              <a:t># Recipe:: service</a:t>
+            </a:r>
+          </a:p>
+          <a:p>
+            <a:r>
+              <a:rPr lang="en-US" dirty="0"/>
+              <a:t>#</a:t>
+            </a:r>
+          </a:p>
+          <a:p>
+            <a:r>
+              <a:rPr lang="en-US" dirty="0"/>
+              <a:t># Copyright (c) 2015 The Authors, All Rights Reserved.</a:t>
+            </a:r>
+          </a:p>
+          <a:p>
+            <a:r>
+              <a:rPr lang="en-US" dirty="0"/>
+              <a:t>service node['</a:t>
+            </a:r>
+            <a:r>
+              <a:rPr lang="en-US" dirty="0" err="1"/>
+              <a:t>httpd</a:t>
+            </a:r>
+            <a:r>
+              <a:rPr lang="en-US" dirty="0"/>
+              <a:t>']['</a:t>
+            </a:r>
+            <a:r>
+              <a:rPr lang="en-US" dirty="0" err="1"/>
+              <a:t>service_name</a:t>
+            </a:r>
+            <a:r>
+              <a:rPr lang="en-US" dirty="0"/>
+              <a:t>'] do</a:t>
+            </a:r>
+          </a:p>
+          <a:p>
+            <a:r>
+              <a:rPr lang="en-US" dirty="0"/>
+              <a:t>  action [:enable, :start]</a:t>
+            </a:r>
+          </a:p>
+          <a:p>
+            <a:r>
+              <a:rPr lang="en-US" dirty="0"/>
+              <a:t>end</a:t>
+            </a:r>
+          </a:p>
+        </p:txBody>
+      </p:sp>
+      <p:sp>
+        <p:nvSpPr>
+          <p:cNvPr id="4" name="Text Placeholder 3"/>
+          <p:cNvSpPr>
+            <a:spLocks noGrp="1"/>
+          </p:cNvSpPr>
+          <p:nvPr>
+            <p:ph type="body" sz="quarter" idx="11"/>
+          </p:nvPr>
+        </p:nvSpPr>
+        <p:spPr/>
+        <p:txBody>
+          <a:bodyPr/>
+          <a:lstStyle/>
+          <a:p>
+            <a:r>
+              <a:rPr lang="en-US" dirty="0" smtClean="0"/>
+              <a:t>~/</a:t>
+            </a:r>
+            <a:r>
+              <a:rPr lang="en-US" dirty="0" err="1" smtClean="0"/>
+              <a:t>httpd</a:t>
+            </a:r>
+            <a:r>
+              <a:rPr lang="en-US" dirty="0" smtClean="0"/>
+              <a:t>/recipes/</a:t>
+            </a:r>
+            <a:r>
+              <a:rPr lang="en-US" dirty="0" err="1" smtClean="0"/>
+              <a:t>service.rb</a:t>
+            </a:r>
+            <a:endParaRPr lang="en-US" dirty="0"/>
+          </a:p>
+        </p:txBody>
+      </p:sp>
+      <p:sp>
+        <p:nvSpPr>
+          <p:cNvPr id="6" name="Text Placeholder 5"/>
+          <p:cNvSpPr>
+            <a:spLocks noGrp="1"/>
+          </p:cNvSpPr>
+          <p:nvPr>
+            <p:ph type="body" sz="quarter" idx="13"/>
+          </p:nvPr>
+        </p:nvSpPr>
+        <p:spPr>
+          <a:xfrm>
+            <a:off x="1135042" y="4757314"/>
+            <a:ext cx="14404273" cy="626533"/>
+          </a:xfrm>
+        </p:spPr>
+        <p:txBody>
+          <a:bodyPr/>
+          <a:lstStyle/>
+          <a:p>
+            <a:r>
+              <a:rPr lang="en-US" dirty="0" smtClean="0"/>
+              <a:t>+</a:t>
+            </a:r>
+            <a:endParaRPr lang="en-US" dirty="0"/>
+          </a:p>
+        </p:txBody>
+      </p:sp>
+    </p:spTree>
+    <p:extLst>
+      <p:ext uri="{BB962C8B-B14F-4D97-AF65-F5344CB8AC3E}">
+        <p14:creationId xmlns:p14="http://schemas.microsoft.com/office/powerpoint/2010/main" val="973565700"/>
+      </p:ext>
+    </p:extLst>
+  </p:cSld>
+  <p:clrMapOvr>
+    <a:masterClrMapping/>
+  </p:clrMapOvr>
+  <p:transition xmlns:p14="http://schemas.microsoft.com/office/powerpoint/2010/main" spd="med">
+    <p:fade/>
+  </p:transition>
+</p:sld>
+</file>
+
+<file path=ppt/slides/slide29.xml><?xml version="1.0" encoding="utf-8"?>
+<p:sld xmlns:a="http://schemas.openxmlformats.org/drawingml/2006/main" xmlns:r="http://schemas.openxmlformats.org/officeDocument/2006/relationships" xmlns:p="http://schemas.openxmlformats.org/presentationml/2006/main">
+  <p:cSld>
+    <p:spTree>
+      <p:nvGrpSpPr>
+        <p:cNvPr id="1" name=""/>
+        <p:cNvGrpSpPr/>
+        <p:nvPr/>
+      </p:nvGrpSpPr>
+      <p:grpSpPr>
+        <a:xfrm>
+          <a:off x="0" y="0"/>
+          <a:ext cx="0" cy="0"/>
+          <a:chOff x="0" y="0"/>
+          <a:chExt cx="0" cy="0"/>
+        </a:xfrm>
+      </p:grpSpPr>
+      <p:sp>
+        <p:nvSpPr>
+          <p:cNvPr id="2" name="Content Placeholder 1"/>
+          <p:cNvSpPr>
+            <a:spLocks noGrp="1"/>
+          </p:cNvSpPr>
+          <p:nvPr>
+            <p:ph sz="quarter" idx="10"/>
+          </p:nvPr>
+        </p:nvSpPr>
+        <p:spPr/>
+        <p:txBody>
+          <a:bodyPr/>
+          <a:lstStyle/>
+          <a:p>
+            <a:r>
+              <a:rPr lang="en-US" sz="2400" dirty="0"/>
+              <a:t>FFF</a:t>
+            </a:r>
+          </a:p>
+          <a:p>
+            <a:endParaRPr lang="en-US" sz="2400" dirty="0"/>
+          </a:p>
+          <a:p>
+            <a:r>
+              <a:rPr lang="en-US" sz="2400" dirty="0"/>
+              <a:t>Failures:</a:t>
+            </a:r>
+          </a:p>
+          <a:p>
+            <a:endParaRPr lang="en-US" sz="2400" dirty="0"/>
+          </a:p>
+          <a:p>
+            <a:r>
+              <a:rPr lang="en-US" sz="2400" dirty="0"/>
+              <a:t>  1) </a:t>
+            </a:r>
+            <a:r>
+              <a:rPr lang="en-US" sz="2400" dirty="0" err="1"/>
+              <a:t>httpd</a:t>
+            </a:r>
+            <a:r>
+              <a:rPr lang="en-US" sz="2400" dirty="0"/>
+              <a:t>::service When all attributes are default, on an unspecified platform converges successfully</a:t>
+            </a:r>
+          </a:p>
+          <a:p>
+            <a:r>
+              <a:rPr lang="en-US" sz="2400" dirty="0"/>
+              <a:t>     Failure/Error: expect { </a:t>
+            </a:r>
+            <a:r>
+              <a:rPr lang="en-US" sz="2400" dirty="0" err="1"/>
+              <a:t>chef_run</a:t>
+            </a:r>
+            <a:r>
+              <a:rPr lang="en-US" sz="2400" dirty="0"/>
+              <a:t> }.</a:t>
+            </a:r>
+            <a:r>
+              <a:rPr lang="en-US" sz="2400" dirty="0" err="1"/>
+              <a:t>to_not</a:t>
+            </a:r>
+            <a:r>
+              <a:rPr lang="en-US" sz="2400" dirty="0"/>
+              <a:t> </a:t>
+            </a:r>
+            <a:r>
+              <a:rPr lang="en-US" sz="2400" dirty="0" err="1"/>
+              <a:t>raise_error</a:t>
+            </a:r>
+            <a:endParaRPr lang="en-US" sz="2400" dirty="0"/>
+          </a:p>
+          <a:p>
+            <a:r>
+              <a:rPr lang="en-US" sz="2400" dirty="0"/>
+              <a:t>       expected no Exception, got #&lt;</a:t>
+            </a:r>
+            <a:r>
+              <a:rPr lang="en-US" sz="2400" dirty="0" err="1"/>
+              <a:t>NoMethodError</a:t>
+            </a:r>
+            <a:r>
+              <a:rPr lang="en-US" sz="2400" dirty="0"/>
+              <a:t>: undefined method `[]' for </a:t>
+            </a:r>
+            <a:r>
+              <a:rPr lang="en-US" sz="2400" dirty="0" err="1"/>
+              <a:t>nil:NilClass</a:t>
+            </a:r>
+            <a:r>
+              <a:rPr lang="en-US" sz="2400" dirty="0"/>
+              <a:t>&gt; with </a:t>
+            </a:r>
+            <a:r>
+              <a:rPr lang="en-US" sz="2400" dirty="0" err="1"/>
+              <a:t>backtrace</a:t>
+            </a:r>
+            <a:r>
+              <a:rPr lang="en-US" sz="2400" dirty="0"/>
+              <a:t>:</a:t>
+            </a:r>
+          </a:p>
+          <a:p>
+            <a:r>
+              <a:rPr lang="en-US" sz="2400" dirty="0"/>
+              <a:t>         # /</a:t>
+            </a:r>
+            <a:r>
+              <a:rPr lang="en-US" sz="2400" dirty="0" err="1"/>
+              <a:t>tmp</a:t>
+            </a:r>
+            <a:r>
+              <a:rPr lang="en-US" sz="2400" dirty="0"/>
+              <a:t>/d20151027-27872-9rctn8/cookbooks/</a:t>
+            </a:r>
+            <a:r>
+              <a:rPr lang="en-US" sz="2400" dirty="0" err="1"/>
+              <a:t>httpd</a:t>
+            </a:r>
+            <a:r>
+              <a:rPr lang="en-US" sz="2400" dirty="0"/>
+              <a:t>/recipes/service.rb:6:in `</a:t>
+            </a:r>
+            <a:r>
+              <a:rPr lang="en-US" sz="2400" dirty="0" err="1"/>
+              <a:t>from_file</a:t>
+            </a:r>
+            <a:r>
+              <a:rPr lang="en-US" sz="2400" dirty="0" smtClean="0"/>
+              <a:t>'</a:t>
+            </a:r>
+            <a:endParaRPr lang="en-US" sz="2400" dirty="0"/>
+          </a:p>
+        </p:txBody>
+      </p:sp>
+      <p:sp>
+        <p:nvSpPr>
+          <p:cNvPr id="3" name="Text Placeholder 2"/>
+          <p:cNvSpPr>
+            <a:spLocks noGrp="1"/>
+          </p:cNvSpPr>
+          <p:nvPr>
+            <p:ph type="body" sz="quarter" idx="11"/>
+          </p:nvPr>
+        </p:nvSpPr>
+        <p:spPr/>
+        <p:txBody>
+          <a:bodyPr/>
+          <a:lstStyle/>
+          <a:p>
+            <a:r>
+              <a:rPr lang="en-US" dirty="0" smtClean="0"/>
+              <a:t>&gt; chef exec </a:t>
+            </a:r>
+            <a:r>
+              <a:rPr lang="en-US" dirty="0" err="1" smtClean="0"/>
+              <a:t>rspec</a:t>
+            </a:r>
+            <a:r>
+              <a:rPr lang="en-US" dirty="0" smtClean="0"/>
+              <a:t> spec/unit/recipes/</a:t>
+            </a:r>
+            <a:r>
+              <a:rPr lang="en-US" dirty="0" err="1" smtClean="0"/>
+              <a:t>service_spec.rb</a:t>
+            </a:r>
+            <a:endParaRPr lang="en-US" dirty="0"/>
+          </a:p>
+        </p:txBody>
+      </p:sp>
+      <p:sp>
+        <p:nvSpPr>
+          <p:cNvPr id="4" name="Content Placeholder 3"/>
+          <p:cNvSpPr>
+            <a:spLocks noGrp="1"/>
+          </p:cNvSpPr>
+          <p:nvPr>
+            <p:ph sz="quarter" idx="12"/>
+          </p:nvPr>
+        </p:nvSpPr>
+        <p:spPr>
+          <a:xfrm>
+            <a:off x="1127883" y="4995932"/>
+            <a:ext cx="14420850" cy="1364651"/>
+          </a:xfrm>
+        </p:spPr>
+        <p:txBody>
+          <a:bodyPr/>
+          <a:lstStyle/>
+          <a:p>
+            <a:endParaRPr lang="en-US" dirty="0"/>
+          </a:p>
+        </p:txBody>
+      </p:sp>
+      <p:sp>
+        <p:nvSpPr>
+          <p:cNvPr id="5" name="Title 4"/>
+          <p:cNvSpPr>
+            <a:spLocks noGrp="1"/>
+          </p:cNvSpPr>
+          <p:nvPr>
+            <p:ph type="title"/>
+          </p:nvPr>
+        </p:nvSpPr>
+        <p:spPr/>
+        <p:txBody>
+          <a:bodyPr/>
+          <a:lstStyle/>
+          <a:p>
+            <a:endParaRPr lang="en-US"/>
+          </a:p>
+        </p:txBody>
+      </p:sp>
+    </p:spTree>
+    <p:extLst>
+      <p:ext uri="{BB962C8B-B14F-4D97-AF65-F5344CB8AC3E}">
+        <p14:creationId xmlns:p14="http://schemas.microsoft.com/office/powerpoint/2010/main" val="562944355"/>
+      </p:ext>
+    </p:extLst>
+  </p:cSld>
+  <p:clrMapOvr>
+    <a:masterClrMapping/>
+  </p:clrMapOvr>
+  <p:transition xmlns:p14="http://schemas.microsoft.com/office/powerpoint/2010/main" spd="med">
+    <p:fade/>
+  </p:transition>
+</p:sld>
+</file>
+
+<file path=ppt/slides/slide3.xml><?xml version="1.0" encoding="utf-8"?>
+<p:sld xmlns:a="http://schemas.openxmlformats.org/drawingml/2006/main" xmlns:r="http://schemas.openxmlformats.org/officeDocument/2006/relationships" xmlns:p="http://schemas.openxmlformats.org/presentationml/2006/main">
+  <p:cSld>
+    <p:spTree>
+      <p:nvGrpSpPr>
+        <p:cNvPr id="1" name=""/>
+        <p:cNvGrpSpPr/>
+        <p:nvPr/>
+      </p:nvGrpSpPr>
+      <p:grpSpPr>
+        <a:xfrm>
+          <a:off x="0" y="0"/>
+          <a:ext cx="0" cy="0"/>
+          <a:chOff x="0" y="0"/>
+          <a:chExt cx="0" cy="0"/>
+        </a:xfrm>
+      </p:grpSpPr>
+      <p:sp>
+        <p:nvSpPr>
+          <p:cNvPr id="2" name="Title 1"/>
+          <p:cNvSpPr>
+            <a:spLocks noGrp="1"/>
+          </p:cNvSpPr>
+          <p:nvPr>
+            <p:ph type="title"/>
+          </p:nvPr>
+        </p:nvSpPr>
+        <p:spPr/>
+        <p:txBody>
+          <a:bodyPr/>
+          <a:lstStyle/>
+          <a:p>
+            <a:endParaRPr lang="en-US"/>
+          </a:p>
+        </p:txBody>
+      </p:sp>
+      <p:sp>
+        <p:nvSpPr>
+          <p:cNvPr id="3" name="Content Placeholder 2"/>
+          <p:cNvSpPr>
+            <a:spLocks noGrp="1"/>
+          </p:cNvSpPr>
+          <p:nvPr>
+            <p:ph sz="quarter" idx="10"/>
+          </p:nvPr>
+        </p:nvSpPr>
+        <p:spPr/>
+        <p:txBody>
+          <a:bodyPr/>
+          <a:lstStyle/>
+          <a:p>
+            <a:r>
+              <a:rPr lang="en-US" dirty="0"/>
+              <a:t>#</a:t>
+            </a:r>
+          </a:p>
+          <a:p>
+            <a:r>
+              <a:rPr lang="en-US" dirty="0"/>
+              <a:t># Cookbook Name:: </a:t>
+            </a:r>
+            <a:r>
+              <a:rPr lang="en-US" dirty="0" err="1"/>
+              <a:t>httpd</a:t>
+            </a:r>
+            <a:endParaRPr lang="en-US" dirty="0"/>
+          </a:p>
+          <a:p>
+            <a:r>
+              <a:rPr lang="en-US" dirty="0"/>
+              <a:t># Recipe:: install</a:t>
+            </a:r>
+          </a:p>
+          <a:p>
+            <a:r>
+              <a:rPr lang="en-US" dirty="0"/>
+              <a:t>#</a:t>
+            </a:r>
+          </a:p>
+          <a:p>
+            <a:r>
+              <a:rPr lang="en-US" dirty="0"/>
+              <a:t># Copyright (c) 2015 The Authors, All Rights Reserved.</a:t>
+            </a:r>
+          </a:p>
+          <a:p>
+            <a:r>
+              <a:rPr lang="en-US" dirty="0"/>
+              <a:t>package '</a:t>
+            </a:r>
+            <a:r>
+              <a:rPr lang="en-US" dirty="0" err="1"/>
+              <a:t>httpd</a:t>
+            </a:r>
+            <a:r>
+              <a:rPr lang="en-US" dirty="0"/>
+              <a:t>'</a:t>
+            </a:r>
+          </a:p>
+        </p:txBody>
+      </p:sp>
+      <p:sp>
+        <p:nvSpPr>
+          <p:cNvPr id="4" name="Text Placeholder 3"/>
+          <p:cNvSpPr>
+            <a:spLocks noGrp="1"/>
+          </p:cNvSpPr>
+          <p:nvPr>
+            <p:ph type="body" sz="quarter" idx="11"/>
+          </p:nvPr>
+        </p:nvSpPr>
+        <p:spPr/>
+        <p:txBody>
+          <a:bodyPr/>
+          <a:lstStyle/>
+          <a:p>
+            <a:r>
+              <a:rPr lang="en-US" dirty="0" smtClean="0"/>
+              <a:t>~/</a:t>
+            </a:r>
+            <a:r>
+              <a:rPr lang="en-US" dirty="0" err="1" smtClean="0"/>
+              <a:t>httpd</a:t>
+            </a:r>
+            <a:r>
+              <a:rPr lang="en-US" dirty="0" smtClean="0"/>
+              <a:t>/recipes/</a:t>
+            </a:r>
+            <a:r>
+              <a:rPr lang="en-US" dirty="0" err="1" smtClean="0"/>
+              <a:t>install.rb</a:t>
+            </a:r>
+            <a:endParaRPr lang="en-US" dirty="0"/>
+          </a:p>
+        </p:txBody>
+      </p:sp>
+    </p:spTree>
+    <p:extLst>
+      <p:ext uri="{BB962C8B-B14F-4D97-AF65-F5344CB8AC3E}">
+        <p14:creationId xmlns:p14="http://schemas.microsoft.com/office/powerpoint/2010/main" val="1910286073"/>
+      </p:ext>
+    </p:extLst>
+  </p:cSld>
+  <p:clrMapOvr>
+    <a:masterClrMapping/>
+  </p:clrMapOvr>
+  <p:transition xmlns:p14="http://schemas.microsoft.com/office/powerpoint/2010/main" spd="med">
+    <p:fade/>
+  </p:transition>
+</p:sld>
+</file>
+
+<file path=ppt/slides/slide30.xml><?xml version="1.0" encoding="utf-8"?>
+<p:sld xmlns:a="http://schemas.openxmlformats.org/drawingml/2006/main" xmlns:r="http://schemas.openxmlformats.org/officeDocument/2006/relationships" xmlns:p="http://schemas.openxmlformats.org/presentationml/2006/main">
+  <p:cSld>
+    <p:spTree>
+      <p:nvGrpSpPr>
+        <p:cNvPr id="1" name=""/>
+        <p:cNvGrpSpPr/>
+        <p:nvPr/>
+      </p:nvGrpSpPr>
+      <p:grpSpPr>
+        <a:xfrm>
+          <a:off x="0" y="0"/>
+          <a:ext cx="0" cy="0"/>
+          <a:chOff x="0" y="0"/>
+          <a:chExt cx="0" cy="0"/>
+        </a:xfrm>
+      </p:grpSpPr>
+      <p:sp>
+        <p:nvSpPr>
+          <p:cNvPr id="2" name="Title 1"/>
+          <p:cNvSpPr>
+            <a:spLocks noGrp="1"/>
+          </p:cNvSpPr>
+          <p:nvPr>
+            <p:ph type="title"/>
+          </p:nvPr>
+        </p:nvSpPr>
+        <p:spPr/>
+        <p:txBody>
+          <a:bodyPr/>
+          <a:lstStyle/>
+          <a:p>
+            <a:endParaRPr lang="en-US"/>
+          </a:p>
+        </p:txBody>
+      </p:sp>
+      <p:sp>
+        <p:nvSpPr>
+          <p:cNvPr id="3" name="Content Placeholder 2"/>
+          <p:cNvSpPr>
+            <a:spLocks noGrp="1"/>
+          </p:cNvSpPr>
+          <p:nvPr>
+            <p:ph sz="quarter" idx="10"/>
+          </p:nvPr>
+        </p:nvSpPr>
+        <p:spPr/>
+        <p:txBody>
+          <a:bodyPr/>
+          <a:lstStyle/>
+          <a:p>
+            <a:r>
+              <a:rPr lang="en-US" dirty="0" smtClean="0"/>
+              <a:t>default['</a:t>
+            </a:r>
+            <a:r>
+              <a:rPr lang="en-US" dirty="0" err="1" smtClean="0"/>
+              <a:t>httpd</a:t>
+            </a:r>
+            <a:r>
+              <a:rPr lang="en-US" dirty="0" smtClean="0"/>
+              <a:t>']['</a:t>
+            </a:r>
+            <a:r>
+              <a:rPr lang="en-US" dirty="0" err="1" smtClean="0"/>
+              <a:t>package_name</a:t>
+            </a:r>
+            <a:r>
+              <a:rPr lang="en-US" dirty="0" smtClean="0"/>
+              <a:t>'] = '</a:t>
+            </a:r>
+            <a:r>
+              <a:rPr lang="en-US" dirty="0" err="1" smtClean="0"/>
+              <a:t>httpd</a:t>
+            </a:r>
+            <a:r>
+              <a:rPr lang="en-US" dirty="0" smtClean="0"/>
+              <a:t>'</a:t>
+            </a:r>
+          </a:p>
+          <a:p>
+            <a:r>
+              <a:rPr lang="en-US" dirty="0"/>
+              <a:t>default['</a:t>
+            </a:r>
+            <a:r>
+              <a:rPr lang="en-US" dirty="0" err="1"/>
+              <a:t>httpd</a:t>
+            </a:r>
+            <a:r>
+              <a:rPr lang="en-US" dirty="0"/>
+              <a:t>'][</a:t>
+            </a:r>
+            <a:r>
+              <a:rPr lang="en-US" dirty="0" smtClean="0"/>
+              <a:t>'</a:t>
+            </a:r>
+            <a:r>
+              <a:rPr lang="en-US" dirty="0" err="1" smtClean="0"/>
+              <a:t>service_name</a:t>
+            </a:r>
+            <a:r>
+              <a:rPr lang="en-US" dirty="0" smtClean="0"/>
+              <a:t>'</a:t>
+            </a:r>
+            <a:r>
+              <a:rPr lang="en-US" dirty="0"/>
+              <a:t>] = '</a:t>
+            </a:r>
+            <a:r>
+              <a:rPr lang="en-US" dirty="0" err="1"/>
+              <a:t>httpd</a:t>
+            </a:r>
+            <a:r>
+              <a:rPr lang="en-US" dirty="0"/>
+              <a:t>'</a:t>
+            </a:r>
+          </a:p>
+          <a:p>
+            <a:endParaRPr lang="en-US" dirty="0"/>
+          </a:p>
+        </p:txBody>
+      </p:sp>
+      <p:sp>
+        <p:nvSpPr>
+          <p:cNvPr id="4" name="Text Placeholder 3"/>
+          <p:cNvSpPr>
+            <a:spLocks noGrp="1"/>
+          </p:cNvSpPr>
+          <p:nvPr>
+            <p:ph type="body" sz="quarter" idx="11"/>
+          </p:nvPr>
+        </p:nvSpPr>
+        <p:spPr/>
+        <p:txBody>
+          <a:bodyPr/>
+          <a:lstStyle/>
+          <a:p>
+            <a:r>
+              <a:rPr lang="en-US" dirty="0" smtClean="0"/>
+              <a:t>~/</a:t>
+            </a:r>
+            <a:r>
+              <a:rPr lang="en-US" dirty="0" err="1" smtClean="0"/>
+              <a:t>httpd</a:t>
+            </a:r>
+            <a:r>
+              <a:rPr lang="en-US" dirty="0" smtClean="0"/>
+              <a:t>/attributes/</a:t>
+            </a:r>
+            <a:r>
+              <a:rPr lang="en-US" dirty="0" err="1" smtClean="0"/>
+              <a:t>default.rb</a:t>
+            </a:r>
+            <a:endParaRPr lang="en-US" dirty="0"/>
+          </a:p>
+        </p:txBody>
+      </p:sp>
+      <p:sp>
+        <p:nvSpPr>
+          <p:cNvPr id="6" name="Text Placeholder 5"/>
+          <p:cNvSpPr>
+            <a:spLocks noGrp="1"/>
+          </p:cNvSpPr>
+          <p:nvPr>
+            <p:ph type="body" sz="quarter" idx="13"/>
+          </p:nvPr>
+        </p:nvSpPr>
+        <p:spPr>
+          <a:xfrm>
+            <a:off x="1135042" y="2640649"/>
+            <a:ext cx="14404273" cy="626533"/>
+          </a:xfrm>
+        </p:spPr>
+        <p:txBody>
+          <a:bodyPr/>
+          <a:lstStyle/>
+          <a:p>
+            <a:endParaRPr lang="en-US" dirty="0"/>
+          </a:p>
+        </p:txBody>
+      </p:sp>
+    </p:spTree>
+    <p:extLst>
+      <p:ext uri="{BB962C8B-B14F-4D97-AF65-F5344CB8AC3E}">
+        <p14:creationId xmlns:p14="http://schemas.microsoft.com/office/powerpoint/2010/main" val="559765920"/>
+      </p:ext>
+    </p:extLst>
+  </p:cSld>
+  <p:clrMapOvr>
+    <a:masterClrMapping/>
+  </p:clrMapOvr>
+  <p:transition xmlns:p14="http://schemas.microsoft.com/office/powerpoint/2010/main" spd="med">
+    <p:fade/>
+  </p:transition>
+</p:sld>
+</file>
+
+<file path=ppt/slides/slide31.xml><?xml version="1.0" encoding="utf-8"?>
+<p:sld xmlns:a="http://schemas.openxmlformats.org/drawingml/2006/main" xmlns:r="http://schemas.openxmlformats.org/officeDocument/2006/relationships" xmlns:p="http://schemas.openxmlformats.org/presentationml/2006/main">
+  <p:cSld>
+    <p:spTree>
+      <p:nvGrpSpPr>
+        <p:cNvPr id="1" name=""/>
+        <p:cNvGrpSpPr/>
+        <p:nvPr/>
+      </p:nvGrpSpPr>
+      <p:grpSpPr>
+        <a:xfrm>
+          <a:off x="0" y="0"/>
+          <a:ext cx="0" cy="0"/>
+          <a:chOff x="0" y="0"/>
+          <a:chExt cx="0" cy="0"/>
+        </a:xfrm>
+      </p:grpSpPr>
+      <p:sp>
+        <p:nvSpPr>
+          <p:cNvPr id="2" name="Content Placeholder 1"/>
+          <p:cNvSpPr>
+            <a:spLocks noGrp="1"/>
+          </p:cNvSpPr>
+          <p:nvPr>
+            <p:ph sz="quarter" idx="10"/>
+          </p:nvPr>
+        </p:nvSpPr>
+        <p:spPr/>
+        <p:txBody>
+          <a:bodyPr/>
+          <a:lstStyle/>
+          <a:p>
+            <a:r>
+              <a:rPr lang="en-US" sz="2400" dirty="0"/>
+              <a:t>...</a:t>
+            </a:r>
+          </a:p>
+          <a:p>
+            <a:endParaRPr lang="en-US" sz="2400" dirty="0"/>
+          </a:p>
+          <a:p>
+            <a:r>
+              <a:rPr lang="en-US" sz="2400" dirty="0"/>
+              <a:t>Finished in 1.06 seconds (files took 4.33 seconds to load)</a:t>
+            </a:r>
+          </a:p>
+          <a:p>
+            <a:r>
+              <a:rPr lang="en-US" sz="2400" dirty="0"/>
+              <a:t>3 examples, 0 failures</a:t>
+            </a:r>
+          </a:p>
+        </p:txBody>
+      </p:sp>
+      <p:sp>
+        <p:nvSpPr>
+          <p:cNvPr id="3" name="Text Placeholder 2"/>
+          <p:cNvSpPr>
+            <a:spLocks noGrp="1"/>
+          </p:cNvSpPr>
+          <p:nvPr>
+            <p:ph type="body" sz="quarter" idx="11"/>
+          </p:nvPr>
+        </p:nvSpPr>
+        <p:spPr/>
+        <p:txBody>
+          <a:bodyPr/>
+          <a:lstStyle/>
+          <a:p>
+            <a:r>
+              <a:rPr lang="en-US" dirty="0" smtClean="0"/>
+              <a:t>&gt; chef exec </a:t>
+            </a:r>
+            <a:r>
+              <a:rPr lang="en-US" dirty="0" err="1" smtClean="0"/>
+              <a:t>rspec</a:t>
+            </a:r>
+            <a:r>
+              <a:rPr lang="en-US" dirty="0" smtClean="0"/>
+              <a:t> spec/unit/recipes/</a:t>
+            </a:r>
+            <a:r>
+              <a:rPr lang="en-US" dirty="0" err="1" smtClean="0"/>
+              <a:t>service_spec.rb</a:t>
+            </a:r>
+            <a:endParaRPr lang="en-US" dirty="0"/>
+          </a:p>
+        </p:txBody>
+      </p:sp>
+      <p:sp>
+        <p:nvSpPr>
+          <p:cNvPr id="4" name="Content Placeholder 3"/>
+          <p:cNvSpPr>
+            <a:spLocks noGrp="1"/>
+          </p:cNvSpPr>
+          <p:nvPr>
+            <p:ph sz="quarter" idx="12"/>
+          </p:nvPr>
+        </p:nvSpPr>
+        <p:spPr>
+          <a:xfrm>
+            <a:off x="1127883" y="3683600"/>
+            <a:ext cx="14420850" cy="496818"/>
+          </a:xfrm>
+        </p:spPr>
+        <p:txBody>
+          <a:bodyPr/>
+          <a:lstStyle/>
+          <a:p>
+            <a:endParaRPr lang="en-US" dirty="0"/>
+          </a:p>
+        </p:txBody>
+      </p:sp>
+      <p:sp>
+        <p:nvSpPr>
+          <p:cNvPr id="5" name="Title 4"/>
+          <p:cNvSpPr>
+            <a:spLocks noGrp="1"/>
+          </p:cNvSpPr>
+          <p:nvPr>
+            <p:ph type="title"/>
+          </p:nvPr>
+        </p:nvSpPr>
+        <p:spPr/>
+        <p:txBody>
+          <a:bodyPr/>
+          <a:lstStyle/>
+          <a:p>
+            <a:endParaRPr lang="en-US"/>
+          </a:p>
+        </p:txBody>
+      </p:sp>
+    </p:spTree>
+    <p:extLst>
+      <p:ext uri="{BB962C8B-B14F-4D97-AF65-F5344CB8AC3E}">
+        <p14:creationId xmlns:p14="http://schemas.microsoft.com/office/powerpoint/2010/main" val="3260909364"/>
+      </p:ext>
+    </p:extLst>
+  </p:cSld>
+  <p:clrMapOvr>
+    <a:masterClrMapping/>
+  </p:clrMapOvr>
+  <p:transition xmlns:p14="http://schemas.microsoft.com/office/powerpoint/2010/main" spd="med">
+    <p:fade/>
+  </p:transition>
+</p:sld>
+</file>
+
+<file path=ppt/slides/slide32.xml><?xml version="1.0" encoding="utf-8"?>
+<p:sld xmlns:a="http://schemas.openxmlformats.org/drawingml/2006/main" xmlns:r="http://schemas.openxmlformats.org/officeDocument/2006/relationships" xmlns:p="http://schemas.openxmlformats.org/presentationml/2006/main">
+  <p:cSld>
+    <p:spTree>
+      <p:nvGrpSpPr>
+        <p:cNvPr id="1" name=""/>
+        <p:cNvGrpSpPr/>
+        <p:nvPr/>
+      </p:nvGrpSpPr>
+      <p:grpSpPr>
+        <a:xfrm>
+          <a:off x="0" y="0"/>
+          <a:ext cx="0" cy="0"/>
+          <a:chOff x="0" y="0"/>
+          <a:chExt cx="0" cy="0"/>
+        </a:xfrm>
+      </p:grpSpPr>
+      <p:sp>
+        <p:nvSpPr>
+          <p:cNvPr id="2" name="Title 1"/>
+          <p:cNvSpPr>
+            <a:spLocks noGrp="1"/>
+          </p:cNvSpPr>
+          <p:nvPr>
+            <p:ph type="ctrTitle"/>
+          </p:nvPr>
+        </p:nvSpPr>
+        <p:spPr/>
+        <p:txBody>
+          <a:bodyPr>
+            <a:normAutofit fontScale="90000"/>
+          </a:bodyPr>
+          <a:lstStyle/>
+          <a:p>
+            <a:r>
+              <a:rPr lang="en-US" dirty="0" smtClean="0"/>
+              <a:t>Discussion</a:t>
+            </a:r>
+            <a:endParaRPr lang="en-US" dirty="0"/>
+          </a:p>
+        </p:txBody>
+      </p:sp>
+      <p:sp>
+        <p:nvSpPr>
+          <p:cNvPr id="3" name="Subtitle 2"/>
+          <p:cNvSpPr>
+            <a:spLocks noGrp="1"/>
+          </p:cNvSpPr>
+          <p:nvPr>
+            <p:ph type="subTitle" idx="1"/>
+          </p:nvPr>
+        </p:nvSpPr>
+        <p:spPr/>
+        <p:txBody>
+          <a:bodyPr/>
+          <a:lstStyle/>
+          <a:p>
+            <a:r>
+              <a:rPr lang="en-US" dirty="0" smtClean="0"/>
+              <a:t>What are the benefits of providing the package name and service name as node attributes?</a:t>
+            </a:r>
+          </a:p>
+          <a:p>
+            <a:endParaRPr lang="en-US" dirty="0" smtClean="0"/>
+          </a:p>
+          <a:p>
+            <a:r>
+              <a:rPr lang="en-US" dirty="0" smtClean="0"/>
+              <a:t>What value does Pry provide to you as a </a:t>
+            </a:r>
+            <a:r>
+              <a:rPr lang="en-US" smtClean="0"/>
+              <a:t>Cookbook Developer?</a:t>
+            </a:r>
+            <a:endParaRPr lang="en-US" dirty="0" smtClean="0"/>
+          </a:p>
+        </p:txBody>
+      </p:sp>
+    </p:spTree>
+    <p:extLst>
+      <p:ext uri="{BB962C8B-B14F-4D97-AF65-F5344CB8AC3E}">
+        <p14:creationId xmlns:p14="http://schemas.microsoft.com/office/powerpoint/2010/main" val="108599519"/>
+      </p:ext>
+    </p:extLst>
+  </p:cSld>
+  <p:clrMapOvr>
+    <a:masterClrMapping/>
+  </p:clrMapOvr>
+  <p:transition xmlns:p14="http://schemas.microsoft.com/office/powerpoint/2010/main" spd="med">
+    <p:fade/>
+  </p:transition>
+</p:sld>
+</file>
+
+<file path=ppt/slides/slide33.xml><?xml version="1.0" encoding="utf-8"?>
+<p:sld xmlns:a="http://schemas.openxmlformats.org/drawingml/2006/main" xmlns:r="http://schemas.openxmlformats.org/officeDocument/2006/relationships" xmlns:p="http://schemas.openxmlformats.org/presentationml/2006/main">
+  <p:cSld>
+    <p:spTree>
+      <p:nvGrpSpPr>
+        <p:cNvPr id="1" name=""/>
+        <p:cNvGrpSpPr/>
+        <p:nvPr/>
+      </p:nvGrpSpPr>
+      <p:grpSpPr>
+        <a:xfrm>
+          <a:off x="0" y="0"/>
+          <a:ext cx="0" cy="0"/>
+          <a:chOff x="0" y="0"/>
+          <a:chExt cx="0" cy="0"/>
+        </a:xfrm>
+      </p:grpSpPr>
+      <p:sp>
+        <p:nvSpPr>
+          <p:cNvPr id="2" name="Title 1"/>
+          <p:cNvSpPr>
+            <a:spLocks noGrp="1"/>
+          </p:cNvSpPr>
+          <p:nvPr>
+            <p:ph type="ctrTitle"/>
+          </p:nvPr>
+        </p:nvSpPr>
+        <p:spPr/>
+        <p:txBody>
+          <a:bodyPr>
+            <a:normAutofit fontScale="90000"/>
+          </a:bodyPr>
+          <a:lstStyle/>
+          <a:p>
+            <a:r>
+              <a:rPr lang="en-US" dirty="0" smtClean="0"/>
               <a:t>Q&amp;A</a:t>
             </a:r>
             <a:endParaRPr lang="en-US" dirty="0"/>
@@ -11293,7 +13132,7 @@
 </p:sld>
 </file>
 
-<file path=ppt/slides/slide28.xml><?xml version="1.0" encoding="utf-8"?>
+<file path=ppt/slides/slide34.xml><?xml version="1.0" encoding="utf-8"?>
 <p:sld xmlns:a="http://schemas.openxmlformats.org/drawingml/2006/main" xmlns:r="http://schemas.openxmlformats.org/officeDocument/2006/relationships" xmlns:p="http://schemas.openxmlformats.org/presentationml/2006/main">
   <p:cSld>
     <p:spTree>
@@ -11326,158 +13165,6 @@
 </p:sld>
 </file>
 
-<file path=ppt/slides/slide3.xml><?xml version="1.0" encoding="utf-8"?>
-<p:sld xmlns:a="http://schemas.openxmlformats.org/drawingml/2006/main" xmlns:r="http://schemas.openxmlformats.org/officeDocument/2006/relationships" xmlns:p="http://schemas.openxmlformats.org/presentationml/2006/main">
-  <p:cSld>
-    <p:spTree>
-      <p:nvGrpSpPr>
-        <p:cNvPr id="1" name=""/>
-        <p:cNvGrpSpPr/>
-        <p:nvPr/>
-      </p:nvGrpSpPr>
-      <p:grpSpPr>
-        <a:xfrm>
-          <a:off x="0" y="0"/>
-          <a:ext cx="0" cy="0"/>
-          <a:chOff x="0" y="0"/>
-          <a:chExt cx="0" cy="0"/>
-        </a:xfrm>
-      </p:grpSpPr>
-      <p:sp>
-        <p:nvSpPr>
-          <p:cNvPr id="2" name="Title 1"/>
-          <p:cNvSpPr>
-            <a:spLocks noGrp="1"/>
-          </p:cNvSpPr>
-          <p:nvPr>
-            <p:ph type="title"/>
-          </p:nvPr>
-        </p:nvSpPr>
-        <p:spPr/>
-        <p:txBody>
-          <a:bodyPr/>
-          <a:lstStyle/>
-          <a:p>
-            <a:endParaRPr lang="en-US"/>
-          </a:p>
-        </p:txBody>
-      </p:sp>
-      <p:sp>
-        <p:nvSpPr>
-          <p:cNvPr id="3" name="Content Placeholder 2"/>
-          <p:cNvSpPr>
-            <a:spLocks noGrp="1"/>
-          </p:cNvSpPr>
-          <p:nvPr>
-            <p:ph sz="quarter" idx="10"/>
-          </p:nvPr>
-        </p:nvSpPr>
-        <p:spPr/>
-        <p:txBody>
-          <a:bodyPr/>
-          <a:lstStyle/>
-          <a:p>
-            <a:r>
-              <a:rPr lang="en-US" dirty="0"/>
-              <a:t>#</a:t>
-            </a:r>
-          </a:p>
-          <a:p>
-            <a:r>
-              <a:rPr lang="en-US" dirty="0"/>
-              <a:t># Cookbook Name:: </a:t>
-            </a:r>
-            <a:r>
-              <a:rPr lang="en-US" dirty="0" err="1"/>
-              <a:t>httpd</a:t>
-            </a:r>
-            <a:endParaRPr lang="en-US" dirty="0"/>
-          </a:p>
-          <a:p>
-            <a:r>
-              <a:rPr lang="en-US" dirty="0"/>
-              <a:t># Recipe:: install</a:t>
-            </a:r>
-          </a:p>
-          <a:p>
-            <a:r>
-              <a:rPr lang="en-US" dirty="0"/>
-              <a:t>#</a:t>
-            </a:r>
-          </a:p>
-          <a:p>
-            <a:r>
-              <a:rPr lang="en-US" dirty="0"/>
-              <a:t># Copyright (c) 2015 The Authors, All Rights Reserved.</a:t>
-            </a:r>
-          </a:p>
-          <a:p>
-            <a:r>
-              <a:rPr lang="en-US" dirty="0"/>
-              <a:t>package '</a:t>
-            </a:r>
-            <a:r>
-              <a:rPr lang="en-US" dirty="0" err="1"/>
-              <a:t>httpd</a:t>
-            </a:r>
-            <a:r>
-              <a:rPr lang="en-US" dirty="0"/>
-              <a:t>'</a:t>
-            </a:r>
-          </a:p>
-        </p:txBody>
-      </p:sp>
-      <p:sp>
-        <p:nvSpPr>
-          <p:cNvPr id="4" name="Text Placeholder 3"/>
-          <p:cNvSpPr>
-            <a:spLocks noGrp="1"/>
-          </p:cNvSpPr>
-          <p:nvPr>
-            <p:ph type="body" sz="quarter" idx="11"/>
-          </p:nvPr>
-        </p:nvSpPr>
-        <p:spPr/>
-        <p:txBody>
-          <a:bodyPr/>
-          <a:lstStyle/>
-          <a:p>
-            <a:r>
-              <a:rPr lang="en-US" dirty="0" smtClean="0"/>
-              <a:t>~/</a:t>
-            </a:r>
-            <a:r>
-              <a:rPr lang="en-US" dirty="0" err="1" smtClean="0"/>
-              <a:t>httpd</a:t>
-            </a:r>
-            <a:r>
-              <a:rPr lang="en-US" dirty="0" smtClean="0"/>
-              <a:t>/recipes/</a:t>
-            </a:r>
-            <a:r>
-              <a:rPr lang="en-US" dirty="0" err="1" smtClean="0"/>
-              <a:t>install.rb</a:t>
-            </a:r>
-            <a:endParaRPr lang="en-US" dirty="0"/>
-          </a:p>
-        </p:txBody>
-      </p:sp>
-    </p:spTree>
-    <p:extLst>
-      <p:ext uri="{BB962C8B-B14F-4D97-AF65-F5344CB8AC3E}">
-        <p14:creationId xmlns:p14="http://schemas.microsoft.com/office/powerpoint/2010/main" val="1910286073"/>
-      </p:ext>
-    </p:extLst>
-  </p:cSld>
-  <p:clrMapOvr>
-    <a:masterClrMapping/>
-  </p:clrMapOvr>
-  <p:transition xmlns:p14="http://schemas.microsoft.com/office/powerpoint/2010/main" spd="med">
-    <p:fade/>
-  </p:transition>
-</p:sld>
-</file>
-
 <file path=ppt/slides/slide4.xml><?xml version="1.0" encoding="utf-8"?>
 <p:sld xmlns:a="http://schemas.openxmlformats.org/drawingml/2006/main" xmlns:r="http://schemas.openxmlformats.org/officeDocument/2006/relationships" xmlns:p="http://schemas.openxmlformats.org/presentationml/2006/main">
   <p:cSld>
@@ -11580,7 +13267,33 @@
             </a:pPr>
             <a:r>
               <a:rPr lang="en-US" dirty="0" smtClean="0"/>
-              <a:t>Create the attributes file and execute the tests to verify the tests pass</a:t>
+              <a:t>Create the attributes </a:t>
+            </a:r>
+            <a:r>
+              <a:rPr lang="en-US" dirty="0" smtClean="0"/>
+              <a:t>file and add the Node attribute</a:t>
+            </a:r>
+          </a:p>
+          <a:p>
+            <a:pPr marL="342900" indent="-342900">
+              <a:buFont typeface="Wingdings" charset="2"/>
+              <a:buChar char="q"/>
+            </a:pPr>
+            <a:r>
+              <a:rPr lang="en-US" dirty="0" smtClean="0"/>
+              <a:t>Execute </a:t>
+            </a:r>
+            <a:r>
+              <a:rPr lang="en-US" dirty="0" smtClean="0"/>
+              <a:t>the tests </a:t>
+            </a:r>
+            <a:r>
+              <a:rPr lang="en-US" dirty="0" smtClean="0"/>
+              <a:t>and verify </a:t>
+            </a:r>
+            <a:r>
+              <a:rPr lang="en-US" dirty="0" smtClean="0"/>
+              <a:t>the tests pass</a:t>
             </a:r>
             <a:endParaRPr lang="en-US" dirty="0"/>
           </a:p>
@@ -11889,7 +13602,17 @@
             </a:pPr>
             <a:r>
               <a:rPr lang="en-US" dirty="0"/>
-              <a:t>Create the attributes file and execute the tests to verify the tests pass</a:t>
+              <a:t>Create the attributes file and add the Node attribute</a:t>
+            </a:r>
+          </a:p>
+          <a:p>
+            <a:pPr marL="342900" indent="-342900">
+              <a:buFont typeface="Wingdings" charset="2"/>
+              <a:buChar char="q"/>
+            </a:pPr>
+            <a:r>
+              <a:rPr lang="en-US" dirty="0"/>
+              <a:t>Execute the tests and verify the tests pass</a:t>
             </a:r>
             <a:endParaRPr lang="en-US" dirty="0"/>
           </a:p>
@@ -12252,7 +13975,17 @@
             </a:pPr>
             <a:r>
               <a:rPr lang="en-US" dirty="0"/>
-              <a:t>Create the attributes file and execute the tests to verify the tests pass</a:t>
+              <a:t>Create the attributes file and add the Node attribute</a:t>
+            </a:r>
+          </a:p>
+          <a:p>
+            <a:pPr marL="342900" indent="-342900">
+              <a:buFont typeface="Wingdings" charset="2"/>
+              <a:buChar char="q"/>
+            </a:pPr>
+            <a:r>
+              <a:rPr lang="en-US" dirty="0"/>
+              <a:t>Execute the tests and verify the tests pass</a:t>
             </a:r>
             <a:endParaRPr lang="en-US" dirty="0"/>
           </a:p>

--- a/05-testing_while_refactoring_to_attributes.pptx
+++ b/05-testing_while_refactoring_to_attributes.pptx
@@ -9169,10 +9169,16 @@
         </p:nvSpPr>
         <p:spPr/>
         <p:txBody>
-          <a:bodyPr/>
+          <a:bodyPr>
+            <a:normAutofit fontScale="90000"/>
+          </a:bodyPr>
           <a:lstStyle/>
           <a:p>
-            <a:endParaRPr lang="en-US"/>
+            <a:r>
+              <a:rPr lang="en-US" dirty="0" smtClean="0"/>
+              <a:t>Use Chef to Generate a Default Attributes File</a:t>
+            </a:r>
+            <a:endParaRPr lang="en-US" dirty="0"/>
           </a:p>
         </p:txBody>
       </p:sp>
@@ -9313,7 +9319,11 @@
           <a:bodyPr/>
           <a:lstStyle/>
           <a:p>
-            <a:endParaRPr lang="en-US"/>
+            <a:r>
+              <a:rPr lang="en-US" dirty="0" smtClean="0"/>
+              <a:t>View the Attributes File Generated</a:t>
+            </a:r>
+            <a:endParaRPr lang="en-US" dirty="0"/>
           </a:p>
         </p:txBody>
       </p:sp>
@@ -9447,7 +9457,6 @@
               <a:rPr lang="en-US" dirty="0"/>
               <a:t>Execute the tests and verify the tests pass</a:t>
             </a:r>
-            <a:endParaRPr lang="en-US" dirty="0"/>
           </a:p>
         </p:txBody>
       </p:sp>
@@ -9499,7 +9508,11 @@
           <a:bodyPr/>
           <a:lstStyle/>
           <a:p>
-            <a:endParaRPr lang="en-US"/>
+            <a:r>
+              <a:rPr lang="en-US" dirty="0" smtClean="0"/>
+              <a:t>Add the Default Node Attribute</a:t>
+            </a:r>
+            <a:endParaRPr lang="en-US" dirty="0"/>
           </a:p>
         </p:txBody>
       </p:sp>
@@ -9745,7 +9758,11 @@
           <a:bodyPr/>
           <a:lstStyle/>
           <a:p>
-            <a:endParaRPr lang="en-US"/>
+            <a:r>
+              <a:rPr lang="en-US" dirty="0" smtClean="0"/>
+              <a:t>Execute the Tests to See it Pass</a:t>
+            </a:r>
+            <a:endParaRPr lang="en-US" dirty="0"/>
           </a:p>
         </p:txBody>
       </p:sp>
@@ -9879,7 +9896,6 @@
               <a:rPr lang="en-US" dirty="0"/>
               <a:t>Execute the tests and verify the tests pass</a:t>
             </a:r>
-            <a:endParaRPr lang="en-US" dirty="0"/>
           </a:p>
         </p:txBody>
       </p:sp>
@@ -9958,11 +9974,7 @@
           <a:p>
             <a:r>
               <a:rPr lang="en-US" dirty="0" smtClean="0"/>
-              <a:t>While implementing the </a:t>
-            </a:r>
-            <a:r>
-              <a:rPr lang="en-US" dirty="0" smtClean="0"/>
-              <a:t>node attribute what if made </a:t>
+              <a:t>While implementing the node attribute what if made </a:t>
             </a:r>
             <a:r>
               <a:rPr lang="en-US" smtClean="0"/>
@@ -10020,7 +10032,11 @@
           <a:bodyPr/>
           <a:lstStyle/>
           <a:p>
-            <a:endParaRPr lang="en-US"/>
+            <a:r>
+              <a:rPr lang="en-US" dirty="0" smtClean="0"/>
+              <a:t>Typos Like This One Will Waste Time</a:t>
+            </a:r>
+            <a:endParaRPr lang="en-US" dirty="0"/>
           </a:p>
         </p:txBody>
       </p:sp>
@@ -10272,7 +10288,11 @@
           <a:bodyPr/>
           <a:lstStyle/>
           <a:p>
-            <a:endParaRPr lang="en-US"/>
+            <a:r>
+              <a:rPr lang="en-US" dirty="0" smtClean="0"/>
+              <a:t>Add a Break Point in the Recipe</a:t>
+            </a:r>
+            <a:endParaRPr lang="en-US" dirty="0"/>
           </a:p>
         </p:txBody>
       </p:sp>
@@ -10816,7 +10836,11 @@
           <a:bodyPr/>
           <a:lstStyle/>
           <a:p>
-            <a:endParaRPr lang="en-US"/>
+            <a:r>
+              <a:rPr lang="en-US" dirty="0" smtClean="0"/>
+              <a:t>Execute the Test to Initiate Pry</a:t>
+            </a:r>
+            <a:endParaRPr lang="en-US" dirty="0"/>
           </a:p>
         </p:txBody>
       </p:sp>
@@ -11036,7 +11060,11 @@
           <a:bodyPr/>
           <a:lstStyle/>
           <a:p>
-            <a:endParaRPr lang="en-US"/>
+            <a:r>
+              <a:rPr lang="en-US" dirty="0" smtClean="0"/>
+              <a:t>Pry Provides an Interactive Prompt</a:t>
+            </a:r>
+            <a:endParaRPr lang="en-US" dirty="0"/>
           </a:p>
         </p:txBody>
       </p:sp>
@@ -11247,7 +11275,11 @@
           <a:bodyPr/>
           <a:lstStyle/>
           <a:p>
-            <a:endParaRPr lang="en-US"/>
+            <a:r>
+              <a:rPr lang="en-US" dirty="0" smtClean="0"/>
+              <a:t>Ask Pry for Help</a:t>
+            </a:r>
+            <a:endParaRPr lang="en-US" dirty="0"/>
           </a:p>
         </p:txBody>
       </p:sp>
@@ -11365,10 +11397,16 @@
         </p:nvSpPr>
         <p:spPr/>
         <p:txBody>
-          <a:bodyPr/>
+          <a:bodyPr>
+            <a:normAutofit fontScale="90000"/>
+          </a:bodyPr>
           <a:lstStyle/>
           <a:p>
-            <a:endParaRPr lang="en-US"/>
+            <a:r>
+              <a:rPr lang="en-US" dirty="0" smtClean="0"/>
+              <a:t>Execute Any Code As You Would in a Recipe</a:t>
+            </a:r>
+            <a:endParaRPr lang="en-US" dirty="0"/>
           </a:p>
         </p:txBody>
       </p:sp>
@@ -11504,7 +11542,11 @@
           <a:bodyPr/>
           <a:lstStyle/>
           <a:p>
-            <a:endParaRPr lang="en-US"/>
+            <a:r>
+              <a:rPr lang="en-US" dirty="0" smtClean="0"/>
+              <a:t>Explore the Different Node Attributes</a:t>
+            </a:r>
+            <a:endParaRPr lang="en-US" dirty="0"/>
           </a:p>
         </p:txBody>
       </p:sp>
@@ -11613,7 +11655,11 @@
           <a:bodyPr/>
           <a:lstStyle/>
           <a:p>
-            <a:endParaRPr lang="en-US"/>
+            <a:r>
+              <a:rPr lang="en-US" dirty="0" smtClean="0"/>
+              <a:t>Halt the Execution of the Test Immediately</a:t>
+            </a:r>
+            <a:endParaRPr lang="en-US" dirty="0"/>
           </a:p>
         </p:txBody>
       </p:sp>
@@ -11672,7 +11718,11 @@
           <a:bodyPr/>
           <a:lstStyle/>
           <a:p>
-            <a:endParaRPr lang="en-US"/>
+            <a:r>
+              <a:rPr lang="en-US" dirty="0" smtClean="0"/>
+              <a:t>Remove the Break Point from the Recipe</a:t>
+            </a:r>
+            <a:endParaRPr lang="en-US" dirty="0"/>
           </a:p>
         </p:txBody>
       </p:sp>
@@ -12037,10 +12087,20 @@
         </p:nvSpPr>
         <p:spPr/>
         <p:txBody>
-          <a:bodyPr/>
+          <a:bodyPr>
+            <a:normAutofit fontScale="90000"/>
+          </a:bodyPr>
           <a:lstStyle/>
           <a:p>
-            <a:endParaRPr lang="en-US"/>
+            <a:r>
+              <a:rPr lang="en-US" dirty="0" smtClean="0"/>
+              <a:t>Update the Recipe to use th</a:t>
+            </a:r>
+            <a:r>
+              <a:rPr lang="en-US" dirty="0" smtClean="0"/>
+              <a:t>e Node Attribute</a:t>
+            </a:r>
+            <a:endParaRPr lang="en-US" dirty="0"/>
           </a:p>
         </p:txBody>
       </p:sp>
@@ -12435,7 +12495,11 @@
           <a:bodyPr/>
           <a:lstStyle/>
           <a:p>
-            <a:endParaRPr lang="en-US"/>
+            <a:r>
+              <a:rPr lang="en-US" dirty="0" smtClean="0"/>
+              <a:t>Execute the Tests to See it Fail</a:t>
+            </a:r>
+            <a:endParaRPr lang="en-US" dirty="0"/>
           </a:p>
         </p:txBody>
       </p:sp>
@@ -12484,10 +12548,16 @@
         </p:nvSpPr>
         <p:spPr/>
         <p:txBody>
-          <a:bodyPr/>
+          <a:bodyPr>
+            <a:normAutofit fontScale="90000"/>
+          </a:bodyPr>
           <a:lstStyle/>
           <a:p>
-            <a:endParaRPr lang="en-US"/>
+            <a:r>
+              <a:rPr lang="en-US" dirty="0" smtClean="0"/>
+              <a:t>The Recipe Uses a Hard-Coded Package Name</a:t>
+            </a:r>
+            <a:endParaRPr lang="en-US" dirty="0"/>
           </a:p>
         </p:txBody>
       </p:sp>
@@ -12639,7 +12709,11 @@
           <a:bodyPr/>
           <a:lstStyle/>
           <a:p>
-            <a:endParaRPr lang="en-US"/>
+            <a:r>
+              <a:rPr lang="en-US" dirty="0" smtClean="0"/>
+              <a:t>Add the Default Node Attribute</a:t>
+            </a:r>
+            <a:endParaRPr lang="en-US" dirty="0"/>
           </a:p>
         </p:txBody>
       </p:sp>
@@ -12933,7 +13007,15 @@
           <a:bodyPr/>
           <a:lstStyle/>
           <a:p>
-            <a:endParaRPr lang="en-US"/>
+            <a:r>
+              <a:rPr lang="en-US" dirty="0" smtClean="0"/>
+              <a:t>Execute the Tests to See </a:t>
+            </a:r>
+            <a:r>
+              <a:rPr lang="en-US" smtClean="0"/>
+              <a:t>it Pass</a:t>
+            </a:r>
+            <a:endParaRPr lang="en-US" dirty="0"/>
           </a:p>
         </p:txBody>
       </p:sp>
@@ -13267,11 +13349,7 @@
             </a:pPr>
             <a:r>
               <a:rPr lang="en-US" dirty="0" smtClean="0"/>
-              <a:t>Create the attributes </a:t>
-            </a:r>
-            <a:r>
-              <a:rPr lang="en-US" dirty="0" smtClean="0"/>
-              <a:t>file and add the Node attribute</a:t>
+              <a:t>Create the attributes file and add the Node attribute</a:t>
             </a:r>
           </a:p>
           <a:p>
@@ -13281,19 +13359,7 @@
             </a:pPr>
             <a:r>
               <a:rPr lang="en-US" dirty="0" smtClean="0"/>
-              <a:t>Execute </a:t>
-            </a:r>
-            <a:r>
-              <a:rPr lang="en-US" dirty="0" smtClean="0"/>
-              <a:t>the tests </a:t>
-            </a:r>
-            <a:r>
-              <a:rPr lang="en-US" dirty="0" smtClean="0"/>
-              <a:t>and verify </a:t>
-            </a:r>
-            <a:r>
-              <a:rPr lang="en-US" dirty="0" smtClean="0"/>
-              <a:t>the tests pass</a:t>
+              <a:t>Execute the tests and verify the tests pass</a:t>
             </a:r>
             <a:endParaRPr lang="en-US" dirty="0"/>
           </a:p>
@@ -13347,7 +13413,11 @@
           <a:bodyPr/>
           <a:lstStyle/>
           <a:p>
-            <a:endParaRPr lang="en-US"/>
+            <a:r>
+              <a:rPr lang="en-US" dirty="0" smtClean="0"/>
+              <a:t>Replace the Value with a Node Attribute</a:t>
+            </a:r>
+            <a:endParaRPr lang="en-US" dirty="0"/>
           </a:p>
         </p:txBody>
       </p:sp>
@@ -13614,7 +13684,6 @@
               <a:rPr lang="en-US" dirty="0"/>
               <a:t>Execute the tests and verify the tests pass</a:t>
             </a:r>
-            <a:endParaRPr lang="en-US" dirty="0"/>
           </a:p>
         </p:txBody>
       </p:sp>
@@ -13853,7 +13922,11 @@
           <a:bodyPr/>
           <a:lstStyle/>
           <a:p>
-            <a:endParaRPr lang="en-US"/>
+            <a:r>
+              <a:rPr lang="en-US" dirty="0" smtClean="0"/>
+              <a:t>Execute the Tests to See it Fail</a:t>
+            </a:r>
+            <a:endParaRPr lang="en-US" dirty="0"/>
           </a:p>
         </p:txBody>
       </p:sp>
@@ -13987,7 +14060,6 @@
               <a:rPr lang="en-US" dirty="0"/>
               <a:t>Execute the tests and verify the tests pass</a:t>
             </a:r>
-            <a:endParaRPr lang="en-US" dirty="0"/>
           </a:p>
         </p:txBody>
       </p:sp>
@@ -14190,10 +14262,16 @@
         </p:nvSpPr>
         <p:spPr/>
         <p:txBody>
-          <a:bodyPr/>
+          <a:bodyPr>
+            <a:normAutofit fontScale="90000"/>
+          </a:bodyPr>
           <a:lstStyle/>
           <a:p>
-            <a:endParaRPr lang="en-US"/>
+            <a:r>
+              <a:rPr lang="en-US" dirty="0" smtClean="0"/>
+              <a:t>Ask Chef How to Generate an Attributes File</a:t>
+            </a:r>
+            <a:endParaRPr lang="en-US" dirty="0"/>
           </a:p>
         </p:txBody>
       </p:sp>
@@ -14589,7 +14667,7 @@
   <a:extraClrSchemeLst/>
   <a:extLst>
     <a:ext uri="{05A4C25C-085E-4340-85A3-A5531E510DB2}">
-      <thm15:themeFamily xmlns:thm15="http://schemas.microsoft.com/office/thememl/2012/main" xmlns="" name="Chef-TemplateComps_v09-16x9-Light.potx" id="{078CEFDB-FA7A-4E36-9964-13EF367585CB}" vid="{8B87B0F3-7308-43D5-8388-E1B49EA02652}"/>
+      <thm15:themeFamily xmlns="" xmlns:thm15="http://schemas.microsoft.com/office/thememl/2012/main" name="Chef-TemplateComps_v09-16x9-Light.potx" id="{078CEFDB-FA7A-4E36-9964-13EF367585CB}" vid="{8B87B0F3-7308-43D5-8388-E1B49EA02652}"/>
     </a:ext>
   </a:extLst>
 </a:theme>
@@ -14971,7 +15049,7 @@
   <a:extraClrSchemeLst/>
   <a:extLst>
     <a:ext uri="{05A4C25C-085E-4340-85A3-A5531E510DB2}">
-      <thm15:themeFamily xmlns:thm15="http://schemas.microsoft.com/office/thememl/2012/main" xmlns="" name="Chef-TemplateComps_v09-16x9-Light.potx" id="{078CEFDB-FA7A-4E36-9964-13EF367585CB}" vid="{8B87B0F3-7308-43D5-8388-E1B49EA02652}"/>
+      <thm15:themeFamily xmlns="" xmlns:thm15="http://schemas.microsoft.com/office/thememl/2012/main" name="Chef-TemplateComps_v09-16x9-Light.potx" id="{078CEFDB-FA7A-4E36-9964-13EF367585CB}" vid="{8B87B0F3-7308-43D5-8388-E1B49EA02652}"/>
     </a:ext>
   </a:extLst>
 </a:theme>

--- a/05-testing_while_refactoring_to_attributes.pptx
+++ b/05-testing_while_refactoring_to_attributes.pptx
@@ -23,8 +23,8 @@
     <p:sldId id="283" r:id="rId15"/>
     <p:sldId id="284" r:id="rId16"/>
     <p:sldId id="285" r:id="rId17"/>
-    <p:sldId id="288" r:id="rId18"/>
-    <p:sldId id="286" r:id="rId19"/>
+    <p:sldId id="286" r:id="rId18"/>
+    <p:sldId id="288" r:id="rId19"/>
     <p:sldId id="287" r:id="rId20"/>
     <p:sldId id="306" r:id="rId21"/>
     <p:sldId id="289" r:id="rId22"/>
@@ -174,6 +174,25 @@
       </a:defRPr>
     </a:lvl9pPr>
   </p:defaultTextStyle>
+  <p:extLst>
+    <p:ext uri="{EFAFB233-063F-42B5-8137-9DF3F51BA10A}">
+      <p15:sldGuideLst xmlns:p15="http://schemas.microsoft.com/office/powerpoint/2012/main">
+        <p15:guide id="1" orient="horz" pos="894">
+          <p15:clr>
+            <a:srgbClr val="A4A3A4"/>
+          </p15:clr>
+        </p15:guide>
+        <p15:guide id="2" pos="9120">
+          <p15:clr>
+            <a:srgbClr val="A4A3A4"/>
+          </p15:clr>
+        </p15:guide>
+      </p15:sldGuideLst>
+    </p:ext>
+    <p:ext uri="{2D200454-40CA-4A62-9FC3-DE9A4176ACB9}">
+      <p15:notesGuideLst xmlns:p15="http://schemas.microsoft.com/office/powerpoint/2012/main"/>
+    </p:ext>
+  </p:extLst>
 </p:presentation>
 </file>
 
@@ -288,7 +307,7 @@
               <a:pPr>
                 <a:defRPr/>
               </a:pPr>
-              <a:t>10/26/15</a:t>
+              <a:t>2015-11-20</a:t>
             </a:fld>
             <a:endParaRPr lang="en-US" dirty="0"/>
           </a:p>
@@ -471,7 +490,7 @@
               <a:pPr>
                 <a:defRPr/>
               </a:pPr>
-              <a:t>10/26/15</a:t>
+              <a:t>2015-11-20</a:t>
             </a:fld>
             <a:endParaRPr lang="en-US" dirty="0"/>
           </a:p>
@@ -1009,7 +1028,7 @@
   <p:clrMapOvr>
     <a:masterClrMapping/>
   </p:clrMapOvr>
-  <p:transition xmlns:p14="http://schemas.microsoft.com/office/powerpoint/2010/main" spd="med">
+  <p:transition spd="med">
     <p:fade/>
   </p:transition>
 </p:sldLayout>
@@ -1304,7 +1323,7 @@
   <p:clrMapOvr>
     <a:overrideClrMapping bg1="lt1" tx1="dk1" bg2="lt2" tx2="dk2" accent1="accent1" accent2="accent2" accent3="accent3" accent4="accent4" accent5="accent5" accent6="accent6" hlink="hlink" folHlink="folHlink"/>
   </p:clrMapOvr>
-  <p:transition xmlns:p14="http://schemas.microsoft.com/office/powerpoint/2010/main" spd="med">
+  <p:transition spd="med">
     <p:fade/>
   </p:transition>
 </p:sldLayout>
@@ -1437,14 +1456,14 @@
           </a:ln>
           <a:extLst>
             <a:ext uri="{909E8E84-426E-40dd-AFC4-6F175D3DCCD1}">
-              <a14:hiddenFill xmlns:a14="http://schemas.microsoft.com/office/drawing/2010/main">
+              <a14:hiddenFill xmlns:a14="http://schemas.microsoft.com/office/drawing/2010/main" xmlns="">
                 <a:solidFill>
                   <a:srgbClr val="FFFFFF"/>
                 </a:solidFill>
               </a14:hiddenFill>
             </a:ext>
             <a:ext uri="{91240B29-F687-4f45-9708-019B960494DF}">
-              <a14:hiddenLine xmlns:a14="http://schemas.microsoft.com/office/drawing/2010/main" w="9525">
+              <a14:hiddenLine xmlns:a14="http://schemas.microsoft.com/office/drawing/2010/main" xmlns="" w="9525">
                 <a:solidFill>
                   <a:srgbClr val="000000"/>
                 </a:solidFill>
@@ -1592,14 +1611,14 @@
           </a:ln>
           <a:extLst>
             <a:ext uri="{909E8E84-426E-40dd-AFC4-6F175D3DCCD1}">
-              <a14:hiddenFill xmlns:a14="http://schemas.microsoft.com/office/drawing/2010/main">
+              <a14:hiddenFill xmlns:a14="http://schemas.microsoft.com/office/drawing/2010/main" xmlns="">
                 <a:solidFill>
                   <a:srgbClr val="FFFFFF"/>
                 </a:solidFill>
               </a14:hiddenFill>
             </a:ext>
             <a:ext uri="{91240B29-F687-4f45-9708-019B960494DF}">
-              <a14:hiddenLine xmlns:a14="http://schemas.microsoft.com/office/drawing/2010/main" w="9525">
+              <a14:hiddenLine xmlns:a14="http://schemas.microsoft.com/office/drawing/2010/main" xmlns="" w="9525">
                 <a:solidFill>
                   <a:srgbClr val="000000"/>
                 </a:solidFill>
@@ -1997,7 +2016,7 @@
   <p:clrMapOvr>
     <a:overrideClrMapping bg1="lt1" tx1="dk1" bg2="lt2" tx2="dk2" accent1="accent1" accent2="accent2" accent3="accent3" accent4="accent4" accent5="accent5" accent6="accent6" hlink="hlink" folHlink="folHlink"/>
   </p:clrMapOvr>
-  <p:transition xmlns:p14="http://schemas.microsoft.com/office/powerpoint/2010/main" spd="med">
+  <p:transition spd="med">
     <p:fade/>
   </p:transition>
 </p:sldLayout>
@@ -2090,14 +2109,14 @@
           </a:ln>
           <a:extLst>
             <a:ext uri="{909E8E84-426E-40dd-AFC4-6F175D3DCCD1}">
-              <a14:hiddenFill xmlns:a14="http://schemas.microsoft.com/office/drawing/2010/main">
+              <a14:hiddenFill xmlns:a14="http://schemas.microsoft.com/office/drawing/2010/main" xmlns="">
                 <a:solidFill>
                   <a:srgbClr val="FFFFFF"/>
                 </a:solidFill>
               </a14:hiddenFill>
             </a:ext>
             <a:ext uri="{91240B29-F687-4f45-9708-019B960494DF}">
-              <a14:hiddenLine xmlns:a14="http://schemas.microsoft.com/office/drawing/2010/main" w="9525">
+              <a14:hiddenLine xmlns:a14="http://schemas.microsoft.com/office/drawing/2010/main" xmlns="" w="9525">
                 <a:solidFill>
                   <a:srgbClr val="000000"/>
                 </a:solidFill>
@@ -2119,7 +2138,7 @@
   <p:clrMapOvr>
     <a:masterClrMapping/>
   </p:clrMapOvr>
-  <p:transition xmlns:p14="http://schemas.microsoft.com/office/powerpoint/2010/main" spd="med">
+  <p:transition spd="med">
     <p:fade/>
   </p:transition>
 </p:sldLayout>
@@ -2336,14 +2355,14 @@
           </a:ln>
           <a:extLst>
             <a:ext uri="{909E8E84-426E-40dd-AFC4-6F175D3DCCD1}">
-              <a14:hiddenFill xmlns:a14="http://schemas.microsoft.com/office/drawing/2010/main">
+              <a14:hiddenFill xmlns:a14="http://schemas.microsoft.com/office/drawing/2010/main" xmlns="">
                 <a:solidFill>
                   <a:srgbClr val="FFFFFF"/>
                 </a:solidFill>
               </a14:hiddenFill>
             </a:ext>
             <a:ext uri="{91240B29-F687-4f45-9708-019B960494DF}">
-              <a14:hiddenLine xmlns:a14="http://schemas.microsoft.com/office/drawing/2010/main" w="9525">
+              <a14:hiddenLine xmlns:a14="http://schemas.microsoft.com/office/drawing/2010/main" xmlns="" w="9525">
                 <a:solidFill>
                   <a:srgbClr val="000000"/>
                 </a:solidFill>
@@ -2540,7 +2559,7 @@
   <p:clrMapOvr>
     <a:masterClrMapping/>
   </p:clrMapOvr>
-  <p:transition xmlns:p14="http://schemas.microsoft.com/office/powerpoint/2010/main" spd="med">
+  <p:transition spd="med">
     <p:fade/>
   </p:transition>
 </p:sldLayout>
@@ -2827,7 +2846,7 @@
   <p:clrMapOvr>
     <a:masterClrMapping/>
   </p:clrMapOvr>
-  <p:transition xmlns:p14="http://schemas.microsoft.com/office/powerpoint/2010/main" spd="med">
+  <p:transition spd="med">
     <p:fade/>
   </p:transition>
 </p:sldLayout>
@@ -3114,7 +3133,7 @@
   <p:clrMapOvr>
     <a:masterClrMapping/>
   </p:clrMapOvr>
-  <p:transition xmlns:p14="http://schemas.microsoft.com/office/powerpoint/2010/main" spd="med">
+  <p:transition spd="med">
     <p:fade/>
   </p:transition>
 </p:sldLayout>
@@ -3463,7 +3482,7 @@
   <p:clrMapOvr>
     <a:masterClrMapping/>
   </p:clrMapOvr>
-  <p:transition xmlns:p14="http://schemas.microsoft.com/office/powerpoint/2010/main" spd="med">
+  <p:transition spd="med">
     <p:fade/>
   </p:transition>
 </p:sldLayout>
@@ -3750,7 +3769,7 @@
   <p:clrMapOvr>
     <a:masterClrMapping/>
   </p:clrMapOvr>
-  <p:transition xmlns:p14="http://schemas.microsoft.com/office/powerpoint/2010/main" spd="med">
+  <p:transition spd="med">
     <p:fade/>
   </p:transition>
 </p:sldLayout>
@@ -3967,14 +3986,14 @@
           </a:ln>
           <a:extLst>
             <a:ext uri="{909E8E84-426E-40dd-AFC4-6F175D3DCCD1}">
-              <a14:hiddenFill xmlns:a14="http://schemas.microsoft.com/office/drawing/2010/main">
+              <a14:hiddenFill xmlns:a14="http://schemas.microsoft.com/office/drawing/2010/main" xmlns="">
                 <a:solidFill>
                   <a:srgbClr val="FFFFFF"/>
                 </a:solidFill>
               </a14:hiddenFill>
             </a:ext>
             <a:ext uri="{91240B29-F687-4f45-9708-019B960494DF}">
-              <a14:hiddenLine xmlns:a14="http://schemas.microsoft.com/office/drawing/2010/main" w="9525">
+              <a14:hiddenLine xmlns:a14="http://schemas.microsoft.com/office/drawing/2010/main" xmlns="" w="9525">
                 <a:solidFill>
                   <a:srgbClr val="000000"/>
                 </a:solidFill>
@@ -4171,7 +4190,7 @@
   <p:clrMapOvr>
     <a:masterClrMapping/>
   </p:clrMapOvr>
-  <p:transition xmlns:p14="http://schemas.microsoft.com/office/powerpoint/2010/main" spd="med">
+  <p:transition spd="med">
     <p:fade/>
   </p:transition>
 </p:sldLayout>
@@ -4459,7 +4478,7 @@
   <p:clrMapOvr>
     <a:masterClrMapping/>
   </p:clrMapOvr>
-  <p:transition xmlns:p14="http://schemas.microsoft.com/office/powerpoint/2010/main" spd="med">
+  <p:transition spd="med">
     <p:fade/>
   </p:transition>
 </p:sldLayout>
@@ -4636,7 +4655,7 @@
   <p:clrMapOvr>
     <a:masterClrMapping/>
   </p:clrMapOvr>
-  <p:transition xmlns:p14="http://schemas.microsoft.com/office/powerpoint/2010/main" spd="med">
+  <p:transition spd="med">
     <p:fade/>
   </p:transition>
 </p:sldLayout>
@@ -4948,7 +4967,7 @@
   <p:clrMapOvr>
     <a:masterClrMapping/>
   </p:clrMapOvr>
-  <p:transition xmlns:p14="http://schemas.microsoft.com/office/powerpoint/2010/main" spd="med">
+  <p:transition spd="med">
     <p:fade/>
   </p:transition>
 </p:sldLayout>
@@ -5252,7 +5271,7 @@
   <p:clrMapOvr>
     <a:masterClrMapping/>
   </p:clrMapOvr>
-  <p:transition xmlns:p14="http://schemas.microsoft.com/office/powerpoint/2010/main" spd="med">
+  <p:transition spd="med">
     <p:fade/>
   </p:transition>
 </p:sldLayout>
@@ -5328,14 +5347,14 @@
           </a:ln>
           <a:extLst>
             <a:ext uri="{909E8E84-426E-40dd-AFC4-6F175D3DCCD1}">
-              <a14:hiddenFill xmlns:a14="http://schemas.microsoft.com/office/drawing/2010/main">
+              <a14:hiddenFill xmlns:a14="http://schemas.microsoft.com/office/drawing/2010/main" xmlns="">
                 <a:solidFill>
                   <a:srgbClr val="FFFFFF"/>
                 </a:solidFill>
               </a14:hiddenFill>
             </a:ext>
             <a:ext uri="{91240B29-F687-4f45-9708-019B960494DF}">
-              <a14:hiddenLine xmlns:a14="http://schemas.microsoft.com/office/drawing/2010/main" w="9525">
+              <a14:hiddenLine xmlns:a14="http://schemas.microsoft.com/office/drawing/2010/main" xmlns="" w="9525">
                 <a:solidFill>
                   <a:srgbClr val="000000"/>
                 </a:solidFill>
@@ -5611,7 +5630,7 @@
   <p:clrMapOvr>
     <a:overrideClrMapping bg1="lt1" tx1="dk1" bg2="lt2" tx2="dk2" accent1="accent1" accent2="accent2" accent3="accent3" accent4="accent4" accent5="accent5" accent6="accent6" hlink="hlink" folHlink="folHlink"/>
   </p:clrMapOvr>
-  <p:transition xmlns:p14="http://schemas.microsoft.com/office/powerpoint/2010/main" spd="med">
+  <p:transition spd="med">
     <p:fade/>
   </p:transition>
 </p:sldLayout>
@@ -5817,7 +5836,7 @@
   <p:clrMapOvr>
     <a:overrideClrMapping bg1="lt1" tx1="dk1" bg2="lt2" tx2="dk2" accent1="accent1" accent2="accent2" accent3="accent3" accent4="accent4" accent5="accent5" accent6="accent6" hlink="hlink" folHlink="folHlink"/>
   </p:clrMapOvr>
-  <p:transition xmlns:p14="http://schemas.microsoft.com/office/powerpoint/2010/main" spd="med">
+  <p:transition spd="med">
     <p:fade/>
   </p:transition>
 </p:sldLayout>
@@ -5893,14 +5912,14 @@
           </a:ln>
           <a:extLst>
             <a:ext uri="{909E8E84-426E-40dd-AFC4-6F175D3DCCD1}">
-              <a14:hiddenFill xmlns:a14="http://schemas.microsoft.com/office/drawing/2010/main">
+              <a14:hiddenFill xmlns:a14="http://schemas.microsoft.com/office/drawing/2010/main" xmlns="">
                 <a:solidFill>
                   <a:srgbClr val="FFFFFF"/>
                 </a:solidFill>
               </a14:hiddenFill>
             </a:ext>
             <a:ext uri="{91240B29-F687-4f45-9708-019B960494DF}">
-              <a14:hiddenLine xmlns:a14="http://schemas.microsoft.com/office/drawing/2010/main" w="9525">
+              <a14:hiddenLine xmlns:a14="http://schemas.microsoft.com/office/drawing/2010/main" xmlns="" w="9525">
                 <a:solidFill>
                   <a:srgbClr val="000000"/>
                 </a:solidFill>
@@ -6183,7 +6202,7 @@
   <p:clrMapOvr>
     <a:overrideClrMapping bg1="lt1" tx1="dk1" bg2="lt2" tx2="dk2" accent1="accent1" accent2="accent2" accent3="accent3" accent4="accent4" accent5="accent5" accent6="accent6" hlink="hlink" folHlink="folHlink"/>
   </p:clrMapOvr>
-  <p:transition xmlns:p14="http://schemas.microsoft.com/office/powerpoint/2010/main" spd="med">
+  <p:transition spd="med">
     <p:fade/>
   </p:transition>
 </p:sldLayout>
@@ -6391,7 +6410,7 @@
   <p:clrMapOvr>
     <a:overrideClrMapping bg1="lt1" tx1="dk1" bg2="lt2" tx2="dk2" accent1="accent1" accent2="accent2" accent3="accent3" accent4="accent4" accent5="accent5" accent6="accent6" hlink="hlink" folHlink="folHlink"/>
   </p:clrMapOvr>
-  <p:transition xmlns:p14="http://schemas.microsoft.com/office/powerpoint/2010/main" spd="med">
+  <p:transition spd="med">
     <p:fade/>
   </p:transition>
 </p:sldLayout>
@@ -6467,14 +6486,14 @@
           </a:ln>
           <a:extLst>
             <a:ext uri="{909E8E84-426E-40dd-AFC4-6F175D3DCCD1}">
-              <a14:hiddenFill xmlns:a14="http://schemas.microsoft.com/office/drawing/2010/main">
+              <a14:hiddenFill xmlns:a14="http://schemas.microsoft.com/office/drawing/2010/main" xmlns="">
                 <a:solidFill>
                   <a:srgbClr val="FFFFFF"/>
                 </a:solidFill>
               </a14:hiddenFill>
             </a:ext>
             <a:ext uri="{91240B29-F687-4f45-9708-019B960494DF}">
-              <a14:hiddenLine xmlns:a14="http://schemas.microsoft.com/office/drawing/2010/main" w="9525">
+              <a14:hiddenLine xmlns:a14="http://schemas.microsoft.com/office/drawing/2010/main" xmlns="" w="9525">
                 <a:solidFill>
                   <a:srgbClr val="000000"/>
                 </a:solidFill>
@@ -6742,7 +6761,7 @@
   <p:clrMapOvr>
     <a:overrideClrMapping bg1="lt1" tx1="dk1" bg2="lt2" tx2="dk2" accent1="accent1" accent2="accent2" accent3="accent3" accent4="accent4" accent5="accent5" accent6="accent6" hlink="hlink" folHlink="folHlink"/>
   </p:clrMapOvr>
-  <p:transition xmlns:p14="http://schemas.microsoft.com/office/powerpoint/2010/main" spd="med">
+  <p:transition spd="med">
     <p:fade/>
   </p:transition>
 </p:sldLayout>
@@ -6970,7 +6989,7 @@
   <p:clrMapOvr>
     <a:overrideClrMapping bg1="lt1" tx1="dk1" bg2="lt2" tx2="dk2" accent1="accent1" accent2="accent2" accent3="accent3" accent4="accent4" accent5="accent5" accent6="accent6" hlink="hlink" folHlink="folHlink"/>
   </p:clrMapOvr>
-  <p:transition xmlns:p14="http://schemas.microsoft.com/office/powerpoint/2010/main" spd="med">
+  <p:transition spd="med">
     <p:fade/>
   </p:transition>
 </p:sldLayout>
@@ -7258,7 +7277,7 @@
   <p:clrMapOvr>
     <a:overrideClrMapping bg1="lt1" tx1="dk1" bg2="lt2" tx2="dk2" accent1="accent1" accent2="accent2" accent3="accent3" accent4="accent4" accent5="accent5" accent6="accent6" hlink="hlink" folHlink="folHlink"/>
   </p:clrMapOvr>
-  <p:transition xmlns:p14="http://schemas.microsoft.com/office/powerpoint/2010/main" spd="med">
+  <p:transition spd="med">
     <p:fade/>
   </p:transition>
 </p:sldLayout>
@@ -7414,14 +7433,14 @@
           </a:ln>
           <a:extLst>
             <a:ext uri="{909E8E84-426E-40dd-AFC4-6F175D3DCCD1}">
-              <a14:hiddenFill xmlns:a14="http://schemas.microsoft.com/office/drawing/2010/main">
+              <a14:hiddenFill xmlns:a14="http://schemas.microsoft.com/office/drawing/2010/main" xmlns="">
                 <a:solidFill>
                   <a:srgbClr val="FFFFFF"/>
                 </a:solidFill>
               </a14:hiddenFill>
             </a:ext>
             <a:ext uri="{91240B29-F687-4f45-9708-019B960494DF}">
-              <a14:hiddenLine xmlns:a14="http://schemas.microsoft.com/office/drawing/2010/main" w="9525">
+              <a14:hiddenLine xmlns:a14="http://schemas.microsoft.com/office/drawing/2010/main" xmlns="" w="9525">
                 <a:solidFill>
                   <a:srgbClr val="000000"/>
                 </a:solidFill>
@@ -7628,13 +7647,13 @@
     <p:sldLayoutId id="2147483843" r:id="rId12"/>
     <p:sldLayoutId id="2147483867" r:id="rId13"/>
   </p:sldLayoutIdLst>
-  <p:transition xmlns:p14="http://schemas.microsoft.com/office/powerpoint/2010/main" spd="med">
+  <p:transition spd="med">
     <p:fade/>
   </p:transition>
   <p:timing>
     <p:tnLst>
       <p:par>
-        <p:cTn xmlns:p14="http://schemas.microsoft.com/office/powerpoint/2010/main" id="1" dur="indefinite" restart="never" nodeType="tmRoot"/>
+        <p:cTn id="1" dur="indefinite" restart="never" nodeType="tmRoot"/>
       </p:par>
     </p:tnLst>
   </p:timing>
@@ -8162,14 +8181,14 @@
           </a:ln>
           <a:extLst>
             <a:ext uri="{909E8E84-426E-40dd-AFC4-6F175D3DCCD1}">
-              <a14:hiddenFill xmlns:a14="http://schemas.microsoft.com/office/drawing/2010/main">
+              <a14:hiddenFill xmlns:a14="http://schemas.microsoft.com/office/drawing/2010/main" xmlns="">
                 <a:solidFill>
                   <a:srgbClr val="FFFFFF"/>
                 </a:solidFill>
               </a14:hiddenFill>
             </a:ext>
             <a:ext uri="{91240B29-F687-4f45-9708-019B960494DF}">
-              <a14:hiddenLine xmlns:a14="http://schemas.microsoft.com/office/drawing/2010/main" w="9525">
+              <a14:hiddenLine xmlns:a14="http://schemas.microsoft.com/office/drawing/2010/main" xmlns="" w="9525">
                 <a:solidFill>
                   <a:srgbClr val="000000"/>
                 </a:solidFill>
@@ -8446,13 +8465,13 @@
     <p:sldLayoutId id="2147483856" r:id="rId7"/>
     <p:sldLayoutId id="2147483866" r:id="rId8"/>
   </p:sldLayoutIdLst>
-  <p:transition xmlns:p14="http://schemas.microsoft.com/office/powerpoint/2010/main" spd="med">
+  <p:transition spd="med">
     <p:fade/>
   </p:transition>
   <p:timing>
     <p:tnLst>
       <p:par>
-        <p:cTn xmlns:p14="http://schemas.microsoft.com/office/powerpoint/2010/main" id="1" dur="indefinite" restart="never" nodeType="tmRoot"/>
+        <p:cTn id="1" dur="indefinite" restart="never" nodeType="tmRoot"/>
       </p:par>
     </p:tnLst>
   </p:timing>
@@ -8946,7 +8965,7 @@
   <p:clrMapOvr>
     <a:masterClrMapping/>
   </p:clrMapOvr>
-  <p:transition xmlns:p14="http://schemas.microsoft.com/office/powerpoint/2010/main" spd="med">
+  <p:transition spd="med">
     <p:fade/>
   </p:transition>
 </p:sld>
@@ -9192,9 +9211,16 @@
   <p:clrMapOvr>
     <a:masterClrMapping/>
   </p:clrMapOvr>
-  <p:transition xmlns:p14="http://schemas.microsoft.com/office/powerpoint/2010/main" spd="med">
+  <p:transition spd="med">
     <p:fade/>
   </p:transition>
+  <p:timing>
+    <p:tnLst>
+      <p:par>
+        <p:cTn id="1" dur="indefinite" restart="never" nodeType="tmRoot"/>
+      </p:par>
+    </p:tnLst>
+  </p:timing>
 </p:sld>
 </file>
 
@@ -9337,9 +9363,16 @@
   <p:clrMapOvr>
     <a:masterClrMapping/>
   </p:clrMapOvr>
-  <p:transition xmlns:p14="http://schemas.microsoft.com/office/powerpoint/2010/main" spd="med">
+  <p:transition spd="med">
     <p:fade/>
   </p:transition>
+  <p:timing>
+    <p:tnLst>
+      <p:par>
+        <p:cTn id="1" dur="indefinite" restart="never" nodeType="tmRoot"/>
+      </p:par>
+    </p:tnLst>
+  </p:timing>
 </p:sld>
 </file>
 
@@ -9367,32 +9400,7 @@
             <a:spLocks noGrp="1"/>
           </p:cNvSpPr>
           <p:nvPr>
-            <p:ph type="ctrTitle"/>
-          </p:nvPr>
-        </p:nvSpPr>
-        <p:spPr/>
-        <p:txBody>
-          <a:bodyPr>
-            <a:normAutofit fontScale="90000"/>
-          </a:bodyPr>
-          <a:lstStyle/>
-          <a:p>
-            <a:r>
-              <a:rPr lang="en-US" dirty="0" smtClean="0"/>
-              <a:t>Refactor to Use Attributes</a:t>
-            </a:r>
-            <a:endParaRPr lang="en-US" dirty="0"/>
-          </a:p>
-        </p:txBody>
-      </p:sp>
-      <p:sp>
-        <p:nvSpPr>
-          <p:cNvPr id="3" name="Content Placeholder 2"/>
-          <p:cNvSpPr>
-            <a:spLocks noGrp="1"/>
-          </p:cNvSpPr>
-          <p:nvPr>
-            <p:ph sz="quarter" idx="11"/>
+            <p:ph type="title"/>
           </p:nvPr>
         </p:nvSpPr>
         <p:spPr/>
@@ -9400,18 +9408,22 @@
           <a:bodyPr/>
           <a:lstStyle/>
           <a:p>
-            <a:endParaRPr lang="en-US"/>
-          </a:p>
-        </p:txBody>
-      </p:sp>
-      <p:sp>
-        <p:nvSpPr>
-          <p:cNvPr id="4" name="Text Placeholder 3"/>
-          <p:cNvSpPr>
-            <a:spLocks noGrp="1"/>
-          </p:cNvSpPr>
-          <p:nvPr>
-            <p:ph type="body" sz="quarter" idx="10"/>
+            <a:r>
+              <a:rPr lang="en-US" dirty="0" smtClean="0"/>
+              <a:t>Add the Default Node Attribute</a:t>
+            </a:r>
+            <a:endParaRPr lang="en-US" dirty="0"/>
+          </a:p>
+        </p:txBody>
+      </p:sp>
+      <p:sp>
+        <p:nvSpPr>
+          <p:cNvPr id="3" name="Content Placeholder 2"/>
+          <p:cNvSpPr>
+            <a:spLocks noGrp="1"/>
+          </p:cNvSpPr>
+          <p:nvPr>
+            <p:ph sz="quarter" idx="10"/>
           </p:nvPr>
         </p:nvSpPr>
         <p:spPr/>
@@ -9419,60 +9431,117 @@
           <a:bodyPr/>
           <a:lstStyle/>
           <a:p>
-            <a:pPr marL="342900" indent="-342900">
-              <a:buFont typeface="Wingdings" charset="2"/>
-              <a:buChar char="ü"/>
-            </a:pPr>
-            <a:r>
-              <a:rPr lang="en-US" dirty="0"/>
-              <a:t>Refactor the Install recipe to use a Node attribute</a:t>
-            </a:r>
-          </a:p>
-          <a:p>
-            <a:pPr marL="342900" indent="-342900">
-              <a:buFont typeface="Wingdings" charset="2"/>
-              <a:buChar char="ü"/>
-            </a:pPr>
-            <a:r>
-              <a:rPr lang="en-US" dirty="0"/>
-              <a:t>Execute the tests and verify the tests fail</a:t>
-            </a:r>
-          </a:p>
-          <a:p>
-            <a:pPr marL="342900" indent="-342900">
-              <a:buFont typeface="Wingdings" charset="2"/>
-              <a:buChar char="ü"/>
-            </a:pPr>
-            <a:r>
-              <a:rPr lang="en-US" dirty="0"/>
-              <a:t>Create the attributes file and add the Node attribute</a:t>
-            </a:r>
-          </a:p>
-          <a:p>
-            <a:pPr marL="342900" indent="-342900">
-              <a:buFont typeface="Wingdings" charset="2"/>
-              <a:buChar char="q"/>
-            </a:pPr>
-            <a:r>
-              <a:rPr lang="en-US" dirty="0"/>
-              <a:t>Execute the tests and verify the tests pass</a:t>
-            </a:r>
+            <a:r>
+              <a:rPr lang="en-US" dirty="0" smtClean="0"/>
+              <a:t>default['</a:t>
+            </a:r>
+            <a:r>
+              <a:rPr lang="en-US" dirty="0" err="1" smtClean="0"/>
+              <a:t>httpd</a:t>
+            </a:r>
+            <a:r>
+              <a:rPr lang="en-US" dirty="0" smtClean="0"/>
+              <a:t>']['</a:t>
+            </a:r>
+            <a:r>
+              <a:rPr lang="en-US" dirty="0" err="1" smtClean="0"/>
+              <a:t>package_name</a:t>
+            </a:r>
+            <a:r>
+              <a:rPr lang="en-US" dirty="0" smtClean="0"/>
+              <a:t>'] = '</a:t>
+            </a:r>
+            <a:r>
+              <a:rPr lang="en-US" dirty="0" err="1" smtClean="0"/>
+              <a:t>httpd</a:t>
+            </a:r>
+            <a:r>
+              <a:rPr lang="en-US" dirty="0" smtClean="0"/>
+              <a:t>'</a:t>
+            </a:r>
+            <a:endParaRPr lang="en-US" dirty="0"/>
+          </a:p>
+        </p:txBody>
+      </p:sp>
+      <p:sp>
+        <p:nvSpPr>
+          <p:cNvPr id="4" name="Text Placeholder 3"/>
+          <p:cNvSpPr>
+            <a:spLocks noGrp="1"/>
+          </p:cNvSpPr>
+          <p:nvPr>
+            <p:ph type="body" sz="quarter" idx="11"/>
+          </p:nvPr>
+        </p:nvSpPr>
+        <p:spPr/>
+        <p:txBody>
+          <a:bodyPr/>
+          <a:lstStyle/>
+          <a:p>
+            <a:r>
+              <a:rPr lang="en-US" dirty="0" smtClean="0"/>
+              <a:t>~/</a:t>
+            </a:r>
+            <a:r>
+              <a:rPr lang="en-US" dirty="0" err="1" smtClean="0"/>
+              <a:t>httpd</a:t>
+            </a:r>
+            <a:r>
+              <a:rPr lang="en-US" dirty="0" smtClean="0"/>
+              <a:t>/attributes/</a:t>
+            </a:r>
+            <a:r>
+              <a:rPr lang="en-US" dirty="0" err="1" smtClean="0"/>
+              <a:t>default.rb</a:t>
+            </a:r>
+            <a:endParaRPr lang="en-US" dirty="0"/>
+          </a:p>
+        </p:txBody>
+      </p:sp>
+      <p:sp>
+        <p:nvSpPr>
+          <p:cNvPr id="6" name="Text Placeholder 5"/>
+          <p:cNvSpPr>
+            <a:spLocks noGrp="1"/>
+          </p:cNvSpPr>
+          <p:nvPr>
+            <p:ph type="body" sz="quarter" idx="13"/>
+          </p:nvPr>
+        </p:nvSpPr>
+        <p:spPr>
+          <a:xfrm>
+            <a:off x="1135042" y="2122065"/>
+            <a:ext cx="14404273" cy="626533"/>
+          </a:xfrm>
+        </p:spPr>
+        <p:txBody>
+          <a:bodyPr/>
+          <a:lstStyle/>
+          <a:p>
+            <a:endParaRPr lang="en-US" dirty="0"/>
           </a:p>
         </p:txBody>
       </p:sp>
     </p:spTree>
     <p:extLst>
       <p:ext uri="{BB962C8B-B14F-4D97-AF65-F5344CB8AC3E}">
-        <p14:creationId xmlns:p14="http://schemas.microsoft.com/office/powerpoint/2010/main" val="2494958673"/>
+        <p14:creationId xmlns:p14="http://schemas.microsoft.com/office/powerpoint/2010/main" val="3806422675"/>
       </p:ext>
     </p:extLst>
   </p:cSld>
   <p:clrMapOvr>
     <a:masterClrMapping/>
   </p:clrMapOvr>
-  <p:transition xmlns:p14="http://schemas.microsoft.com/office/powerpoint/2010/main" spd="med">
+  <p:transition spd="med">
     <p:fade/>
   </p:transition>
+  <p:timing>
+    <p:tnLst>
+      <p:par>
+        <p:cTn id="1" dur="indefinite" restart="never" nodeType="tmRoot"/>
+      </p:par>
+    </p:tnLst>
+  </p:timing>
 </p:sld>
 </file>
 
@@ -9500,7 +9569,32 @@
             <a:spLocks noGrp="1"/>
           </p:cNvSpPr>
           <p:nvPr>
-            <p:ph type="title"/>
+            <p:ph type="ctrTitle"/>
+          </p:nvPr>
+        </p:nvSpPr>
+        <p:spPr/>
+        <p:txBody>
+          <a:bodyPr>
+            <a:normAutofit fontScale="90000"/>
+          </a:bodyPr>
+          <a:lstStyle/>
+          <a:p>
+            <a:r>
+              <a:rPr lang="en-US" dirty="0" smtClean="0"/>
+              <a:t>Refactor to Use Attributes</a:t>
+            </a:r>
+            <a:endParaRPr lang="en-US" dirty="0"/>
+          </a:p>
+        </p:txBody>
+      </p:sp>
+      <p:sp>
+        <p:nvSpPr>
+          <p:cNvPr id="3" name="Content Placeholder 2"/>
+          <p:cNvSpPr>
+            <a:spLocks noGrp="1"/>
+          </p:cNvSpPr>
+          <p:nvPr>
+            <p:ph sz="quarter" idx="11"/>
           </p:nvPr>
         </p:nvSpPr>
         <p:spPr/>
@@ -9508,22 +9602,18 @@
           <a:bodyPr/>
           <a:lstStyle/>
           <a:p>
-            <a:r>
-              <a:rPr lang="en-US" dirty="0" smtClean="0"/>
-              <a:t>Add the Default Node Attribute</a:t>
-            </a:r>
-            <a:endParaRPr lang="en-US" dirty="0"/>
-          </a:p>
-        </p:txBody>
-      </p:sp>
-      <p:sp>
-        <p:nvSpPr>
-          <p:cNvPr id="3" name="Content Placeholder 2"/>
-          <p:cNvSpPr>
-            <a:spLocks noGrp="1"/>
-          </p:cNvSpPr>
-          <p:nvPr>
-            <p:ph sz="quarter" idx="10"/>
+            <a:endParaRPr lang="en-US"/>
+          </a:p>
+        </p:txBody>
+      </p:sp>
+      <p:sp>
+        <p:nvSpPr>
+          <p:cNvPr id="4" name="Text Placeholder 3"/>
+          <p:cNvSpPr>
+            <a:spLocks noGrp="1"/>
+          </p:cNvSpPr>
+          <p:nvPr>
+            <p:ph type="body" sz="quarter" idx="10"/>
           </p:nvPr>
         </p:nvSpPr>
         <p:spPr/>
@@ -9531,110 +9621,67 @@
           <a:bodyPr/>
           <a:lstStyle/>
           <a:p>
-            <a:r>
-              <a:rPr lang="en-US" dirty="0" smtClean="0"/>
-              <a:t>default['</a:t>
-            </a:r>
-            <a:r>
-              <a:rPr lang="en-US" dirty="0" err="1" smtClean="0"/>
-              <a:t>httpd</a:t>
-            </a:r>
-            <a:r>
-              <a:rPr lang="en-US" dirty="0" smtClean="0"/>
-              <a:t>']['</a:t>
-            </a:r>
-            <a:r>
-              <a:rPr lang="en-US" dirty="0" err="1" smtClean="0"/>
-              <a:t>package_name</a:t>
-            </a:r>
-            <a:r>
-              <a:rPr lang="en-US" dirty="0" smtClean="0"/>
-              <a:t>'] = '</a:t>
-            </a:r>
-            <a:r>
-              <a:rPr lang="en-US" dirty="0" err="1" smtClean="0"/>
-              <a:t>httpd</a:t>
-            </a:r>
-            <a:r>
-              <a:rPr lang="en-US" dirty="0" smtClean="0"/>
-              <a:t>'</a:t>
-            </a:r>
-            <a:endParaRPr lang="en-US" dirty="0"/>
-          </a:p>
-        </p:txBody>
-      </p:sp>
-      <p:sp>
-        <p:nvSpPr>
-          <p:cNvPr id="4" name="Text Placeholder 3"/>
-          <p:cNvSpPr>
-            <a:spLocks noGrp="1"/>
-          </p:cNvSpPr>
-          <p:nvPr>
-            <p:ph type="body" sz="quarter" idx="11"/>
-          </p:nvPr>
-        </p:nvSpPr>
-        <p:spPr/>
-        <p:txBody>
-          <a:bodyPr/>
-          <a:lstStyle/>
-          <a:p>
-            <a:r>
-              <a:rPr lang="en-US" dirty="0" smtClean="0"/>
-              <a:t>~/</a:t>
-            </a:r>
-            <a:r>
-              <a:rPr lang="en-US" dirty="0" err="1" smtClean="0"/>
-              <a:t>httpd</a:t>
-            </a:r>
-            <a:r>
-              <a:rPr lang="en-US" dirty="0" smtClean="0"/>
-              <a:t>/attributes/</a:t>
-            </a:r>
-            <a:r>
-              <a:rPr lang="en-US" dirty="0" err="1" smtClean="0"/>
-              <a:t>default.rb</a:t>
-            </a:r>
-            <a:endParaRPr lang="en-US" dirty="0"/>
-          </a:p>
-        </p:txBody>
-      </p:sp>
-      <p:sp>
-        <p:nvSpPr>
-          <p:cNvPr id="6" name="Text Placeholder 5"/>
-          <p:cNvSpPr>
-            <a:spLocks noGrp="1"/>
-          </p:cNvSpPr>
-          <p:nvPr>
-            <p:ph type="body" sz="quarter" idx="13"/>
-          </p:nvPr>
-        </p:nvSpPr>
-        <p:spPr>
-          <a:xfrm>
-            <a:off x="1135042" y="2122065"/>
-            <a:ext cx="14404273" cy="626533"/>
-          </a:xfrm>
-        </p:spPr>
-        <p:txBody>
-          <a:bodyPr/>
-          <a:lstStyle/>
-          <a:p>
-            <a:endParaRPr lang="en-US" dirty="0"/>
+            <a:pPr marL="342900" indent="-342900">
+              <a:buFont typeface="Wingdings" charset="2"/>
+              <a:buChar char="ü"/>
+            </a:pPr>
+            <a:r>
+              <a:rPr lang="en-US" dirty="0"/>
+              <a:t>Refactor the Install recipe to use a Node attribute</a:t>
+            </a:r>
+          </a:p>
+          <a:p>
+            <a:pPr marL="342900" indent="-342900">
+              <a:buFont typeface="Wingdings" charset="2"/>
+              <a:buChar char="ü"/>
+            </a:pPr>
+            <a:r>
+              <a:rPr lang="en-US" dirty="0"/>
+              <a:t>Execute the tests and verify the tests fail</a:t>
+            </a:r>
+          </a:p>
+          <a:p>
+            <a:pPr marL="342900" indent="-342900">
+              <a:buFont typeface="Wingdings" charset="2"/>
+              <a:buChar char="ü"/>
+            </a:pPr>
+            <a:r>
+              <a:rPr lang="en-US" dirty="0"/>
+              <a:t>Create the attributes file and add the Node attribute</a:t>
+            </a:r>
+          </a:p>
+          <a:p>
+            <a:pPr marL="342900" indent="-342900">
+              <a:buFont typeface="Wingdings" charset="2"/>
+              <a:buChar char="q"/>
+            </a:pPr>
+            <a:r>
+              <a:rPr lang="en-US" dirty="0"/>
+              <a:t>Execute the tests and verify the tests pass</a:t>
+            </a:r>
           </a:p>
         </p:txBody>
       </p:sp>
     </p:spTree>
     <p:extLst>
       <p:ext uri="{BB962C8B-B14F-4D97-AF65-F5344CB8AC3E}">
-        <p14:creationId xmlns:p14="http://schemas.microsoft.com/office/powerpoint/2010/main" val="3806422675"/>
+        <p14:creationId xmlns:p14="http://schemas.microsoft.com/office/powerpoint/2010/main" val="2494958673"/>
       </p:ext>
     </p:extLst>
   </p:cSld>
   <p:clrMapOvr>
     <a:masterClrMapping/>
   </p:clrMapOvr>
-  <p:transition xmlns:p14="http://schemas.microsoft.com/office/powerpoint/2010/main" spd="med">
+  <p:transition spd="med">
     <p:fade/>
   </p:transition>
+  <p:timing>
+    <p:tnLst>
+      <p:par>
+        <p:cTn id="1" dur="indefinite" restart="never" nodeType="tmRoot"/>
+      </p:par>
+    </p:tnLst>
+  </p:timing>
 </p:sld>
 </file>
 
@@ -9776,9 +9823,16 @@
   <p:clrMapOvr>
     <a:masterClrMapping/>
   </p:clrMapOvr>
-  <p:transition xmlns:p14="http://schemas.microsoft.com/office/powerpoint/2010/main" spd="med">
+  <p:transition spd="med">
     <p:fade/>
   </p:transition>
+  <p:timing>
+    <p:tnLst>
+      <p:par>
+        <p:cTn id="1" dur="indefinite" restart="never" nodeType="tmRoot"/>
+      </p:par>
+    </p:tnLst>
+  </p:timing>
 </p:sld>
 </file>
 
@@ -9909,9 +9963,16 @@
   <p:clrMapOvr>
     <a:masterClrMapping/>
   </p:clrMapOvr>
-  <p:transition xmlns:p14="http://schemas.microsoft.com/office/powerpoint/2010/main" spd="med">
+  <p:transition spd="med">
     <p:fade/>
   </p:transition>
+  <p:timing>
+    <p:tnLst>
+      <p:par>
+        <p:cTn id="1" dur="indefinite" restart="never" nodeType="tmRoot"/>
+      </p:par>
+    </p:tnLst>
+  </p:timing>
 </p:sld>
 </file>
 
@@ -9994,9 +10055,16 @@
   <p:clrMapOvr>
     <a:masterClrMapping/>
   </p:clrMapOvr>
-  <p:transition xmlns:p14="http://schemas.microsoft.com/office/powerpoint/2010/main" spd="med">
+  <p:transition spd="med">
     <p:fade/>
   </p:transition>
+  <p:timing>
+    <p:tnLst>
+      <p:par>
+        <p:cTn id="1" dur="indefinite" restart="never" nodeType="tmRoot"/>
+      </p:par>
+    </p:tnLst>
+  </p:timing>
 </p:sld>
 </file>
 
@@ -10163,9 +10231,16 @@
   <p:clrMapOvr>
     <a:masterClrMapping/>
   </p:clrMapOvr>
-  <p:transition xmlns:p14="http://schemas.microsoft.com/office/powerpoint/2010/main" spd="med">
+  <p:transition spd="med">
     <p:fade/>
   </p:transition>
+  <p:timing>
+    <p:tnLst>
+      <p:par>
+        <p:cTn id="1" dur="indefinite" restart="never" nodeType="tmRoot"/>
+      </p:par>
+    </p:tnLst>
+  </p:timing>
 </p:sld>
 </file>
 
@@ -10243,13 +10318,13 @@
   <p:clrMapOvr>
     <a:masterClrMapping/>
   </p:clrMapOvr>
-  <p:transition xmlns:p14="http://schemas.microsoft.com/office/powerpoint/2010/main" spd="med">
+  <p:transition spd="med">
     <p:fade/>
   </p:transition>
   <p:timing>
     <p:tnLst>
       <p:par>
-        <p:cTn xmlns:p14="http://schemas.microsoft.com/office/powerpoint/2010/main" id="1" dur="indefinite" restart="never" nodeType="tmRoot"/>
+        <p:cTn id="1" dur="indefinite" restart="never" nodeType="tmRoot"/>
       </p:par>
     </p:tnLst>
   </p:timing>
@@ -10462,13 +10537,13 @@
   <p:clrMapOvr>
     <a:masterClrMapping/>
   </p:clrMapOvr>
-  <p:transition xmlns:p14="http://schemas.microsoft.com/office/powerpoint/2010/main" spd="med">
+  <p:transition spd="med">
     <p:fade/>
   </p:transition>
   <p:timing>
     <p:tnLst>
       <p:par>
-        <p:cTn xmlns:p14="http://schemas.microsoft.com/office/powerpoint/2010/main" id="1" dur="indefinite" restart="never" nodeType="tmRoot"/>
+        <p:cTn id="1" dur="indefinite" restart="never" nodeType="tmRoot"/>
       </p:par>
     </p:tnLst>
   </p:timing>
@@ -10581,7 +10656,7 @@
   <p:clrMapOvr>
     <a:masterClrMapping/>
   </p:clrMapOvr>
-  <p:transition xmlns:p14="http://schemas.microsoft.com/office/powerpoint/2010/main" spd="med">
+  <p:transition spd="med">
     <p:fade/>
   </p:transition>
 </p:sld>
@@ -10854,13 +10929,13 @@
   <p:clrMapOvr>
     <a:masterClrMapping/>
   </p:clrMapOvr>
-  <p:transition xmlns:p14="http://schemas.microsoft.com/office/powerpoint/2010/main" spd="med">
+  <p:transition spd="med">
     <p:fade/>
   </p:transition>
   <p:timing>
     <p:tnLst>
       <p:par>
-        <p:cTn xmlns:p14="http://schemas.microsoft.com/office/powerpoint/2010/main" id="1" dur="indefinite" restart="never" nodeType="tmRoot"/>
+        <p:cTn id="1" dur="indefinite" restart="never" nodeType="tmRoot"/>
       </p:par>
     </p:tnLst>
   </p:timing>
@@ -11078,13 +11153,13 @@
   <p:clrMapOvr>
     <a:masterClrMapping/>
   </p:clrMapOvr>
-  <p:transition xmlns:p14="http://schemas.microsoft.com/office/powerpoint/2010/main" spd="med">
+  <p:transition spd="med">
     <p:fade/>
   </p:transition>
   <p:timing>
     <p:tnLst>
       <p:par>
-        <p:cTn xmlns:p14="http://schemas.microsoft.com/office/powerpoint/2010/main" id="1" dur="indefinite" restart="never" nodeType="tmRoot"/>
+        <p:cTn id="1" dur="indefinite" restart="never" nodeType="tmRoot"/>
       </p:par>
     </p:tnLst>
   </p:timing>
@@ -11293,13 +11368,13 @@
   <p:clrMapOvr>
     <a:masterClrMapping/>
   </p:clrMapOvr>
-  <p:transition xmlns:p14="http://schemas.microsoft.com/office/powerpoint/2010/main" spd="med">
+  <p:transition spd="med">
     <p:fade/>
   </p:transition>
   <p:timing>
     <p:tnLst>
       <p:par>
-        <p:cTn xmlns:p14="http://schemas.microsoft.com/office/powerpoint/2010/main" id="1" dur="indefinite" restart="never" nodeType="tmRoot"/>
+        <p:cTn id="1" dur="indefinite" restart="never" nodeType="tmRoot"/>
       </p:par>
     </p:tnLst>
   </p:timing>
@@ -11420,13 +11495,13 @@
   <p:clrMapOvr>
     <a:masterClrMapping/>
   </p:clrMapOvr>
-  <p:transition xmlns:p14="http://schemas.microsoft.com/office/powerpoint/2010/main" spd="med">
+  <p:transition spd="med">
     <p:fade/>
   </p:transition>
   <p:timing>
     <p:tnLst>
       <p:par>
-        <p:cTn xmlns:p14="http://schemas.microsoft.com/office/powerpoint/2010/main" id="1" dur="indefinite" restart="never" nodeType="tmRoot"/>
+        <p:cTn id="1" dur="indefinite" restart="never" nodeType="tmRoot"/>
       </p:par>
     </p:tnLst>
   </p:timing>
@@ -11560,13 +11635,13 @@
   <p:clrMapOvr>
     <a:masterClrMapping/>
   </p:clrMapOvr>
-  <p:transition xmlns:p14="http://schemas.microsoft.com/office/powerpoint/2010/main" spd="med">
+  <p:transition spd="med">
     <p:fade/>
   </p:transition>
   <p:timing>
     <p:tnLst>
       <p:par>
-        <p:cTn xmlns:p14="http://schemas.microsoft.com/office/powerpoint/2010/main" id="1" dur="indefinite" restart="never" nodeType="tmRoot"/>
+        <p:cTn id="1" dur="indefinite" restart="never" nodeType="tmRoot"/>
       </p:par>
     </p:tnLst>
   </p:timing>
@@ -11673,13 +11748,13 @@
   <p:clrMapOvr>
     <a:masterClrMapping/>
   </p:clrMapOvr>
-  <p:transition xmlns:p14="http://schemas.microsoft.com/office/powerpoint/2010/main" spd="med">
+  <p:transition spd="med">
     <p:fade/>
   </p:transition>
   <p:timing>
     <p:tnLst>
       <p:par>
-        <p:cTn xmlns:p14="http://schemas.microsoft.com/office/powerpoint/2010/main" id="1" dur="indefinite" restart="never" nodeType="tmRoot"/>
+        <p:cTn id="1" dur="indefinite" restart="never" nodeType="tmRoot"/>
       </p:par>
     </p:tnLst>
   </p:timing>
@@ -11890,13 +11965,13 @@
   <p:clrMapOvr>
     <a:masterClrMapping/>
   </p:clrMapOvr>
-  <p:transition xmlns:p14="http://schemas.microsoft.com/office/powerpoint/2010/main" spd="med">
+  <p:transition spd="med">
     <p:fade/>
   </p:transition>
   <p:timing>
     <p:tnLst>
       <p:par>
-        <p:cTn xmlns:p14="http://schemas.microsoft.com/office/powerpoint/2010/main" id="1" dur="indefinite" restart="never" nodeType="tmRoot"/>
+        <p:cTn id="1" dur="indefinite" restart="never" nodeType="tmRoot"/>
       </p:par>
     </p:tnLst>
   </p:timing>
@@ -12045,13 +12120,13 @@
   <p:clrMapOvr>
     <a:masterClrMapping/>
   </p:clrMapOvr>
-  <p:transition xmlns:p14="http://schemas.microsoft.com/office/powerpoint/2010/main" spd="med">
+  <p:transition spd="med">
     <p:fade/>
   </p:transition>
   <p:timing>
     <p:tnLst>
       <p:par>
-        <p:cTn xmlns:p14="http://schemas.microsoft.com/office/powerpoint/2010/main" id="1" dur="indefinite" restart="never" nodeType="tmRoot"/>
+        <p:cTn id="1" dur="indefinite" restart="never" nodeType="tmRoot"/>
       </p:par>
     </p:tnLst>
   </p:timing>
@@ -12094,11 +12169,7 @@
           <a:p>
             <a:r>
               <a:rPr lang="en-US" dirty="0" smtClean="0"/>
-              <a:t>Update the Recipe to use th</a:t>
-            </a:r>
-            <a:r>
-              <a:rPr lang="en-US" dirty="0" smtClean="0"/>
-              <a:t>e Node Attribute</a:t>
+              <a:t>Update the Recipe to use the Node Attribute</a:t>
             </a:r>
             <a:endParaRPr lang="en-US" dirty="0"/>
           </a:p>
@@ -12262,9 +12333,16 @@
   <p:clrMapOvr>
     <a:masterClrMapping/>
   </p:clrMapOvr>
-  <p:transition xmlns:p14="http://schemas.microsoft.com/office/powerpoint/2010/main" spd="med">
+  <p:transition spd="med">
     <p:fade/>
   </p:transition>
+  <p:timing>
+    <p:tnLst>
+      <p:par>
+        <p:cTn id="1" dur="indefinite" restart="never" nodeType="tmRoot"/>
+      </p:par>
+    </p:tnLst>
+  </p:timing>
 </p:sld>
 </file>
 
@@ -12513,9 +12591,16 @@
   <p:clrMapOvr>
     <a:masterClrMapping/>
   </p:clrMapOvr>
-  <p:transition xmlns:p14="http://schemas.microsoft.com/office/powerpoint/2010/main" spd="med">
+  <p:transition spd="med">
     <p:fade/>
   </p:transition>
+  <p:timing>
+    <p:tnLst>
+      <p:par>
+        <p:cTn id="1" dur="indefinite" restart="never" nodeType="tmRoot"/>
+      </p:par>
+    </p:tnLst>
+  </p:timing>
 </p:sld>
 </file>
 
@@ -12671,7 +12756,7 @@
   <p:clrMapOvr>
     <a:masterClrMapping/>
   </p:clrMapOvr>
-  <p:transition xmlns:p14="http://schemas.microsoft.com/office/powerpoint/2010/main" spd="med">
+  <p:transition spd="med">
     <p:fade/>
   </p:transition>
 </p:sld>
@@ -12873,9 +12958,16 @@
   <p:clrMapOvr>
     <a:masterClrMapping/>
   </p:clrMapOvr>
-  <p:transition xmlns:p14="http://schemas.microsoft.com/office/powerpoint/2010/main" spd="med">
+  <p:transition spd="med">
     <p:fade/>
   </p:transition>
+  <p:timing>
+    <p:tnLst>
+      <p:par>
+        <p:cTn id="1" dur="indefinite" restart="never" nodeType="tmRoot"/>
+      </p:par>
+    </p:tnLst>
+  </p:timing>
 </p:sld>
 </file>
 
@@ -13029,9 +13121,16 @@
   <p:clrMapOvr>
     <a:masterClrMapping/>
   </p:clrMapOvr>
-  <p:transition xmlns:p14="http://schemas.microsoft.com/office/powerpoint/2010/main" spd="med">
+  <p:transition spd="med">
     <p:fade/>
   </p:transition>
+  <p:timing>
+    <p:tnLst>
+      <p:par>
+        <p:cTn id="1" dur="indefinite" restart="never" nodeType="tmRoot"/>
+      </p:par>
+    </p:tnLst>
+  </p:timing>
 </p:sld>
 </file>
 
@@ -13123,9 +13222,16 @@
   <p:clrMapOvr>
     <a:masterClrMapping/>
   </p:clrMapOvr>
-  <p:transition xmlns:p14="http://schemas.microsoft.com/office/powerpoint/2010/main" spd="med">
+  <p:transition spd="med">
     <p:fade/>
   </p:transition>
+  <p:timing>
+    <p:tnLst>
+      <p:par>
+        <p:cTn id="1" dur="indefinite" restart="never" nodeType="tmRoot"/>
+      </p:par>
+    </p:tnLst>
+  </p:timing>
 </p:sld>
 </file>
 
@@ -13208,9 +13314,16 @@
   <p:clrMapOvr>
     <a:masterClrMapping/>
   </p:clrMapOvr>
-  <p:transition xmlns:p14="http://schemas.microsoft.com/office/powerpoint/2010/main" spd="med">
+  <p:transition spd="med">
     <p:fade/>
   </p:transition>
+  <p:timing>
+    <p:tnLst>
+      <p:par>
+        <p:cTn id="1" dur="indefinite" restart="never" nodeType="tmRoot"/>
+      </p:par>
+    </p:tnLst>
+  </p:timing>
 </p:sld>
 </file>
 
@@ -13241,9 +13354,16 @@
   <p:clrMapOvr>
     <a:masterClrMapping/>
   </p:clrMapOvr>
-  <p:transition xmlns:p14="http://schemas.microsoft.com/office/powerpoint/2010/main" spd="med">
+  <p:transition spd="med">
     <p:fade/>
   </p:transition>
+  <p:timing>
+    <p:tnLst>
+      <p:par>
+        <p:cTn id="1" dur="indefinite" restart="never" nodeType="tmRoot"/>
+      </p:par>
+    </p:tnLst>
+  </p:timing>
 </p:sld>
 </file>
 
@@ -13375,9 +13495,16 @@
   <p:clrMapOvr>
     <a:masterClrMapping/>
   </p:clrMapOvr>
-  <p:transition xmlns:p14="http://schemas.microsoft.com/office/powerpoint/2010/main" spd="med">
+  <p:transition spd="med">
     <p:fade/>
   </p:transition>
+  <p:timing>
+    <p:tnLst>
+      <p:par>
+        <p:cTn id="1" dur="indefinite" restart="never" nodeType="tmRoot"/>
+      </p:par>
+    </p:tnLst>
+  </p:timing>
 </p:sld>
 </file>
 
@@ -13564,9 +13691,16 @@
   <p:clrMapOvr>
     <a:masterClrMapping/>
   </p:clrMapOvr>
-  <p:transition xmlns:p14="http://schemas.microsoft.com/office/powerpoint/2010/main" spd="med">
+  <p:transition spd="med">
     <p:fade/>
   </p:transition>
+  <p:timing>
+    <p:tnLst>
+      <p:par>
+        <p:cTn id="1" dur="indefinite" restart="never" nodeType="tmRoot"/>
+      </p:par>
+    </p:tnLst>
+  </p:timing>
 </p:sld>
 </file>
 
@@ -13697,9 +13831,16 @@
   <p:clrMapOvr>
     <a:masterClrMapping/>
   </p:clrMapOvr>
-  <p:transition xmlns:p14="http://schemas.microsoft.com/office/powerpoint/2010/main" spd="med">
+  <p:transition spd="med">
     <p:fade/>
   </p:transition>
+  <p:timing>
+    <p:tnLst>
+      <p:par>
+        <p:cTn id="1" dur="indefinite" restart="never" nodeType="tmRoot"/>
+      </p:par>
+    </p:tnLst>
+  </p:timing>
 </p:sld>
 </file>
 
@@ -13940,9 +14081,16 @@
   <p:clrMapOvr>
     <a:masterClrMapping/>
   </p:clrMapOvr>
-  <p:transition xmlns:p14="http://schemas.microsoft.com/office/powerpoint/2010/main" spd="med">
+  <p:transition spd="med">
     <p:fade/>
   </p:transition>
+  <p:timing>
+    <p:tnLst>
+      <p:par>
+        <p:cTn id="1" dur="indefinite" restart="never" nodeType="tmRoot"/>
+      </p:par>
+    </p:tnLst>
+  </p:timing>
 </p:sld>
 </file>
 
@@ -14073,9 +14221,16 @@
   <p:clrMapOvr>
     <a:masterClrMapping/>
   </p:clrMapOvr>
-  <p:transition xmlns:p14="http://schemas.microsoft.com/office/powerpoint/2010/main" spd="med">
+  <p:transition spd="med">
     <p:fade/>
   </p:transition>
+  <p:timing>
+    <p:tnLst>
+      <p:par>
+        <p:cTn id="1" dur="indefinite" restart="never" nodeType="tmRoot"/>
+      </p:par>
+    </p:tnLst>
+  </p:timing>
 </p:sld>
 </file>
 
@@ -14285,9 +14440,16 @@
   <p:clrMapOvr>
     <a:masterClrMapping/>
   </p:clrMapOvr>
-  <p:transition xmlns:p14="http://schemas.microsoft.com/office/powerpoint/2010/main" spd="med">
+  <p:transition spd="med">
     <p:fade/>
   </p:transition>
+  <p:timing>
+    <p:tnLst>
+      <p:par>
+        <p:cTn id="1" dur="indefinite" restart="never" nodeType="tmRoot"/>
+      </p:par>
+    </p:tnLst>
+  </p:timing>
 </p:sld>
 </file>
 
@@ -14667,7 +14829,7 @@
   <a:extraClrSchemeLst/>
   <a:extLst>
     <a:ext uri="{05A4C25C-085E-4340-85A3-A5531E510DB2}">
-      <thm15:themeFamily xmlns="" xmlns:thm15="http://schemas.microsoft.com/office/thememl/2012/main" name="Chef-TemplateComps_v09-16x9-Light.potx" id="{078CEFDB-FA7A-4E36-9964-13EF367585CB}" vid="{8B87B0F3-7308-43D5-8388-E1B49EA02652}"/>
+      <thm15:themeFamily xmlns:thm15="http://schemas.microsoft.com/office/thememl/2012/main" name="Chef-TemplateComps_v09-16x9-Light.potx" id="{078CEFDB-FA7A-4E36-9964-13EF367585CB}" vid="{8B87B0F3-7308-43D5-8388-E1B49EA02652}"/>
     </a:ext>
   </a:extLst>
 </a:theme>
@@ -15049,7 +15211,7 @@
   <a:extraClrSchemeLst/>
   <a:extLst>
     <a:ext uri="{05A4C25C-085E-4340-85A3-A5531E510DB2}">
-      <thm15:themeFamily xmlns="" xmlns:thm15="http://schemas.microsoft.com/office/thememl/2012/main" name="Chef-TemplateComps_v09-16x9-Light.potx" id="{078CEFDB-FA7A-4E36-9964-13EF367585CB}" vid="{8B87B0F3-7308-43D5-8388-E1B49EA02652}"/>
+      <thm15:themeFamily xmlns:thm15="http://schemas.microsoft.com/office/thememl/2012/main" name="Chef-TemplateComps_v09-16x9-Light.potx" id="{078CEFDB-FA7A-4E36-9964-13EF367585CB}" vid="{8B87B0F3-7308-43D5-8388-E1B49EA02652}"/>
     </a:ext>
   </a:extLst>
 </a:theme>
